--- a/NuAudio presentation (2).pptx
+++ b/NuAudio presentation (2).pptx
@@ -5,7 +5,7 @@
     <p:sldMasterId id="2147483648" r:id="rId1"/>
   </p:sldMasterIdLst>
   <p:notesMasterIdLst>
-    <p:notesMasterId r:id="rId8"/>
+    <p:notesMasterId r:id="rId9"/>
   </p:notesMasterIdLst>
   <p:sldIdLst>
     <p:sldId id="256" r:id="rId2"/>
@@ -14,6 +14,7 @@
     <p:sldId id="261" r:id="rId5"/>
     <p:sldId id="259" r:id="rId6"/>
     <p:sldId id="262" r:id="rId7"/>
+    <p:sldId id="263" r:id="rId8"/>
   </p:sldIdLst>
   <p:sldSz cx="12192000" cy="6858000"/>
   <p:notesSz cx="6858000" cy="9144000"/>
@@ -202,7 +203,7 @@
           <a:p>
             <a:fld id="{64CD66E9-0F32-7348-8886-4922967FA2F4}" type="datetimeFigureOut">
               <a:rPr lang="en-US" smtClean="0"/>
-              <a:t>11/9/17</a:t>
+              <a:t>11/15/17</a:t>
             </a:fld>
             <a:endParaRPr lang="en-US"/>
           </a:p>
@@ -601,7 +602,7 @@
           <a:p>
             <a:fld id="{4C3270A2-F075-B548-AF7A-133DBF3FF76C}" type="datetimeFigureOut">
               <a:rPr lang="en-US" smtClean="0"/>
-              <a:t>11/9/17</a:t>
+              <a:t>11/15/17</a:t>
             </a:fld>
             <a:endParaRPr lang="en-US"/>
           </a:p>
@@ -771,7 +772,7 @@
           <a:p>
             <a:fld id="{4C3270A2-F075-B548-AF7A-133DBF3FF76C}" type="datetimeFigureOut">
               <a:rPr lang="en-US" smtClean="0"/>
-              <a:t>11/9/17</a:t>
+              <a:t>11/15/17</a:t>
             </a:fld>
             <a:endParaRPr lang="en-US"/>
           </a:p>
@@ -951,7 +952,7 @@
           <a:p>
             <a:fld id="{4C3270A2-F075-B548-AF7A-133DBF3FF76C}" type="datetimeFigureOut">
               <a:rPr lang="en-US" smtClean="0"/>
-              <a:t>11/9/17</a:t>
+              <a:t>11/15/17</a:t>
             </a:fld>
             <a:endParaRPr lang="en-US"/>
           </a:p>
@@ -1121,7 +1122,7 @@
           <a:p>
             <a:fld id="{4C3270A2-F075-B548-AF7A-133DBF3FF76C}" type="datetimeFigureOut">
               <a:rPr lang="en-US" smtClean="0"/>
-              <a:t>11/9/17</a:t>
+              <a:t>11/15/17</a:t>
             </a:fld>
             <a:endParaRPr lang="en-US"/>
           </a:p>
@@ -1367,7 +1368,7 @@
           <a:p>
             <a:fld id="{4C3270A2-F075-B548-AF7A-133DBF3FF76C}" type="datetimeFigureOut">
               <a:rPr lang="en-US" smtClean="0"/>
-              <a:t>11/9/17</a:t>
+              <a:t>11/15/17</a:t>
             </a:fld>
             <a:endParaRPr lang="en-US"/>
           </a:p>
@@ -1599,7 +1600,7 @@
           <a:p>
             <a:fld id="{4C3270A2-F075-B548-AF7A-133DBF3FF76C}" type="datetimeFigureOut">
               <a:rPr lang="en-US" smtClean="0"/>
-              <a:t>11/9/17</a:t>
+              <a:t>11/15/17</a:t>
             </a:fld>
             <a:endParaRPr lang="en-US"/>
           </a:p>
@@ -1966,7 +1967,7 @@
           <a:p>
             <a:fld id="{4C3270A2-F075-B548-AF7A-133DBF3FF76C}" type="datetimeFigureOut">
               <a:rPr lang="en-US" smtClean="0"/>
-              <a:t>11/9/17</a:t>
+              <a:t>11/15/17</a:t>
             </a:fld>
             <a:endParaRPr lang="en-US"/>
           </a:p>
@@ -2084,7 +2085,7 @@
           <a:p>
             <a:fld id="{4C3270A2-F075-B548-AF7A-133DBF3FF76C}" type="datetimeFigureOut">
               <a:rPr lang="en-US" smtClean="0"/>
-              <a:t>11/9/17</a:t>
+              <a:t>11/15/17</a:t>
             </a:fld>
             <a:endParaRPr lang="en-US"/>
           </a:p>
@@ -2179,7 +2180,7 @@
           <a:p>
             <a:fld id="{4C3270A2-F075-B548-AF7A-133DBF3FF76C}" type="datetimeFigureOut">
               <a:rPr lang="en-US" smtClean="0"/>
-              <a:t>11/9/17</a:t>
+              <a:t>11/15/17</a:t>
             </a:fld>
             <a:endParaRPr lang="en-US"/>
           </a:p>
@@ -2456,7 +2457,7 @@
           <a:p>
             <a:fld id="{4C3270A2-F075-B548-AF7A-133DBF3FF76C}" type="datetimeFigureOut">
               <a:rPr lang="en-US" smtClean="0"/>
-              <a:t>11/9/17</a:t>
+              <a:t>11/15/17</a:t>
             </a:fld>
             <a:endParaRPr lang="en-US"/>
           </a:p>
@@ -2709,7 +2710,7 @@
           <a:p>
             <a:fld id="{4C3270A2-F075-B548-AF7A-133DBF3FF76C}" type="datetimeFigureOut">
               <a:rPr lang="en-US" smtClean="0"/>
-              <a:t>11/9/17</a:t>
+              <a:t>11/15/17</a:t>
             </a:fld>
             <a:endParaRPr lang="en-US"/>
           </a:p>
@@ -2922,7 +2923,7 @@
           <a:p>
             <a:fld id="{4C3270A2-F075-B548-AF7A-133DBF3FF76C}" type="datetimeFigureOut">
               <a:rPr lang="en-US" smtClean="0"/>
-              <a:t>11/9/17</a:t>
+              <a:t>11/15/17</a:t>
             </a:fld>
             <a:endParaRPr lang="en-US"/>
           </a:p>
@@ -3379,6 +3380,13 @@
   <p:clrMapOvr>
     <a:masterClrMapping/>
   </p:clrMapOvr>
+  <p:timing>
+    <p:tnLst>
+      <p:par>
+        <p:cTn id="1" dur="indefinite" restart="never" nodeType="tmRoot"/>
+      </p:par>
+    </p:tnLst>
+  </p:timing>
 </p:sld>
 </file>
 
@@ -3455,11 +3463,7 @@
             </a:r>
             <a:r>
               <a:rPr lang="en-US" dirty="0" smtClean="0"/>
-              <a:t> </a:t>
-            </a:r>
-            <a:r>
-              <a:rPr lang="en-US" dirty="0" smtClean="0"/>
-              <a:t>responses</a:t>
+              <a:t> responses</a:t>
             </a:r>
           </a:p>
           <a:p>
@@ -3473,13 +3477,8 @@
             </a:r>
             <a:r>
               <a:rPr lang="en-US" dirty="0" smtClean="0"/>
-              <a:t> have more </a:t>
-            </a:r>
-            <a:r>
-              <a:rPr lang="en-US" smtClean="0"/>
-              <a:t>fluid speech (more human like)</a:t>
-            </a:r>
-            <a:endParaRPr lang="en-US" dirty="0" smtClean="0"/>
+              <a:t> have more fluid speech (more human like)</a:t>
+            </a:r>
           </a:p>
           <a:p>
             <a:r>
@@ -3546,6 +3545,13 @@
   <p:clrMapOvr>
     <a:masterClrMapping/>
   </p:clrMapOvr>
+  <p:timing>
+    <p:tnLst>
+      <p:par>
+        <p:cTn id="1" dur="indefinite" restart="never" nodeType="tmRoot"/>
+      </p:par>
+    </p:tnLst>
+  </p:timing>
 </p:sld>
 </file>
 
@@ -3696,6 +3702,13 @@
   <p:clrMapOvr>
     <a:masterClrMapping/>
   </p:clrMapOvr>
+  <p:timing>
+    <p:tnLst>
+      <p:par>
+        <p:cTn id="1" dur="indefinite" restart="never" nodeType="tmRoot"/>
+      </p:par>
+    </p:tnLst>
+  </p:timing>
 </p:sld>
 </file>
 
@@ -3756,15 +3769,7 @@
           <a:p>
             <a:r>
               <a:rPr lang="en-US" dirty="0" smtClean="0"/>
-              <a:t>We are working on implementing </a:t>
-            </a:r>
-            <a:r>
-              <a:rPr lang="en-US" dirty="0" smtClean="0"/>
-              <a:t>SSML type (Speech Synthesis Markup Language) instead of Plaintext type </a:t>
-            </a:r>
-            <a:r>
-              <a:rPr lang="en-US" dirty="0" smtClean="0"/>
-              <a:t>into our Alexa Responses</a:t>
+              <a:t>We are working on implementing SSML type (Speech Synthesis Markup Language) instead of Plaintext type into our Alexa Responses</a:t>
             </a:r>
           </a:p>
           <a:p>
@@ -3806,6 +3811,13 @@
   <p:clrMapOvr>
     <a:masterClrMapping/>
   </p:clrMapOvr>
+  <p:timing>
+    <p:tnLst>
+      <p:par>
+        <p:cTn id="1" dur="indefinite" restart="never" nodeType="tmRoot"/>
+      </p:par>
+    </p:tnLst>
+  </p:timing>
 </p:sld>
 </file>
 
@@ -3981,6 +3993,13 @@
   <p:clrMapOvr>
     <a:masterClrMapping/>
   </p:clrMapOvr>
+  <p:timing>
+    <p:tnLst>
+      <p:par>
+        <p:cTn id="1" dur="indefinite" restart="never" nodeType="tmRoot"/>
+      </p:par>
+    </p:tnLst>
+  </p:timing>
 </p:sld>
 </file>
 
@@ -4115,6 +4134,553 @@
   <p:clrMapOvr>
     <a:masterClrMapping/>
   </p:clrMapOvr>
+  <p:timing>
+    <p:tnLst>
+      <p:par>
+        <p:cTn id="1" dur="indefinite" restart="never" nodeType="tmRoot"/>
+      </p:par>
+    </p:tnLst>
+  </p:timing>
+</p:sld>
+</file>
+
+<file path=ppt/slides/slide7.xml><?xml version="1.0" encoding="utf-8"?>
+<p:sld xmlns:a="http://schemas.openxmlformats.org/drawingml/2006/main" xmlns:r="http://schemas.openxmlformats.org/officeDocument/2006/relationships" xmlns:p="http://schemas.openxmlformats.org/presentationml/2006/main">
+  <p:cSld>
+    <p:spTree>
+      <p:nvGrpSpPr>
+        <p:cNvPr id="1" name=""/>
+        <p:cNvGrpSpPr/>
+        <p:nvPr/>
+      </p:nvGrpSpPr>
+      <p:grpSpPr>
+        <a:xfrm>
+          <a:off x="0" y="0"/>
+          <a:ext cx="0" cy="0"/>
+          <a:chOff x="0" y="0"/>
+          <a:chExt cx="0" cy="0"/>
+        </a:xfrm>
+      </p:grpSpPr>
+      <p:sp>
+        <p:nvSpPr>
+          <p:cNvPr id="2" name="Title 1"/>
+          <p:cNvSpPr>
+            <a:spLocks noGrp="1"/>
+          </p:cNvSpPr>
+          <p:nvPr>
+            <p:ph type="title"/>
+          </p:nvPr>
+        </p:nvSpPr>
+        <p:spPr>
+          <a:xfrm>
+            <a:off x="838200" y="1"/>
+            <a:ext cx="10515600" cy="768095"/>
+          </a:xfrm>
+        </p:spPr>
+        <p:txBody>
+          <a:bodyPr/>
+          <a:lstStyle/>
+          <a:p>
+            <a:r>
+              <a:rPr lang="en-US" b="1" i="1" u="sng" dirty="0" smtClean="0"/>
+              <a:t>Product budget</a:t>
+            </a:r>
+            <a:endParaRPr lang="en-US" b="1" i="1" u="sng" dirty="0"/>
+          </a:p>
+        </p:txBody>
+      </p:sp>
+      <p:sp>
+        <p:nvSpPr>
+          <p:cNvPr id="3" name="Content Placeholder 2"/>
+          <p:cNvSpPr>
+            <a:spLocks noGrp="1"/>
+          </p:cNvSpPr>
+          <p:nvPr>
+            <p:ph idx="1"/>
+          </p:nvPr>
+        </p:nvSpPr>
+        <p:spPr>
+          <a:xfrm>
+            <a:off x="97536" y="1219200"/>
+            <a:ext cx="12094464" cy="5522976"/>
+          </a:xfrm>
+        </p:spPr>
+        <p:txBody>
+          <a:bodyPr numCol="4">
+            <a:normAutofit/>
+          </a:bodyPr>
+          <a:lstStyle/>
+          <a:p>
+            <a:pPr>
+              <a:buFont typeface="Arial" charset="0"/>
+              <a:buChar char="•"/>
+            </a:pPr>
+            <a:r>
+              <a:rPr lang="en-US" sz="2000" b="1" i="1" u="sng" dirty="0" smtClean="0"/>
+              <a:t>Week 1: Sept. 3-9</a:t>
+            </a:r>
+          </a:p>
+          <a:p>
+            <a:pPr marL="0" indent="0">
+              <a:buNone/>
+            </a:pPr>
+            <a:r>
+              <a:rPr lang="en-US" sz="2000" dirty="0" smtClean="0"/>
+              <a:t>Sept.3</a:t>
+            </a:r>
+            <a:r>
+              <a:rPr lang="en-US" sz="2000" baseline="30000" dirty="0" smtClean="0"/>
+              <a:t>rd</a:t>
+            </a:r>
+            <a:r>
+              <a:rPr lang="en-US" sz="2000" dirty="0" smtClean="0"/>
+              <a:t> (Sun.) for an hour. </a:t>
+            </a:r>
+          </a:p>
+          <a:p>
+            <a:pPr marL="0" indent="0">
+              <a:buNone/>
+            </a:pPr>
+            <a:r>
+              <a:rPr lang="en-US" sz="2000" dirty="0" smtClean="0"/>
+              <a:t>Sept. 6</a:t>
+            </a:r>
+            <a:r>
+              <a:rPr lang="en-US" sz="2000" baseline="30000" dirty="0" smtClean="0"/>
+              <a:t>th</a:t>
+            </a:r>
+            <a:r>
+              <a:rPr lang="en-US" sz="2000" dirty="0" smtClean="0"/>
+              <a:t>(Wed.) for an hour.</a:t>
+            </a:r>
+          </a:p>
+          <a:p>
+            <a:r>
+              <a:rPr lang="en-US" sz="2000" b="1" i="1" u="sng" dirty="0" smtClean="0"/>
+              <a:t>Week 2: Sept. 10-16</a:t>
+            </a:r>
+          </a:p>
+          <a:p>
+            <a:pPr marL="0" indent="0">
+              <a:buNone/>
+            </a:pPr>
+            <a:r>
+              <a:rPr lang="en-US" sz="2000" dirty="0" smtClean="0"/>
+              <a:t>Sept.10th (Sun.) for an hour.</a:t>
+            </a:r>
+          </a:p>
+          <a:p>
+            <a:pPr marL="0" indent="0">
+              <a:buNone/>
+            </a:pPr>
+            <a:r>
+              <a:rPr lang="en-US" sz="2000" dirty="0" smtClean="0"/>
+              <a:t>Sept. 13</a:t>
+            </a:r>
+            <a:r>
+              <a:rPr lang="en-US" sz="2000" baseline="30000" dirty="0" smtClean="0"/>
+              <a:t>th</a:t>
+            </a:r>
+            <a:r>
+              <a:rPr lang="en-US" sz="2000" dirty="0" smtClean="0"/>
+              <a:t>(Wed.) for two hours.		</a:t>
+            </a:r>
+          </a:p>
+          <a:p>
+            <a:r>
+              <a:rPr lang="en-US" sz="2000" b="1" i="1" u="sng" dirty="0" smtClean="0"/>
+              <a:t>Week 3: Sept. 17-23</a:t>
+            </a:r>
+          </a:p>
+          <a:p>
+            <a:pPr marL="0" indent="0">
+              <a:buNone/>
+            </a:pPr>
+            <a:r>
+              <a:rPr lang="en-US" sz="2000" dirty="0" smtClean="0"/>
+              <a:t>Sept.17</a:t>
+            </a:r>
+            <a:r>
+              <a:rPr lang="en-US" sz="2000" baseline="30000" dirty="0" smtClean="0"/>
+              <a:t>th</a:t>
+            </a:r>
+            <a:r>
+              <a:rPr lang="en-US" sz="2000" dirty="0" smtClean="0"/>
+              <a:t>(Sun.) for two hours.</a:t>
+            </a:r>
+          </a:p>
+          <a:p>
+            <a:pPr marL="0" indent="0">
+              <a:buNone/>
+            </a:pPr>
+            <a:r>
+              <a:rPr lang="en-US" sz="2000" dirty="0" smtClean="0"/>
+              <a:t>Sept. 20</a:t>
+            </a:r>
+            <a:r>
+              <a:rPr lang="en-US" sz="2000" baseline="30000" dirty="0" smtClean="0"/>
+              <a:t>th</a:t>
+            </a:r>
+            <a:r>
+              <a:rPr lang="en-US" sz="2000" dirty="0" smtClean="0"/>
+              <a:t>(Wed.) for two hours.</a:t>
+            </a:r>
+          </a:p>
+          <a:p>
+            <a:r>
+              <a:rPr lang="en-US" sz="2000" b="1" i="1" u="sng" dirty="0" smtClean="0"/>
+              <a:t>Week 4: Sept. 24-30</a:t>
+            </a:r>
+          </a:p>
+          <a:p>
+            <a:pPr marL="0" indent="0">
+              <a:buNone/>
+            </a:pPr>
+            <a:r>
+              <a:rPr lang="en-US" sz="2000" dirty="0" smtClean="0"/>
+              <a:t>Sept.24</a:t>
+            </a:r>
+            <a:r>
+              <a:rPr lang="en-US" sz="2000" baseline="30000" dirty="0" smtClean="0"/>
+              <a:t>th</a:t>
+            </a:r>
+            <a:r>
+              <a:rPr lang="en-US" sz="2000" dirty="0" smtClean="0"/>
+              <a:t>(Sun.) for an hour. </a:t>
+            </a:r>
+          </a:p>
+          <a:p>
+            <a:pPr marL="0" indent="0">
+              <a:buNone/>
+            </a:pPr>
+            <a:r>
+              <a:rPr lang="en-US" sz="2000" dirty="0" smtClean="0"/>
+              <a:t>Sept 27</a:t>
+            </a:r>
+            <a:r>
+              <a:rPr lang="en-US" sz="2000" baseline="30000" dirty="0" smtClean="0"/>
+              <a:t>th</a:t>
+            </a:r>
+            <a:r>
+              <a:rPr lang="en-US" sz="2000" dirty="0" smtClean="0"/>
+              <a:t>(Wed.) for two hours.		</a:t>
+            </a:r>
+          </a:p>
+          <a:p>
+            <a:r>
+              <a:rPr lang="en-US" sz="2000" b="1" i="1" u="sng" dirty="0" smtClean="0"/>
+              <a:t>Week 5: Oct. 1-7</a:t>
+            </a:r>
+          </a:p>
+          <a:p>
+            <a:pPr marL="0" indent="0">
+              <a:buNone/>
+            </a:pPr>
+            <a:r>
+              <a:rPr lang="en-US" sz="2000" dirty="0" smtClean="0"/>
+              <a:t>Oct.1st(Sun.) for two hours.</a:t>
+            </a:r>
+          </a:p>
+          <a:p>
+            <a:pPr marL="0" indent="0">
+              <a:buNone/>
+            </a:pPr>
+            <a:r>
+              <a:rPr lang="en-US" sz="2000" dirty="0" smtClean="0"/>
+              <a:t>Oct.4</a:t>
+            </a:r>
+            <a:r>
+              <a:rPr lang="en-US" sz="2000" baseline="30000" dirty="0" smtClean="0"/>
+              <a:t>th</a:t>
+            </a:r>
+            <a:r>
+              <a:rPr lang="en-US" sz="2000" dirty="0" smtClean="0"/>
+              <a:t>(Wed.) for two hours.</a:t>
+            </a:r>
+          </a:p>
+          <a:p>
+            <a:r>
+              <a:rPr lang="en-US" sz="2000" b="1" i="1" u="sng" dirty="0" smtClean="0"/>
+              <a:t>Week 6: Oct. 8-14</a:t>
+            </a:r>
+          </a:p>
+          <a:p>
+            <a:pPr marL="0" indent="0">
+              <a:buNone/>
+            </a:pPr>
+            <a:r>
+              <a:rPr lang="en-US" sz="2000" dirty="0" smtClean="0"/>
+              <a:t>No meetings due to fires</a:t>
+            </a:r>
+          </a:p>
+          <a:p>
+            <a:r>
+              <a:rPr lang="en-US" sz="2000" b="1" i="1" u="sng" dirty="0" smtClean="0"/>
+              <a:t>Week 7: Oct. 15-21</a:t>
+            </a:r>
+          </a:p>
+          <a:p>
+            <a:pPr marL="0" indent="0">
+              <a:buNone/>
+            </a:pPr>
+            <a:r>
+              <a:rPr lang="en-US" sz="2000" dirty="0" smtClean="0"/>
+              <a:t>Oct.18</a:t>
+            </a:r>
+            <a:r>
+              <a:rPr lang="en-US" sz="2000" baseline="30000" dirty="0" smtClean="0"/>
+              <a:t>th</a:t>
+            </a:r>
+            <a:r>
+              <a:rPr lang="en-US" sz="2000" dirty="0" smtClean="0"/>
+              <a:t>(Wed.) for two hours</a:t>
+            </a:r>
+          </a:p>
+          <a:p>
+            <a:r>
+              <a:rPr lang="en-US" sz="2000" b="1" i="1" u="sng" dirty="0" smtClean="0"/>
+              <a:t>Week 8: Oct. 22-28</a:t>
+            </a:r>
+          </a:p>
+          <a:p>
+            <a:pPr marL="0" indent="0">
+              <a:buNone/>
+            </a:pPr>
+            <a:r>
+              <a:rPr lang="en-US" sz="2000" dirty="0" smtClean="0"/>
+              <a:t>Oct.22</a:t>
+            </a:r>
+            <a:r>
+              <a:rPr lang="en-US" sz="2000" baseline="30000" dirty="0" smtClean="0"/>
+              <a:t>nd</a:t>
+            </a:r>
+            <a:r>
+              <a:rPr lang="en-US" sz="2000" dirty="0" smtClean="0"/>
+              <a:t>(Sun.) for an hour</a:t>
+            </a:r>
+          </a:p>
+          <a:p>
+            <a:pPr marL="0" indent="0">
+              <a:buNone/>
+            </a:pPr>
+            <a:r>
+              <a:rPr lang="en-US" sz="2000" dirty="0" smtClean="0"/>
+              <a:t>Oct.25</a:t>
+            </a:r>
+            <a:r>
+              <a:rPr lang="en-US" sz="2000" baseline="30000" dirty="0" smtClean="0"/>
+              <a:t>th</a:t>
+            </a:r>
+            <a:r>
+              <a:rPr lang="en-US" sz="2000" dirty="0" smtClean="0"/>
+              <a:t>(Wed.) for an hour</a:t>
+            </a:r>
+          </a:p>
+          <a:p>
+            <a:r>
+              <a:rPr lang="en-US" sz="2000" b="1" i="1" u="sng" dirty="0" smtClean="0"/>
+              <a:t>Week 9: Oct. 29- Nov. 4</a:t>
+            </a:r>
+          </a:p>
+          <a:p>
+            <a:pPr marL="0" indent="0">
+              <a:buNone/>
+            </a:pPr>
+            <a:r>
+              <a:rPr lang="en-US" sz="2000" dirty="0" smtClean="0"/>
+              <a:t>Oct.29</a:t>
+            </a:r>
+            <a:r>
+              <a:rPr lang="en-US" sz="2000" baseline="30000" dirty="0" smtClean="0"/>
+              <a:t>th</a:t>
+            </a:r>
+            <a:r>
+              <a:rPr lang="en-US" sz="2000" dirty="0" smtClean="0"/>
+              <a:t>(Sun.) for two hours.</a:t>
+            </a:r>
+          </a:p>
+          <a:p>
+            <a:pPr marL="0" indent="0">
+              <a:buNone/>
+            </a:pPr>
+            <a:r>
+              <a:rPr lang="en-US" sz="2000" dirty="0" smtClean="0"/>
+              <a:t>Nov.1</a:t>
+            </a:r>
+            <a:r>
+              <a:rPr lang="en-US" sz="2000" baseline="30000" dirty="0" smtClean="0"/>
+              <a:t>st</a:t>
+            </a:r>
+            <a:r>
+              <a:rPr lang="en-US" sz="2000" dirty="0" smtClean="0"/>
+              <a:t>(Wed.) for two hours.</a:t>
+            </a:r>
+          </a:p>
+          <a:p>
+            <a:r>
+              <a:rPr lang="en-US" sz="2000" b="1" i="1" u="sng" dirty="0" smtClean="0"/>
+              <a:t>Week 10: Nov.5-11</a:t>
+            </a:r>
+          </a:p>
+          <a:p>
+            <a:pPr marL="0" indent="0">
+              <a:buNone/>
+            </a:pPr>
+            <a:r>
+              <a:rPr lang="en-US" sz="2000" dirty="0" smtClean="0"/>
+              <a:t>Nov.5</a:t>
+            </a:r>
+            <a:r>
+              <a:rPr lang="en-US" sz="2000" baseline="30000" dirty="0" smtClean="0"/>
+              <a:t>th</a:t>
+            </a:r>
+            <a:r>
+              <a:rPr lang="en-US" sz="2000" dirty="0" smtClean="0"/>
+              <a:t> for an hour</a:t>
+            </a:r>
+          </a:p>
+          <a:p>
+            <a:pPr marL="0" indent="0">
+              <a:buNone/>
+            </a:pPr>
+            <a:r>
+              <a:rPr lang="en-US" sz="2000" dirty="0" smtClean="0"/>
+              <a:t>Nov.8</a:t>
+            </a:r>
+            <a:r>
+              <a:rPr lang="en-US" sz="2000" baseline="30000" dirty="0" smtClean="0"/>
+              <a:t>th</a:t>
+            </a:r>
+            <a:r>
+              <a:rPr lang="en-US" sz="2000" dirty="0" smtClean="0"/>
+              <a:t> for an hour</a:t>
+            </a:r>
+          </a:p>
+          <a:p>
+            <a:r>
+              <a:rPr lang="en-US" sz="2000" b="1" i="1" u="sng" dirty="0" smtClean="0"/>
+              <a:t>Week 11: Nov.12-18</a:t>
+            </a:r>
+          </a:p>
+          <a:p>
+            <a:pPr marL="0" indent="0">
+              <a:buNone/>
+            </a:pPr>
+            <a:r>
+              <a:rPr lang="en-US" sz="2000" dirty="0" smtClean="0"/>
+              <a:t>Nov.12</a:t>
+            </a:r>
+            <a:r>
+              <a:rPr lang="en-US" sz="2000" baseline="30000" dirty="0" smtClean="0"/>
+              <a:t>th</a:t>
+            </a:r>
+            <a:r>
+              <a:rPr lang="en-US" sz="2000" dirty="0" smtClean="0"/>
+              <a:t>(Sun) for two hours</a:t>
+            </a:r>
+          </a:p>
+          <a:p>
+            <a:pPr marL="0" indent="0">
+              <a:buNone/>
+            </a:pPr>
+            <a:r>
+              <a:rPr lang="en-US" sz="2000" dirty="0" smtClean="0"/>
+              <a:t>Nov.15</a:t>
+            </a:r>
+            <a:r>
+              <a:rPr lang="en-US" sz="2000" baseline="30000" dirty="0" smtClean="0"/>
+              <a:t>th</a:t>
+            </a:r>
+            <a:r>
+              <a:rPr lang="en-US" sz="2000" dirty="0" smtClean="0"/>
+              <a:t>(Wed.) for 5 hours</a:t>
+            </a:r>
+          </a:p>
+          <a:p>
+            <a:pPr marL="0" indent="0">
+              <a:buNone/>
+            </a:pPr>
+            <a:endParaRPr lang="en-US" sz="2000" dirty="0"/>
+          </a:p>
+          <a:p>
+            <a:pPr marL="0" indent="0">
+              <a:buNone/>
+            </a:pPr>
+            <a:endParaRPr lang="en-US" sz="2000" dirty="0" smtClean="0"/>
+          </a:p>
+          <a:p>
+            <a:pPr marL="0" indent="0">
+              <a:buNone/>
+            </a:pPr>
+            <a:endParaRPr lang="en-US" sz="2000" dirty="0"/>
+          </a:p>
+          <a:p>
+            <a:pPr marL="0" indent="0">
+              <a:buNone/>
+            </a:pPr>
+            <a:endParaRPr lang="en-US" sz="2000" dirty="0" smtClean="0"/>
+          </a:p>
+          <a:p>
+            <a:pPr marL="0" indent="0">
+              <a:buNone/>
+            </a:pPr>
+            <a:endParaRPr lang="en-US" sz="2000" dirty="0"/>
+          </a:p>
+          <a:p>
+            <a:pPr marL="0" indent="0">
+              <a:buNone/>
+            </a:pPr>
+            <a:endParaRPr lang="en-US" sz="2000" dirty="0" smtClean="0"/>
+          </a:p>
+          <a:p>
+            <a:pPr marL="0" indent="0">
+              <a:buNone/>
+            </a:pPr>
+            <a:endParaRPr lang="en-US" sz="2000" dirty="0"/>
+          </a:p>
+          <a:p>
+            <a:pPr marL="0" indent="0">
+              <a:buNone/>
+            </a:pPr>
+            <a:r>
+              <a:rPr lang="en-US" sz="2000" dirty="0" smtClean="0"/>
+              <a:t>	$100 per hour per person</a:t>
+            </a:r>
+          </a:p>
+          <a:p>
+            <a:pPr marL="0" indent="0">
+              <a:buNone/>
+            </a:pPr>
+            <a:endParaRPr lang="en-US" sz="2000" dirty="0"/>
+          </a:p>
+          <a:p>
+            <a:pPr marL="0" indent="0">
+              <a:buNone/>
+            </a:pPr>
+            <a:r>
+              <a:rPr lang="en-US" sz="2000" dirty="0" smtClean="0"/>
+              <a:t>	33 total hours worked for a cost of $3300 * the number of people in the team(5), for a total of $16500.</a:t>
+            </a:r>
+          </a:p>
+        </p:txBody>
+      </p:sp>
+    </p:spTree>
+    <p:extLst>
+      <p:ext uri="{BB962C8B-B14F-4D97-AF65-F5344CB8AC3E}">
+        <p14:creationId xmlns:p14="http://schemas.microsoft.com/office/powerpoint/2010/main" val="903246197"/>
+      </p:ext>
+    </p:extLst>
+  </p:cSld>
+  <p:clrMapOvr>
+    <a:masterClrMapping/>
+  </p:clrMapOvr>
+  <p:timing>
+    <p:tnLst>
+      <p:par>
+        <p:cTn id="1" dur="indefinite" restart="never" nodeType="tmRoot"/>
+      </p:par>
+    </p:tnLst>
+  </p:timing>
 </p:sld>
 </file>
 

--- a/NuAudio presentation (2).pptx
+++ b/NuAudio presentation (2).pptx
@@ -3370,6 +3370,36 @@
           </a:p>
         </p:txBody>
       </p:sp>
+      <p:pic>
+        <p:nvPicPr>
+          <p:cNvPr id="4" name="Picture 3"/>
+          <p:cNvPicPr>
+            <a:picLocks noChangeAspect="1"/>
+          </p:cNvPicPr>
+          <p:nvPr/>
+        </p:nvPicPr>
+        <p:blipFill>
+          <a:blip r:embed="rId2">
+            <a:extLst>
+              <a:ext uri="{28A0092B-C50C-407E-A947-70E740481C1C}">
+                <a14:useLocalDpi xmlns:a14="http://schemas.microsoft.com/office/drawing/2010/main" val="0"/>
+              </a:ext>
+            </a:extLst>
+          </a:blip>
+          <a:stretch>
+            <a:fillRect/>
+          </a:stretch>
+        </p:blipFill>
+        <p:spPr>
+          <a:xfrm>
+            <a:off x="0" y="0"/>
+            <a:ext cx="12192000" cy="7022591"/>
+          </a:xfrm>
+          <a:prstGeom prst="rect">
+            <a:avLst/>
+          </a:prstGeom>
+        </p:spPr>
+      </p:pic>
     </p:spTree>
     <p:extLst>
       <p:ext uri="{BB962C8B-B14F-4D97-AF65-F5344CB8AC3E}">
@@ -3417,16 +3447,33 @@
             <p:ph type="title"/>
           </p:nvPr>
         </p:nvSpPr>
-        <p:spPr/>
+        <p:spPr>
+          <a:xfrm>
+            <a:off x="0" y="1"/>
+            <a:ext cx="12192000" cy="1825624"/>
+          </a:xfrm>
+          <a:solidFill>
+            <a:schemeClr val="tx1"/>
+          </a:solidFill>
+        </p:spPr>
         <p:txBody>
           <a:bodyPr/>
           <a:lstStyle/>
           <a:p>
-            <a:r>
-              <a:rPr lang="en-US" dirty="0" smtClean="0"/>
+            <a:pPr algn="ctr"/>
+            <a:r>
+              <a:rPr lang="en-US" b="1" dirty="0" smtClean="0">
+                <a:solidFill>
+                  <a:schemeClr val="bg1"/>
+                </a:solidFill>
+              </a:rPr>
               <a:t>Backlog</a:t>
             </a:r>
-            <a:endParaRPr lang="en-US" dirty="0"/>
+            <a:endParaRPr lang="en-US" b="1" dirty="0">
+              <a:solidFill>
+                <a:schemeClr val="bg1"/>
+              </a:solidFill>
+            </a:endParaRPr>
           </a:p>
         </p:txBody>
       </p:sp>
@@ -3440,92 +3487,172 @@
             <p:ph idx="1"/>
           </p:nvPr>
         </p:nvSpPr>
-        <p:spPr/>
+        <p:spPr>
+          <a:xfrm>
+            <a:off x="0" y="1825624"/>
+            <a:ext cx="12192000" cy="5032375"/>
+          </a:xfrm>
+          <a:solidFill>
+            <a:schemeClr val="tx1"/>
+          </a:solidFill>
+        </p:spPr>
         <p:txBody>
           <a:bodyPr/>
           <a:lstStyle/>
           <a:p>
             <a:r>
-              <a:rPr lang="en-US" dirty="0" smtClean="0"/>
+              <a:rPr lang="en-US" b="1" dirty="0" smtClean="0">
+                <a:solidFill>
+                  <a:schemeClr val="bg1"/>
+                </a:solidFill>
+              </a:rPr>
               <a:t>Connecting </a:t>
             </a:r>
             <a:r>
-              <a:rPr lang="en-US" dirty="0" err="1" smtClean="0"/>
+              <a:rPr lang="en-US" b="1" dirty="0" err="1" smtClean="0">
+                <a:solidFill>
+                  <a:schemeClr val="bg1"/>
+                </a:solidFill>
+              </a:rPr>
               <a:t>itunes</a:t>
             </a:r>
             <a:r>
-              <a:rPr lang="en-US" dirty="0" smtClean="0"/>
+              <a:rPr lang="en-US" b="1" dirty="0" smtClean="0">
+                <a:solidFill>
+                  <a:schemeClr val="bg1"/>
+                </a:solidFill>
+              </a:rPr>
               <a:t> database to </a:t>
             </a:r>
             <a:r>
-              <a:rPr lang="en-US" dirty="0" err="1" smtClean="0"/>
+              <a:rPr lang="en-US" b="1" dirty="0" err="1" smtClean="0">
+                <a:solidFill>
+                  <a:schemeClr val="bg1"/>
+                </a:solidFill>
+              </a:rPr>
               <a:t>alexa</a:t>
             </a:r>
             <a:r>
-              <a:rPr lang="en-US" dirty="0" smtClean="0"/>
+              <a:rPr lang="en-US" b="1" dirty="0" smtClean="0">
+                <a:solidFill>
+                  <a:schemeClr val="bg1"/>
+                </a:solidFill>
+              </a:rPr>
               <a:t> responses</a:t>
             </a:r>
           </a:p>
           <a:p>
             <a:r>
-              <a:rPr lang="en-US" dirty="0" smtClean="0"/>
+              <a:rPr lang="en-US" b="1" dirty="0" smtClean="0">
+                <a:solidFill>
+                  <a:schemeClr val="bg1"/>
+                </a:solidFill>
+              </a:rPr>
               <a:t>Working on making </a:t>
             </a:r>
             <a:r>
-              <a:rPr lang="en-US" dirty="0" err="1" smtClean="0"/>
+              <a:rPr lang="en-US" b="1" dirty="0" err="1" smtClean="0">
+                <a:solidFill>
+                  <a:schemeClr val="bg1"/>
+                </a:solidFill>
+              </a:rPr>
               <a:t>alexa</a:t>
             </a:r>
             <a:r>
-              <a:rPr lang="en-US" dirty="0" smtClean="0"/>
+              <a:rPr lang="en-US" b="1" dirty="0" smtClean="0">
+                <a:solidFill>
+                  <a:schemeClr val="bg1"/>
+                </a:solidFill>
+              </a:rPr>
               <a:t> have more fluid speech (more human like)</a:t>
             </a:r>
           </a:p>
           <a:p>
             <a:r>
-              <a:rPr lang="en-US" dirty="0" smtClean="0"/>
+              <a:rPr lang="en-US" b="1" dirty="0" smtClean="0">
+                <a:solidFill>
+                  <a:schemeClr val="bg1"/>
+                </a:solidFill>
+              </a:rPr>
               <a:t>Being able to iterate over more than just one response from </a:t>
             </a:r>
             <a:r>
-              <a:rPr lang="en-US" dirty="0" err="1" smtClean="0"/>
+              <a:rPr lang="en-US" b="1" dirty="0" err="1" smtClean="0">
+                <a:solidFill>
+                  <a:schemeClr val="bg1"/>
+                </a:solidFill>
+              </a:rPr>
               <a:t>alexa</a:t>
             </a:r>
             <a:r>
-              <a:rPr lang="en-US" dirty="0" smtClean="0"/>
+              <a:rPr lang="en-US" b="1" dirty="0" smtClean="0">
+                <a:solidFill>
+                  <a:schemeClr val="bg1"/>
+                </a:solidFill>
+              </a:rPr>
               <a:t> (</a:t>
             </a:r>
             <a:r>
-              <a:rPr lang="en-US" dirty="0" err="1" smtClean="0"/>
+              <a:rPr lang="en-US" b="1" dirty="0" err="1" smtClean="0">
+                <a:solidFill>
+                  <a:schemeClr val="bg1"/>
+                </a:solidFill>
+              </a:rPr>
               <a:t>MoreIntent</a:t>
             </a:r>
             <a:r>
-              <a:rPr lang="en-US" dirty="0" smtClean="0"/>
+              <a:rPr lang="en-US" b="1" dirty="0" smtClean="0">
+                <a:solidFill>
+                  <a:schemeClr val="bg1"/>
+                </a:solidFill>
+              </a:rPr>
               <a:t>)</a:t>
             </a:r>
           </a:p>
           <a:p>
             <a:r>
-              <a:rPr lang="en-US" dirty="0" smtClean="0"/>
+              <a:rPr lang="en-US" b="1" dirty="0" smtClean="0">
+                <a:solidFill>
+                  <a:schemeClr val="bg1"/>
+                </a:solidFill>
+              </a:rPr>
               <a:t>Add a user library, or repeated user request list, that allows </a:t>
             </a:r>
             <a:r>
-              <a:rPr lang="en-US" dirty="0" err="1" smtClean="0"/>
+              <a:rPr lang="en-US" b="1" dirty="0" err="1" smtClean="0">
+                <a:solidFill>
+                  <a:schemeClr val="bg1"/>
+                </a:solidFill>
+              </a:rPr>
               <a:t>alexa</a:t>
             </a:r>
             <a:r>
-              <a:rPr lang="en-US" dirty="0" smtClean="0"/>
+              <a:rPr lang="en-US" b="1" dirty="0" smtClean="0">
+                <a:solidFill>
+                  <a:schemeClr val="bg1"/>
+                </a:solidFill>
+              </a:rPr>
               <a:t> to search for song releases that the user might be interested in hearing (</a:t>
             </a:r>
             <a:r>
-              <a:rPr lang="en-US" dirty="0" err="1" smtClean="0"/>
+              <a:rPr lang="en-US" b="1" dirty="0" err="1" smtClean="0">
+                <a:solidFill>
+                  <a:schemeClr val="bg1"/>
+                </a:solidFill>
+              </a:rPr>
               <a:t>SuggestedIntent</a:t>
             </a:r>
             <a:r>
-              <a:rPr lang="en-US" dirty="0" smtClean="0"/>
+              <a:rPr lang="en-US" b="1" dirty="0" smtClean="0">
+                <a:solidFill>
+                  <a:schemeClr val="bg1"/>
+                </a:solidFill>
+              </a:rPr>
               <a:t>)</a:t>
             </a:r>
           </a:p>
           <a:p>
-            <a:endParaRPr lang="en-US" dirty="0" smtClean="0"/>
+            <a:endParaRPr lang="en-US" b="1" dirty="0" smtClean="0"/>
           </a:p>
           <a:p>
             <a:endParaRPr lang="en-US" dirty="0" smtClean="0"/>
@@ -3582,16 +3709,49 @@
             <p:ph type="title"/>
           </p:nvPr>
         </p:nvSpPr>
-        <p:spPr/>
+        <p:spPr>
+          <a:xfrm>
+            <a:off x="0" y="1"/>
+            <a:ext cx="12192000" cy="1690688"/>
+          </a:xfrm>
+          <a:solidFill>
+            <a:schemeClr val="tx1"/>
+          </a:solidFill>
+        </p:spPr>
         <p:txBody>
           <a:bodyPr/>
           <a:lstStyle/>
           <a:p>
-            <a:r>
-              <a:rPr lang="en-US" dirty="0" smtClean="0"/>
-              <a:t>Completed Items</a:t>
-            </a:r>
-            <a:endParaRPr lang="en-US" dirty="0"/>
+            <a:pPr algn="ctr"/>
+            <a:r>
+              <a:rPr lang="en-US" b="1" dirty="0" smtClean="0">
+                <a:solidFill>
+                  <a:schemeClr val="bg1"/>
+                </a:solidFill>
+              </a:rPr>
+              <a:t>Completed</a:t>
+            </a:r>
+            <a:r>
+              <a:rPr lang="en-US" b="1" dirty="0" smtClean="0">
+                <a:solidFill>
+                  <a:srgbClr val="FFFF00"/>
+                </a:solidFill>
+              </a:rPr>
+              <a:t> </a:t>
+            </a:r>
+            <a:r>
+              <a:rPr lang="en-US" b="1" dirty="0" smtClean="0">
+                <a:solidFill>
+                  <a:schemeClr val="bg1"/>
+                </a:solidFill>
+              </a:rPr>
+              <a:t>Items</a:t>
+            </a:r>
+            <a:endParaRPr lang="en-US" b="1" dirty="0">
+              <a:solidFill>
+                <a:schemeClr val="bg1"/>
+              </a:solidFill>
+            </a:endParaRPr>
           </a:p>
         </p:txBody>
       </p:sp>
@@ -3605,85 +3765,161 @@
             <p:ph idx="1"/>
           </p:nvPr>
         </p:nvSpPr>
-        <p:spPr/>
+        <p:spPr>
+          <a:xfrm>
+            <a:off x="0" y="1690688"/>
+            <a:ext cx="12192000" cy="5167311"/>
+          </a:xfrm>
+          <a:solidFill>
+            <a:schemeClr val="tx1"/>
+          </a:solidFill>
+        </p:spPr>
         <p:txBody>
           <a:bodyPr/>
           <a:lstStyle/>
           <a:p>
             <a:r>
-              <a:rPr lang="en-US" dirty="0" smtClean="0"/>
+              <a:rPr lang="en-US" b="1" dirty="0" smtClean="0">
+                <a:solidFill>
+                  <a:schemeClr val="bg1"/>
+                </a:solidFill>
+              </a:rPr>
               <a:t>Setting up Lambda server for </a:t>
             </a:r>
             <a:r>
-              <a:rPr lang="en-US" dirty="0"/>
+              <a:rPr lang="en-US" b="1" dirty="0">
+                <a:solidFill>
+                  <a:schemeClr val="bg1"/>
+                </a:solidFill>
+              </a:rPr>
               <a:t>A</a:t>
             </a:r>
             <a:r>
-              <a:rPr lang="en-US" dirty="0" smtClean="0"/>
+              <a:rPr lang="en-US" b="1" dirty="0" smtClean="0">
+                <a:solidFill>
+                  <a:schemeClr val="bg1"/>
+                </a:solidFill>
+              </a:rPr>
               <a:t>lexa skill, </a:t>
             </a:r>
             <a:r>
-              <a:rPr lang="en-US" dirty="0" err="1" smtClean="0"/>
+              <a:rPr lang="en-US" b="1" dirty="0" err="1" smtClean="0">
+                <a:solidFill>
+                  <a:schemeClr val="bg1"/>
+                </a:solidFill>
+              </a:rPr>
               <a:t>NuAudio</a:t>
             </a:r>
             <a:r>
-              <a:rPr lang="en-US" dirty="0" smtClean="0"/>
+              <a:rPr lang="en-US" b="1" dirty="0" smtClean="0">
+                <a:solidFill>
+                  <a:schemeClr val="bg1"/>
+                </a:solidFill>
+              </a:rPr>
               <a:t> launch intent/welcome message</a:t>
             </a:r>
           </a:p>
           <a:p>
             <a:r>
-              <a:rPr lang="en-US" dirty="0" smtClean="0"/>
+              <a:rPr lang="en-US" b="1" dirty="0" smtClean="0">
+                <a:solidFill>
+                  <a:schemeClr val="bg1"/>
+                </a:solidFill>
+              </a:rPr>
               <a:t>Help Intent, allowing users to ask </a:t>
             </a:r>
             <a:r>
-              <a:rPr lang="en-US" dirty="0"/>
+              <a:rPr lang="en-US" b="1" dirty="0">
+                <a:solidFill>
+                  <a:schemeClr val="bg1"/>
+                </a:solidFill>
+              </a:rPr>
               <a:t>A</a:t>
             </a:r>
             <a:r>
-              <a:rPr lang="en-US" dirty="0" smtClean="0"/>
+              <a:rPr lang="en-US" b="1" dirty="0" smtClean="0">
+                <a:solidFill>
+                  <a:schemeClr val="bg1"/>
+                </a:solidFill>
+              </a:rPr>
               <a:t>lexa for help if they are confused, or do not know how to use the skill</a:t>
             </a:r>
           </a:p>
           <a:p>
             <a:r>
-              <a:rPr lang="en-US" dirty="0" smtClean="0"/>
+              <a:rPr lang="en-US" b="1" dirty="0" smtClean="0">
+                <a:solidFill>
+                  <a:schemeClr val="bg1"/>
+                </a:solidFill>
+              </a:rPr>
               <a:t>Send cards to your </a:t>
             </a:r>
             <a:r>
-              <a:rPr lang="en-US" dirty="0" err="1" smtClean="0"/>
+              <a:rPr lang="en-US" b="1" dirty="0" err="1" smtClean="0">
+                <a:solidFill>
+                  <a:schemeClr val="bg1"/>
+                </a:solidFill>
+              </a:rPr>
               <a:t>iphone</a:t>
             </a:r>
             <a:r>
-              <a:rPr lang="en-US" dirty="0" smtClean="0"/>
+              <a:rPr lang="en-US" b="1" dirty="0" smtClean="0">
+                <a:solidFill>
+                  <a:schemeClr val="bg1"/>
+                </a:solidFill>
+              </a:rPr>
               <a:t> </a:t>
             </a:r>
             <a:r>
-              <a:rPr lang="en-US" dirty="0"/>
+              <a:rPr lang="en-US" b="1" dirty="0">
+                <a:solidFill>
+                  <a:schemeClr val="bg1"/>
+                </a:solidFill>
+              </a:rPr>
               <a:t>A</a:t>
             </a:r>
             <a:r>
-              <a:rPr lang="en-US" dirty="0" smtClean="0"/>
+              <a:rPr lang="en-US" b="1" dirty="0" smtClean="0">
+                <a:solidFill>
+                  <a:schemeClr val="bg1"/>
+                </a:solidFill>
+              </a:rPr>
               <a:t>lexa app that is connected to the </a:t>
             </a:r>
             <a:r>
-              <a:rPr lang="en-US" dirty="0"/>
+              <a:rPr lang="en-US" b="1" dirty="0">
+                <a:solidFill>
+                  <a:schemeClr val="bg1"/>
+                </a:solidFill>
+              </a:rPr>
               <a:t>A</a:t>
             </a:r>
             <a:r>
-              <a:rPr lang="en-US" dirty="0" smtClean="0"/>
+              <a:rPr lang="en-US" b="1" dirty="0" smtClean="0">
+                <a:solidFill>
+                  <a:schemeClr val="bg1"/>
+                </a:solidFill>
+              </a:rPr>
               <a:t>lexa </a:t>
             </a:r>
           </a:p>
           <a:p>
             <a:r>
-              <a:rPr lang="en-US" dirty="0" smtClean="0"/>
+              <a:rPr lang="en-US" b="1" dirty="0" smtClean="0">
+                <a:solidFill>
+                  <a:schemeClr val="bg1"/>
+                </a:solidFill>
+              </a:rPr>
               <a:t>Artist Intent, that allows you to ask about a specific artist (static)</a:t>
             </a:r>
           </a:p>
           <a:p>
             <a:r>
-              <a:rPr lang="en-US" dirty="0" smtClean="0"/>
+              <a:rPr lang="en-US" b="1" dirty="0" smtClean="0">
+                <a:solidFill>
+                  <a:schemeClr val="bg1"/>
+                </a:solidFill>
+              </a:rPr>
               <a:t>Date Intent, that allows you to ask for releases by general dates, like today, next week, next month (static)</a:t>
             </a:r>
           </a:p>
@@ -3739,16 +3975,33 @@
             <p:ph type="title"/>
           </p:nvPr>
         </p:nvSpPr>
-        <p:spPr/>
+        <p:spPr>
+          <a:xfrm>
+            <a:off x="0" y="1"/>
+            <a:ext cx="12192000" cy="1690688"/>
+          </a:xfrm>
+          <a:solidFill>
+            <a:schemeClr val="tx1"/>
+          </a:solidFill>
+        </p:spPr>
         <p:txBody>
           <a:bodyPr/>
           <a:lstStyle/>
           <a:p>
-            <a:r>
-              <a:rPr lang="en-US" dirty="0" smtClean="0"/>
+            <a:pPr algn="ctr"/>
+            <a:r>
+              <a:rPr lang="en-US" b="1" dirty="0" smtClean="0">
+                <a:solidFill>
+                  <a:schemeClr val="bg1"/>
+                </a:solidFill>
+              </a:rPr>
               <a:t>Fluid speech</a:t>
             </a:r>
-            <a:endParaRPr lang="en-US" dirty="0"/>
+            <a:endParaRPr lang="en-US" b="1" dirty="0">
+              <a:solidFill>
+                <a:schemeClr val="bg1"/>
+              </a:solidFill>
+            </a:endParaRPr>
           </a:p>
         </p:txBody>
       </p:sp>
@@ -3762,42 +4015,78 @@
             <p:ph idx="1"/>
           </p:nvPr>
         </p:nvSpPr>
-        <p:spPr/>
+        <p:spPr>
+          <a:xfrm>
+            <a:off x="0" y="1690688"/>
+            <a:ext cx="12192000" cy="5167311"/>
+          </a:xfrm>
+          <a:solidFill>
+            <a:schemeClr val="tx1"/>
+          </a:solidFill>
+        </p:spPr>
         <p:txBody>
           <a:bodyPr/>
           <a:lstStyle/>
           <a:p>
             <a:r>
-              <a:rPr lang="en-US" dirty="0" smtClean="0"/>
+              <a:rPr lang="en-US" b="1" dirty="0" smtClean="0">
+                <a:solidFill>
+                  <a:schemeClr val="bg1"/>
+                </a:solidFill>
+              </a:rPr>
               <a:t>We are working on implementing SSML type (Speech Synthesis Markup Language) instead of Plaintext type into our Alexa Responses</a:t>
             </a:r>
           </a:p>
           <a:p>
             <a:r>
-              <a:rPr lang="en-US" dirty="0" smtClean="0"/>
+              <a:rPr lang="en-US" b="1" dirty="0" smtClean="0">
+                <a:solidFill>
+                  <a:schemeClr val="bg1"/>
+                </a:solidFill>
+              </a:rPr>
               <a:t>Using SSML, we plan to make Alexa Responses more fluid</a:t>
             </a:r>
           </a:p>
           <a:p>
             <a:r>
-              <a:rPr lang="en-US" dirty="0" smtClean="0"/>
+              <a:rPr lang="en-US" b="1" dirty="0" smtClean="0">
+                <a:solidFill>
+                  <a:schemeClr val="bg1"/>
+                </a:solidFill>
+              </a:rPr>
               <a:t>Re-Writing some of our scripts, to make it seem more human like</a:t>
             </a:r>
           </a:p>
           <a:p>
             <a:r>
-              <a:rPr lang="en-US" dirty="0" smtClean="0"/>
+              <a:rPr lang="en-US" b="1" dirty="0" smtClean="0">
+                <a:solidFill>
+                  <a:schemeClr val="bg1"/>
+                </a:solidFill>
+              </a:rPr>
               <a:t>Adding a random response generator for </a:t>
             </a:r>
             <a:r>
-              <a:rPr lang="en-US" dirty="0" err="1" smtClean="0"/>
+              <a:rPr lang="en-US" b="1" dirty="0" err="1" smtClean="0">
+                <a:solidFill>
+                  <a:schemeClr val="bg1"/>
+                </a:solidFill>
+              </a:rPr>
               <a:t>alexa</a:t>
             </a:r>
             <a:r>
-              <a:rPr lang="en-US" dirty="0" smtClean="0"/>
+              <a:rPr lang="en-US" b="1" dirty="0" smtClean="0">
+                <a:solidFill>
+                  <a:schemeClr val="bg1"/>
+                </a:solidFill>
+              </a:rPr>
               <a:t>, so its not so automated, and is more natural responses </a:t>
             </a:r>
-            <a:endParaRPr lang="en-US" dirty="0"/>
+            <a:endParaRPr lang="en-US" b="1" dirty="0">
+              <a:solidFill>
+                <a:schemeClr val="bg1"/>
+              </a:solidFill>
+            </a:endParaRPr>
           </a:p>
         </p:txBody>
       </p:sp>
@@ -3848,16 +4137,33 @@
             <p:ph type="title"/>
           </p:nvPr>
         </p:nvSpPr>
-        <p:spPr/>
+        <p:spPr>
+          <a:xfrm>
+            <a:off x="0" y="1"/>
+            <a:ext cx="12192000" cy="1825624"/>
+          </a:xfrm>
+          <a:solidFill>
+            <a:schemeClr val="tx1"/>
+          </a:solidFill>
+        </p:spPr>
         <p:txBody>
           <a:bodyPr/>
           <a:lstStyle/>
           <a:p>
-            <a:r>
-              <a:rPr lang="en-US" dirty="0" smtClean="0"/>
+            <a:pPr algn="ctr"/>
+            <a:r>
+              <a:rPr lang="en-US" b="1" dirty="0" smtClean="0">
+                <a:solidFill>
+                  <a:schemeClr val="bg1"/>
+                </a:solidFill>
+              </a:rPr>
               <a:t>Dialogue example</a:t>
             </a:r>
-            <a:endParaRPr lang="en-US" dirty="0"/>
+            <a:endParaRPr lang="en-US" b="1" dirty="0">
+              <a:solidFill>
+                <a:schemeClr val="bg1"/>
+              </a:solidFill>
+            </a:endParaRPr>
           </a:p>
         </p:txBody>
       </p:sp>
@@ -3871,113 +4177,201 @@
             <p:ph idx="1"/>
           </p:nvPr>
         </p:nvSpPr>
-        <p:spPr/>
+        <p:spPr>
+          <a:xfrm>
+            <a:off x="0" y="1825624"/>
+            <a:ext cx="12192000" cy="5032375"/>
+          </a:xfrm>
+          <a:solidFill>
+            <a:schemeClr val="tx1"/>
+          </a:solidFill>
+        </p:spPr>
         <p:txBody>
           <a:bodyPr>
-            <a:normAutofit fontScale="62500" lnSpcReduction="20000"/>
+            <a:normAutofit fontScale="77500" lnSpcReduction="20000"/>
           </a:bodyPr>
           <a:lstStyle/>
           <a:p>
             <a:r>
-              <a:rPr lang="en-US" dirty="0" smtClean="0"/>
+              <a:rPr lang="en-US" b="1" dirty="0" smtClean="0">
+                <a:solidFill>
+                  <a:schemeClr val="bg1"/>
+                </a:solidFill>
+              </a:rPr>
               <a:t>E-	“Welcome to </a:t>
             </a:r>
             <a:r>
-              <a:rPr lang="en-US" dirty="0" err="1" smtClean="0"/>
+              <a:rPr lang="en-US" b="1" dirty="0" err="1" smtClean="0">
+                <a:solidFill>
+                  <a:schemeClr val="bg1"/>
+                </a:solidFill>
+              </a:rPr>
               <a:t>NuAudio</a:t>
             </a:r>
             <a:r>
-              <a:rPr lang="en-US" dirty="0" smtClean="0"/>
+              <a:rPr lang="en-US" b="1" dirty="0" smtClean="0">
+                <a:solidFill>
+                  <a:schemeClr val="bg1"/>
+                </a:solidFill>
+              </a:rPr>
               <a:t>! I can tell you about some new album releases:”	“Which artist would you like to know about?”</a:t>
             </a:r>
           </a:p>
           <a:p>
             <a:r>
-              <a:rPr lang="en-US" dirty="0" smtClean="0"/>
+              <a:rPr lang="en-US" b="1" dirty="0" smtClean="0">
+                <a:solidFill>
+                  <a:schemeClr val="bg1"/>
+                </a:solidFill>
+              </a:rPr>
               <a:t>U-	“who has albums coming out next week?”</a:t>
             </a:r>
           </a:p>
           <a:p>
             <a:r>
-              <a:rPr lang="en-US" dirty="0" smtClean="0"/>
+              <a:rPr lang="en-US" b="1" dirty="0" smtClean="0">
+                <a:solidFill>
+                  <a:schemeClr val="bg1"/>
+                </a:solidFill>
+              </a:rPr>
               <a:t>E-	“Rihanna has an album coming out November 7</a:t>
             </a:r>
             <a:r>
-              <a:rPr lang="en-US" baseline="30000" dirty="0" smtClean="0"/>
+              <a:rPr lang="en-US" b="1" baseline="30000" dirty="0" smtClean="0">
+                <a:solidFill>
+                  <a:schemeClr val="bg1"/>
+                </a:solidFill>
+              </a:rPr>
               <a:t>th</a:t>
             </a:r>
             <a:r>
-              <a:rPr lang="en-US" dirty="0" smtClean="0"/>
+              <a:rPr lang="en-US" b="1" dirty="0" smtClean="0">
+                <a:solidFill>
+                  <a:schemeClr val="bg1"/>
+                </a:solidFill>
+              </a:rPr>
               <a:t>.”</a:t>
             </a:r>
           </a:p>
           <a:p>
             <a:r>
-              <a:rPr lang="en-US" dirty="0" smtClean="0"/>
+              <a:rPr lang="en-US" b="1" dirty="0" smtClean="0">
+                <a:solidFill>
+                  <a:schemeClr val="bg1"/>
+                </a:solidFill>
+              </a:rPr>
               <a:t>E-	“Would you like to know about another artist?”</a:t>
             </a:r>
           </a:p>
           <a:p>
             <a:r>
-              <a:rPr lang="en-US" dirty="0" smtClean="0"/>
+              <a:rPr lang="en-US" b="1" dirty="0" smtClean="0">
+                <a:solidFill>
+                  <a:schemeClr val="bg1"/>
+                </a:solidFill>
+              </a:rPr>
               <a:t>U-	“Yes”</a:t>
             </a:r>
           </a:p>
           <a:p>
             <a:r>
-              <a:rPr lang="en-US" dirty="0" smtClean="0"/>
+              <a:rPr lang="en-US" b="1" dirty="0" smtClean="0">
+                <a:solidFill>
+                  <a:schemeClr val="bg1"/>
+                </a:solidFill>
+              </a:rPr>
               <a:t>E-	“Dope! What would you like to hear about now?”</a:t>
             </a:r>
           </a:p>
           <a:p>
             <a:r>
-              <a:rPr lang="en-US" dirty="0" smtClean="0"/>
+              <a:rPr lang="en-US" b="1" dirty="0" smtClean="0">
+                <a:solidFill>
+                  <a:schemeClr val="bg1"/>
+                </a:solidFill>
+              </a:rPr>
               <a:t>U-	“Help”</a:t>
             </a:r>
           </a:p>
           <a:p>
             <a:r>
-              <a:rPr lang="en-US" dirty="0" smtClean="0"/>
+              <a:rPr lang="en-US" b="1" dirty="0" smtClean="0">
+                <a:solidFill>
+                  <a:schemeClr val="bg1"/>
+                </a:solidFill>
+              </a:rPr>
               <a:t>E-	“I can tell you about artists or I can tell you about new music releases by date. What would you like to hear?”</a:t>
             </a:r>
           </a:p>
           <a:p>
             <a:r>
-              <a:rPr lang="en-US" dirty="0" smtClean="0"/>
+              <a:rPr lang="en-US" b="1" dirty="0" smtClean="0">
+                <a:solidFill>
+                  <a:schemeClr val="bg1"/>
+                </a:solidFill>
+              </a:rPr>
               <a:t>U-	“Tell me about Slip knot”</a:t>
             </a:r>
           </a:p>
           <a:p>
             <a:r>
-              <a:rPr lang="en-US" dirty="0" smtClean="0"/>
+              <a:rPr lang="en-US" b="1" dirty="0" smtClean="0">
+                <a:solidFill>
+                  <a:schemeClr val="bg1"/>
+                </a:solidFill>
+              </a:rPr>
               <a:t>E-	“Slip knot released This Old Dog on May 5, 2017”</a:t>
             </a:r>
             <a:r>
-              <a:rPr lang="en-US" dirty="0"/>
+              <a:rPr lang="en-US" b="1" dirty="0">
+                <a:solidFill>
+                  <a:schemeClr val="bg1"/>
+                </a:solidFill>
+              </a:rPr>
               <a:t>	</a:t>
             </a:r>
             <a:r>
-              <a:rPr lang="en-US" dirty="0" smtClean="0"/>
+              <a:rPr lang="en-US" b="1" dirty="0" smtClean="0">
+                <a:solidFill>
+                  <a:schemeClr val="bg1"/>
+                </a:solidFill>
+              </a:rPr>
               <a:t>“Would you like to know about another?”</a:t>
             </a:r>
           </a:p>
           <a:p>
             <a:r>
-              <a:rPr lang="en-US" dirty="0" smtClean="0"/>
+              <a:rPr lang="en-US" b="1" dirty="0" smtClean="0">
+                <a:solidFill>
+                  <a:schemeClr val="bg1"/>
+                </a:solidFill>
+              </a:rPr>
               <a:t>U-	“No.”</a:t>
             </a:r>
           </a:p>
           <a:p>
             <a:r>
-              <a:rPr lang="en-US" dirty="0" smtClean="0"/>
+              <a:rPr lang="en-US" b="1" dirty="0" smtClean="0">
+                <a:solidFill>
+                  <a:schemeClr val="bg1"/>
+                </a:solidFill>
+              </a:rPr>
               <a:t>E-	“Thanks for using </a:t>
             </a:r>
             <a:r>
-              <a:rPr lang="en-US" dirty="0" err="1" smtClean="0"/>
+              <a:rPr lang="en-US" b="1" dirty="0" err="1" smtClean="0">
+                <a:solidFill>
+                  <a:schemeClr val="bg1"/>
+                </a:solidFill>
+              </a:rPr>
               <a:t>NuAudio</a:t>
             </a:r>
             <a:r>
-              <a:rPr lang="en-US" dirty="0" smtClean="0"/>
+              <a:rPr lang="en-US" b="1" dirty="0" smtClean="0">
+                <a:solidFill>
+                  <a:schemeClr val="bg1"/>
+                </a:solidFill>
+              </a:rPr>
               <a:t>. Goodbye!”</a:t>
             </a:r>
           </a:p>
@@ -4030,20 +4424,41 @@
             <p:ph type="title"/>
           </p:nvPr>
         </p:nvSpPr>
-        <p:spPr/>
+        <p:spPr>
+          <a:xfrm>
+            <a:off x="0" y="1"/>
+            <a:ext cx="12192000" cy="1825624"/>
+          </a:xfrm>
+          <a:solidFill>
+            <a:schemeClr val="tx1"/>
+          </a:solidFill>
+        </p:spPr>
         <p:txBody>
           <a:bodyPr/>
           <a:lstStyle/>
           <a:p>
-            <a:r>
-              <a:rPr lang="en-US" dirty="0" err="1" smtClean="0"/>
+            <a:pPr algn="ctr"/>
+            <a:r>
+              <a:rPr lang="en-US" b="1" dirty="0" err="1" smtClean="0">
+                <a:solidFill>
+                  <a:schemeClr val="bg1"/>
+                </a:solidFill>
+              </a:rPr>
               <a:t>Itunes</a:t>
             </a:r>
             <a:r>
-              <a:rPr lang="en-US" dirty="0" smtClean="0"/>
+              <a:rPr lang="en-US" b="1" dirty="0" smtClean="0">
+                <a:solidFill>
+                  <a:schemeClr val="bg1"/>
+                </a:solidFill>
+              </a:rPr>
               <a:t> Search API</a:t>
             </a:r>
-            <a:endParaRPr lang="en-US" dirty="0"/>
+            <a:endParaRPr lang="en-US" b="1" dirty="0">
+              <a:solidFill>
+                <a:schemeClr val="bg1"/>
+              </a:solidFill>
+            </a:endParaRPr>
           </a:p>
         </p:txBody>
       </p:sp>
@@ -4057,70 +4472,130 @@
             <p:ph idx="1"/>
           </p:nvPr>
         </p:nvSpPr>
-        <p:spPr/>
+        <p:spPr>
+          <a:xfrm>
+            <a:off x="0" y="1825624"/>
+            <a:ext cx="12192000" cy="5032375"/>
+          </a:xfrm>
+          <a:solidFill>
+            <a:schemeClr val="tx1"/>
+          </a:solidFill>
+        </p:spPr>
         <p:txBody>
           <a:bodyPr/>
           <a:lstStyle/>
           <a:p>
             <a:r>
-              <a:rPr lang="en-US" dirty="0" smtClean="0"/>
+              <a:rPr lang="en-US" b="1" dirty="0" smtClean="0">
+                <a:solidFill>
+                  <a:schemeClr val="bg1"/>
+                </a:solidFill>
+              </a:rPr>
               <a:t>Successfully able to send an http get request to </a:t>
             </a:r>
             <a:r>
-              <a:rPr lang="en-US" dirty="0" err="1" smtClean="0"/>
+              <a:rPr lang="en-US" b="1" dirty="0" err="1" smtClean="0">
+                <a:solidFill>
+                  <a:schemeClr val="bg1"/>
+                </a:solidFill>
+              </a:rPr>
               <a:t>itunes</a:t>
             </a:r>
             <a:r>
-              <a:rPr lang="en-US" dirty="0" smtClean="0"/>
+              <a:rPr lang="en-US" b="1" dirty="0" smtClean="0">
+                <a:solidFill>
+                  <a:schemeClr val="bg1"/>
+                </a:solidFill>
+              </a:rPr>
               <a:t> </a:t>
             </a:r>
             <a:r>
-              <a:rPr lang="en-US" dirty="0" err="1" smtClean="0"/>
+              <a:rPr lang="en-US" b="1" dirty="0" err="1" smtClean="0">
+                <a:solidFill>
+                  <a:schemeClr val="bg1"/>
+                </a:solidFill>
+              </a:rPr>
               <a:t>api</a:t>
             </a:r>
             <a:r>
-              <a:rPr lang="en-US" dirty="0" smtClean="0"/>
+              <a:rPr lang="en-US" b="1" dirty="0" smtClean="0">
+                <a:solidFill>
+                  <a:schemeClr val="bg1"/>
+                </a:solidFill>
+              </a:rPr>
               <a:t>.</a:t>
             </a:r>
           </a:p>
           <a:p>
             <a:r>
-              <a:rPr lang="en-US" dirty="0" smtClean="0"/>
+              <a:rPr lang="en-US" b="1" dirty="0" smtClean="0">
+                <a:solidFill>
+                  <a:schemeClr val="bg1"/>
+                </a:solidFill>
+              </a:rPr>
               <a:t>Able to get a response from </a:t>
             </a:r>
             <a:r>
-              <a:rPr lang="en-US" dirty="0" err="1" smtClean="0"/>
+              <a:rPr lang="en-US" b="1" dirty="0" err="1" smtClean="0">
+                <a:solidFill>
+                  <a:schemeClr val="bg1"/>
+                </a:solidFill>
+              </a:rPr>
               <a:t>api</a:t>
             </a:r>
             <a:r>
-              <a:rPr lang="en-US" dirty="0" smtClean="0"/>
+              <a:rPr lang="en-US" b="1" dirty="0" smtClean="0">
+                <a:solidFill>
+                  <a:schemeClr val="bg1"/>
+                </a:solidFill>
+              </a:rPr>
               <a:t> in the form of a </a:t>
             </a:r>
             <a:r>
-              <a:rPr lang="en-US" dirty="0" err="1" smtClean="0"/>
+              <a:rPr lang="en-US" b="1" dirty="0" err="1" smtClean="0">
+                <a:solidFill>
+                  <a:schemeClr val="bg1"/>
+                </a:solidFill>
+              </a:rPr>
               <a:t>Json</a:t>
             </a:r>
             <a:r>
-              <a:rPr lang="en-US" dirty="0" smtClean="0"/>
+              <a:rPr lang="en-US" b="1" dirty="0" smtClean="0">
+                <a:solidFill>
+                  <a:schemeClr val="bg1"/>
+                </a:solidFill>
+              </a:rPr>
               <a:t> object.</a:t>
             </a:r>
           </a:p>
           <a:p>
             <a:r>
-              <a:rPr lang="en-US" dirty="0" smtClean="0"/>
+              <a:rPr lang="en-US" b="1" dirty="0" smtClean="0">
+                <a:solidFill>
+                  <a:schemeClr val="bg1"/>
+                </a:solidFill>
+              </a:rPr>
               <a:t>Able to parse </a:t>
             </a:r>
             <a:r>
-              <a:rPr lang="en-US" dirty="0" err="1" smtClean="0"/>
+              <a:rPr lang="en-US" b="1" dirty="0" err="1" smtClean="0">
+                <a:solidFill>
+                  <a:schemeClr val="bg1"/>
+                </a:solidFill>
+              </a:rPr>
               <a:t>Json</a:t>
             </a:r>
             <a:r>
-              <a:rPr lang="en-US" dirty="0" smtClean="0"/>
+              <a:rPr lang="en-US" b="1" dirty="0" smtClean="0">
+                <a:solidFill>
+                  <a:schemeClr val="bg1"/>
+                </a:solidFill>
+              </a:rPr>
               <a:t> object for an artists 5 most recent songs and latest album</a:t>
             </a:r>
           </a:p>
           <a:p>
-            <a:endParaRPr lang="en-US" dirty="0" smtClean="0"/>
+            <a:endParaRPr lang="en-US" b="1" dirty="0" smtClean="0"/>
           </a:p>
         </p:txBody>
       </p:sp>
@@ -4173,19 +4648,31 @@
         </p:nvSpPr>
         <p:spPr>
           <a:xfrm>
-            <a:off x="838200" y="1"/>
-            <a:ext cx="10515600" cy="768095"/>
+            <a:off x="0" y="0"/>
+            <a:ext cx="12192000" cy="1219200"/>
           </a:xfrm>
+          <a:solidFill>
+            <a:schemeClr val="tx1"/>
+          </a:solidFill>
         </p:spPr>
         <p:txBody>
           <a:bodyPr/>
           <a:lstStyle/>
           <a:p>
-            <a:r>
-              <a:rPr lang="en-US" b="1" i="1" u="sng" dirty="0" smtClean="0"/>
+            <a:pPr algn="ctr"/>
+            <a:r>
+              <a:rPr lang="en-US" b="1" i="1" u="sng" dirty="0" smtClean="0">
+                <a:solidFill>
+                  <a:schemeClr val="bg1"/>
+                </a:solidFill>
+              </a:rPr>
               <a:t>Product budget</a:t>
             </a:r>
-            <a:endParaRPr lang="en-US" b="1" i="1" u="sng" dirty="0"/>
+            <a:endParaRPr lang="en-US" b="1" i="1" u="sng" dirty="0">
+              <a:solidFill>
+                <a:schemeClr val="bg1"/>
+              </a:solidFill>
+            </a:endParaRPr>
           </a:p>
         </p:txBody>
       </p:sp>
@@ -4201,9 +4688,12 @@
         </p:nvSpPr>
         <p:spPr>
           <a:xfrm>
-            <a:off x="97536" y="1219200"/>
-            <a:ext cx="12094464" cy="5522976"/>
+            <a:off x="0" y="1219200"/>
+            <a:ext cx="12192000" cy="5638800"/>
           </a:xfrm>
+          <a:solidFill>
+            <a:schemeClr val="tx1"/>
+          </a:solidFill>
         </p:spPr>
         <p:txBody>
           <a:bodyPr numCol="4">
@@ -4216,7 +4706,11 @@
               <a:buChar char="•"/>
             </a:pPr>
             <a:r>
-              <a:rPr lang="en-US" sz="2000" b="1" i="1" u="sng" dirty="0" smtClean="0"/>
+              <a:rPr lang="en-US" sz="2000" b="1" i="1" u="sng" dirty="0" smtClean="0">
+                <a:solidFill>
+                  <a:schemeClr val="bg1"/>
+                </a:solidFill>
+              </a:rPr>
               <a:t>Week 1: Sept. 3-9</a:t>
             </a:r>
           </a:p>
@@ -4225,15 +4719,27 @@
               <a:buNone/>
             </a:pPr>
             <a:r>
-              <a:rPr lang="en-US" sz="2000" dirty="0" smtClean="0"/>
+              <a:rPr lang="en-US" sz="2000" dirty="0" smtClean="0">
+                <a:solidFill>
+                  <a:schemeClr val="bg1"/>
+                </a:solidFill>
+              </a:rPr>
               <a:t>Sept.3</a:t>
             </a:r>
             <a:r>
-              <a:rPr lang="en-US" sz="2000" baseline="30000" dirty="0" smtClean="0"/>
+              <a:rPr lang="en-US" sz="2000" baseline="30000" dirty="0" smtClean="0">
+                <a:solidFill>
+                  <a:schemeClr val="bg1"/>
+                </a:solidFill>
+              </a:rPr>
               <a:t>rd</a:t>
             </a:r>
             <a:r>
-              <a:rPr lang="en-US" sz="2000" dirty="0" smtClean="0"/>
+              <a:rPr lang="en-US" sz="2000" dirty="0" smtClean="0">
+                <a:solidFill>
+                  <a:schemeClr val="bg1"/>
+                </a:solidFill>
+              </a:rPr>
               <a:t> (Sun.) for an hour. </a:t>
             </a:r>
           </a:p>
@@ -4242,21 +4748,37 @@
               <a:buNone/>
             </a:pPr>
             <a:r>
-              <a:rPr lang="en-US" sz="2000" dirty="0" smtClean="0"/>
+              <a:rPr lang="en-US" sz="2000" dirty="0" smtClean="0">
+                <a:solidFill>
+                  <a:schemeClr val="bg1"/>
+                </a:solidFill>
+              </a:rPr>
               <a:t>Sept. 6</a:t>
             </a:r>
             <a:r>
-              <a:rPr lang="en-US" sz="2000" baseline="30000" dirty="0" smtClean="0"/>
+              <a:rPr lang="en-US" sz="2000" baseline="30000" dirty="0" smtClean="0">
+                <a:solidFill>
+                  <a:schemeClr val="bg1"/>
+                </a:solidFill>
+              </a:rPr>
               <a:t>th</a:t>
             </a:r>
             <a:r>
-              <a:rPr lang="en-US" sz="2000" dirty="0" smtClean="0"/>
+              <a:rPr lang="en-US" sz="2000" dirty="0" smtClean="0">
+                <a:solidFill>
+                  <a:schemeClr val="bg1"/>
+                </a:solidFill>
+              </a:rPr>
               <a:t>(Wed.) for an hour.</a:t>
             </a:r>
           </a:p>
           <a:p>
             <a:r>
-              <a:rPr lang="en-US" sz="2000" b="1" i="1" u="sng" dirty="0" smtClean="0"/>
+              <a:rPr lang="en-US" sz="2000" b="1" i="1" u="sng" dirty="0" smtClean="0">
+                <a:solidFill>
+                  <a:schemeClr val="bg1"/>
+                </a:solidFill>
+              </a:rPr>
               <a:t>Week 2: Sept. 10-16</a:t>
             </a:r>
           </a:p>
@@ -4265,7 +4787,11 @@
               <a:buNone/>
             </a:pPr>
             <a:r>
-              <a:rPr lang="en-US" sz="2000" dirty="0" smtClean="0"/>
+              <a:rPr lang="en-US" sz="2000" dirty="0" smtClean="0">
+                <a:solidFill>
+                  <a:schemeClr val="bg1"/>
+                </a:solidFill>
+              </a:rPr>
               <a:t>Sept.10th (Sun.) for an hour.</a:t>
             </a:r>
           </a:p>
@@ -4274,21 +4800,37 @@
               <a:buNone/>
             </a:pPr>
             <a:r>
-              <a:rPr lang="en-US" sz="2000" dirty="0" smtClean="0"/>
+              <a:rPr lang="en-US" sz="2000" dirty="0" smtClean="0">
+                <a:solidFill>
+                  <a:schemeClr val="bg1"/>
+                </a:solidFill>
+              </a:rPr>
               <a:t>Sept. 13</a:t>
             </a:r>
             <a:r>
-              <a:rPr lang="en-US" sz="2000" baseline="30000" dirty="0" smtClean="0"/>
+              <a:rPr lang="en-US" sz="2000" baseline="30000" dirty="0" smtClean="0">
+                <a:solidFill>
+                  <a:schemeClr val="bg1"/>
+                </a:solidFill>
+              </a:rPr>
               <a:t>th</a:t>
             </a:r>
             <a:r>
-              <a:rPr lang="en-US" sz="2000" dirty="0" smtClean="0"/>
+              <a:rPr lang="en-US" sz="2000" dirty="0" smtClean="0">
+                <a:solidFill>
+                  <a:schemeClr val="bg1"/>
+                </a:solidFill>
+              </a:rPr>
               <a:t>(Wed.) for two hours.		</a:t>
             </a:r>
           </a:p>
           <a:p>
             <a:r>
-              <a:rPr lang="en-US" sz="2000" b="1" i="1" u="sng" dirty="0" smtClean="0"/>
+              <a:rPr lang="en-US" sz="2000" b="1" i="1" u="sng" dirty="0" smtClean="0">
+                <a:solidFill>
+                  <a:schemeClr val="bg1"/>
+                </a:solidFill>
+              </a:rPr>
               <a:t>Week 3: Sept. 17-23</a:t>
             </a:r>
           </a:p>
@@ -4297,15 +4839,27 @@
               <a:buNone/>
             </a:pPr>
             <a:r>
-              <a:rPr lang="en-US" sz="2000" dirty="0" smtClean="0"/>
+              <a:rPr lang="en-US" sz="2000" dirty="0" smtClean="0">
+                <a:solidFill>
+                  <a:schemeClr val="bg1"/>
+                </a:solidFill>
+              </a:rPr>
               <a:t>Sept.17</a:t>
             </a:r>
             <a:r>
-              <a:rPr lang="en-US" sz="2000" baseline="30000" dirty="0" smtClean="0"/>
+              <a:rPr lang="en-US" sz="2000" baseline="30000" dirty="0" smtClean="0">
+                <a:solidFill>
+                  <a:schemeClr val="bg1"/>
+                </a:solidFill>
+              </a:rPr>
               <a:t>th</a:t>
             </a:r>
             <a:r>
-              <a:rPr lang="en-US" sz="2000" dirty="0" smtClean="0"/>
+              <a:rPr lang="en-US" sz="2000" dirty="0" smtClean="0">
+                <a:solidFill>
+                  <a:schemeClr val="bg1"/>
+                </a:solidFill>
+              </a:rPr>
               <a:t>(Sun.) for two hours.</a:t>
             </a:r>
           </a:p>
@@ -4314,21 +4868,37 @@
               <a:buNone/>
             </a:pPr>
             <a:r>
-              <a:rPr lang="en-US" sz="2000" dirty="0" smtClean="0"/>
+              <a:rPr lang="en-US" sz="2000" dirty="0" smtClean="0">
+                <a:solidFill>
+                  <a:schemeClr val="bg1"/>
+                </a:solidFill>
+              </a:rPr>
               <a:t>Sept. 20</a:t>
             </a:r>
             <a:r>
-              <a:rPr lang="en-US" sz="2000" baseline="30000" dirty="0" smtClean="0"/>
+              <a:rPr lang="en-US" sz="2000" baseline="30000" dirty="0" smtClean="0">
+                <a:solidFill>
+                  <a:schemeClr val="bg1"/>
+                </a:solidFill>
+              </a:rPr>
               <a:t>th</a:t>
             </a:r>
             <a:r>
-              <a:rPr lang="en-US" sz="2000" dirty="0" smtClean="0"/>
+              <a:rPr lang="en-US" sz="2000" dirty="0" smtClean="0">
+                <a:solidFill>
+                  <a:schemeClr val="bg1"/>
+                </a:solidFill>
+              </a:rPr>
               <a:t>(Wed.) for two hours.</a:t>
             </a:r>
           </a:p>
           <a:p>
             <a:r>
-              <a:rPr lang="en-US" sz="2000" b="1" i="1" u="sng" dirty="0" smtClean="0"/>
+              <a:rPr lang="en-US" sz="2000" b="1" i="1" u="sng" dirty="0" smtClean="0">
+                <a:solidFill>
+                  <a:schemeClr val="bg1"/>
+                </a:solidFill>
+              </a:rPr>
               <a:t>Week 4: Sept. 24-30</a:t>
             </a:r>
           </a:p>
@@ -4337,15 +4907,27 @@
               <a:buNone/>
             </a:pPr>
             <a:r>
-              <a:rPr lang="en-US" sz="2000" dirty="0" smtClean="0"/>
+              <a:rPr lang="en-US" sz="2000" dirty="0" smtClean="0">
+                <a:solidFill>
+                  <a:schemeClr val="bg1"/>
+                </a:solidFill>
+              </a:rPr>
               <a:t>Sept.24</a:t>
             </a:r>
             <a:r>
-              <a:rPr lang="en-US" sz="2000" baseline="30000" dirty="0" smtClean="0"/>
+              <a:rPr lang="en-US" sz="2000" baseline="30000" dirty="0" smtClean="0">
+                <a:solidFill>
+                  <a:schemeClr val="bg1"/>
+                </a:solidFill>
+              </a:rPr>
               <a:t>th</a:t>
             </a:r>
             <a:r>
-              <a:rPr lang="en-US" sz="2000" dirty="0" smtClean="0"/>
+              <a:rPr lang="en-US" sz="2000" dirty="0" smtClean="0">
+                <a:solidFill>
+                  <a:schemeClr val="bg1"/>
+                </a:solidFill>
+              </a:rPr>
               <a:t>(Sun.) for an hour. </a:t>
             </a:r>
           </a:p>
@@ -4354,21 +4936,37 @@
               <a:buNone/>
             </a:pPr>
             <a:r>
-              <a:rPr lang="en-US" sz="2000" dirty="0" smtClean="0"/>
+              <a:rPr lang="en-US" sz="2000" dirty="0" smtClean="0">
+                <a:solidFill>
+                  <a:schemeClr val="bg1"/>
+                </a:solidFill>
+              </a:rPr>
               <a:t>Sept 27</a:t>
             </a:r>
             <a:r>
-              <a:rPr lang="en-US" sz="2000" baseline="30000" dirty="0" smtClean="0"/>
+              <a:rPr lang="en-US" sz="2000" baseline="30000" dirty="0" smtClean="0">
+                <a:solidFill>
+                  <a:schemeClr val="bg1"/>
+                </a:solidFill>
+              </a:rPr>
               <a:t>th</a:t>
             </a:r>
             <a:r>
-              <a:rPr lang="en-US" sz="2000" dirty="0" smtClean="0"/>
+              <a:rPr lang="en-US" sz="2000" dirty="0" smtClean="0">
+                <a:solidFill>
+                  <a:schemeClr val="bg1"/>
+                </a:solidFill>
+              </a:rPr>
               <a:t>(Wed.) for two hours.		</a:t>
             </a:r>
           </a:p>
           <a:p>
             <a:r>
-              <a:rPr lang="en-US" sz="2000" b="1" i="1" u="sng" dirty="0" smtClean="0"/>
+              <a:rPr lang="en-US" sz="2000" b="1" i="1" u="sng" dirty="0" smtClean="0">
+                <a:solidFill>
+                  <a:schemeClr val="bg1"/>
+                </a:solidFill>
+              </a:rPr>
               <a:t>Week 5: Oct. 1-7</a:t>
             </a:r>
           </a:p>
@@ -4377,7 +4975,11 @@
               <a:buNone/>
             </a:pPr>
             <a:r>
-              <a:rPr lang="en-US" sz="2000" dirty="0" smtClean="0"/>
+              <a:rPr lang="en-US" sz="2000" dirty="0" smtClean="0">
+                <a:solidFill>
+                  <a:schemeClr val="bg1"/>
+                </a:solidFill>
+              </a:rPr>
               <a:t>Oct.1st(Sun.) for two hours.</a:t>
             </a:r>
           </a:p>
@@ -4386,21 +4988,37 @@
               <a:buNone/>
             </a:pPr>
             <a:r>
-              <a:rPr lang="en-US" sz="2000" dirty="0" smtClean="0"/>
+              <a:rPr lang="en-US" sz="2000" dirty="0" smtClean="0">
+                <a:solidFill>
+                  <a:schemeClr val="bg1"/>
+                </a:solidFill>
+              </a:rPr>
               <a:t>Oct.4</a:t>
             </a:r>
             <a:r>
-              <a:rPr lang="en-US" sz="2000" baseline="30000" dirty="0" smtClean="0"/>
+              <a:rPr lang="en-US" sz="2000" baseline="30000" dirty="0" smtClean="0">
+                <a:solidFill>
+                  <a:schemeClr val="bg1"/>
+                </a:solidFill>
+              </a:rPr>
               <a:t>th</a:t>
             </a:r>
             <a:r>
-              <a:rPr lang="en-US" sz="2000" dirty="0" smtClean="0"/>
+              <a:rPr lang="en-US" sz="2000" dirty="0" smtClean="0">
+                <a:solidFill>
+                  <a:schemeClr val="bg1"/>
+                </a:solidFill>
+              </a:rPr>
               <a:t>(Wed.) for two hours.</a:t>
             </a:r>
           </a:p>
           <a:p>
             <a:r>
-              <a:rPr lang="en-US" sz="2000" b="1" i="1" u="sng" dirty="0" smtClean="0"/>
+              <a:rPr lang="en-US" sz="2000" b="1" i="1" u="sng" dirty="0" smtClean="0">
+                <a:solidFill>
+                  <a:schemeClr val="bg1"/>
+                </a:solidFill>
+              </a:rPr>
               <a:t>Week 6: Oct. 8-14</a:t>
             </a:r>
           </a:p>
@@ -4409,13 +5027,21 @@
               <a:buNone/>
             </a:pPr>
             <a:r>
-              <a:rPr lang="en-US" sz="2000" dirty="0" smtClean="0"/>
+              <a:rPr lang="en-US" sz="2000" dirty="0" smtClean="0">
+                <a:solidFill>
+                  <a:schemeClr val="bg1"/>
+                </a:solidFill>
+              </a:rPr>
               <a:t>No meetings due to fires</a:t>
             </a:r>
           </a:p>
           <a:p>
             <a:r>
-              <a:rPr lang="en-US" sz="2000" b="1" i="1" u="sng" dirty="0" smtClean="0"/>
+              <a:rPr lang="en-US" sz="2000" b="1" i="1" u="sng" dirty="0" smtClean="0">
+                <a:solidFill>
+                  <a:schemeClr val="bg1"/>
+                </a:solidFill>
+              </a:rPr>
               <a:t>Week 7: Oct. 15-21</a:t>
             </a:r>
           </a:p>
@@ -4424,21 +5050,37 @@
               <a:buNone/>
             </a:pPr>
             <a:r>
-              <a:rPr lang="en-US" sz="2000" dirty="0" smtClean="0"/>
+              <a:rPr lang="en-US" sz="2000" dirty="0" smtClean="0">
+                <a:solidFill>
+                  <a:schemeClr val="bg1"/>
+                </a:solidFill>
+              </a:rPr>
               <a:t>Oct.18</a:t>
             </a:r>
             <a:r>
-              <a:rPr lang="en-US" sz="2000" baseline="30000" dirty="0" smtClean="0"/>
+              <a:rPr lang="en-US" sz="2000" baseline="30000" dirty="0" smtClean="0">
+                <a:solidFill>
+                  <a:schemeClr val="bg1"/>
+                </a:solidFill>
+              </a:rPr>
               <a:t>th</a:t>
             </a:r>
             <a:r>
-              <a:rPr lang="en-US" sz="2000" dirty="0" smtClean="0"/>
+              <a:rPr lang="en-US" sz="2000" dirty="0" smtClean="0">
+                <a:solidFill>
+                  <a:schemeClr val="bg1"/>
+                </a:solidFill>
+              </a:rPr>
               <a:t>(Wed.) for two hours</a:t>
             </a:r>
           </a:p>
           <a:p>
             <a:r>
-              <a:rPr lang="en-US" sz="2000" b="1" i="1" u="sng" dirty="0" smtClean="0"/>
+              <a:rPr lang="en-US" sz="2000" b="1" i="1" u="sng" dirty="0" smtClean="0">
+                <a:solidFill>
+                  <a:schemeClr val="bg1"/>
+                </a:solidFill>
+              </a:rPr>
               <a:t>Week 8: Oct. 22-28</a:t>
             </a:r>
           </a:p>
@@ -4447,15 +5089,27 @@
               <a:buNone/>
             </a:pPr>
             <a:r>
-              <a:rPr lang="en-US" sz="2000" dirty="0" smtClean="0"/>
+              <a:rPr lang="en-US" sz="2000" dirty="0" smtClean="0">
+                <a:solidFill>
+                  <a:schemeClr val="bg1"/>
+                </a:solidFill>
+              </a:rPr>
               <a:t>Oct.22</a:t>
             </a:r>
             <a:r>
-              <a:rPr lang="en-US" sz="2000" baseline="30000" dirty="0" smtClean="0"/>
+              <a:rPr lang="en-US" sz="2000" baseline="30000" dirty="0" smtClean="0">
+                <a:solidFill>
+                  <a:schemeClr val="bg1"/>
+                </a:solidFill>
+              </a:rPr>
               <a:t>nd</a:t>
             </a:r>
             <a:r>
-              <a:rPr lang="en-US" sz="2000" dirty="0" smtClean="0"/>
+              <a:rPr lang="en-US" sz="2000" dirty="0" smtClean="0">
+                <a:solidFill>
+                  <a:schemeClr val="bg1"/>
+                </a:solidFill>
+              </a:rPr>
               <a:t>(Sun.) for an hour</a:t>
             </a:r>
           </a:p>
@@ -4464,21 +5118,37 @@
               <a:buNone/>
             </a:pPr>
             <a:r>
-              <a:rPr lang="en-US" sz="2000" dirty="0" smtClean="0"/>
+              <a:rPr lang="en-US" sz="2000" dirty="0" smtClean="0">
+                <a:solidFill>
+                  <a:schemeClr val="bg1"/>
+                </a:solidFill>
+              </a:rPr>
               <a:t>Oct.25</a:t>
             </a:r>
             <a:r>
-              <a:rPr lang="en-US" sz="2000" baseline="30000" dirty="0" smtClean="0"/>
+              <a:rPr lang="en-US" sz="2000" baseline="30000" dirty="0" smtClean="0">
+                <a:solidFill>
+                  <a:schemeClr val="bg1"/>
+                </a:solidFill>
+              </a:rPr>
               <a:t>th</a:t>
             </a:r>
             <a:r>
-              <a:rPr lang="en-US" sz="2000" dirty="0" smtClean="0"/>
+              <a:rPr lang="en-US" sz="2000" dirty="0" smtClean="0">
+                <a:solidFill>
+                  <a:schemeClr val="bg1"/>
+                </a:solidFill>
+              </a:rPr>
               <a:t>(Wed.) for an hour</a:t>
             </a:r>
           </a:p>
           <a:p>
             <a:r>
-              <a:rPr lang="en-US" sz="2000" b="1" i="1" u="sng" dirty="0" smtClean="0"/>
+              <a:rPr lang="en-US" sz="2000" b="1" i="1" u="sng" dirty="0" smtClean="0">
+                <a:solidFill>
+                  <a:schemeClr val="bg1"/>
+                </a:solidFill>
+              </a:rPr>
               <a:t>Week 9: Oct. 29- Nov. 4</a:t>
             </a:r>
           </a:p>
@@ -4487,15 +5157,27 @@
               <a:buNone/>
             </a:pPr>
             <a:r>
-              <a:rPr lang="en-US" sz="2000" dirty="0" smtClean="0"/>
+              <a:rPr lang="en-US" sz="2000" dirty="0" smtClean="0">
+                <a:solidFill>
+                  <a:schemeClr val="bg1"/>
+                </a:solidFill>
+              </a:rPr>
               <a:t>Oct.29</a:t>
             </a:r>
             <a:r>
-              <a:rPr lang="en-US" sz="2000" baseline="30000" dirty="0" smtClean="0"/>
+              <a:rPr lang="en-US" sz="2000" baseline="30000" dirty="0" smtClean="0">
+                <a:solidFill>
+                  <a:schemeClr val="bg1"/>
+                </a:solidFill>
+              </a:rPr>
               <a:t>th</a:t>
             </a:r>
             <a:r>
-              <a:rPr lang="en-US" sz="2000" dirty="0" smtClean="0"/>
+              <a:rPr lang="en-US" sz="2000" dirty="0" smtClean="0">
+                <a:solidFill>
+                  <a:schemeClr val="bg1"/>
+                </a:solidFill>
+              </a:rPr>
               <a:t>(Sun.) for two hours.</a:t>
             </a:r>
           </a:p>
@@ -4504,21 +5186,37 @@
               <a:buNone/>
             </a:pPr>
             <a:r>
-              <a:rPr lang="en-US" sz="2000" dirty="0" smtClean="0"/>
+              <a:rPr lang="en-US" sz="2000" dirty="0" smtClean="0">
+                <a:solidFill>
+                  <a:schemeClr val="bg1"/>
+                </a:solidFill>
+              </a:rPr>
               <a:t>Nov.1</a:t>
             </a:r>
             <a:r>
-              <a:rPr lang="en-US" sz="2000" baseline="30000" dirty="0" smtClean="0"/>
+              <a:rPr lang="en-US" sz="2000" baseline="30000" dirty="0" smtClean="0">
+                <a:solidFill>
+                  <a:schemeClr val="bg1"/>
+                </a:solidFill>
+              </a:rPr>
               <a:t>st</a:t>
             </a:r>
             <a:r>
-              <a:rPr lang="en-US" sz="2000" dirty="0" smtClean="0"/>
+              <a:rPr lang="en-US" sz="2000" dirty="0" smtClean="0">
+                <a:solidFill>
+                  <a:schemeClr val="bg1"/>
+                </a:solidFill>
+              </a:rPr>
               <a:t>(Wed.) for two hours.</a:t>
             </a:r>
           </a:p>
           <a:p>
             <a:r>
-              <a:rPr lang="en-US" sz="2000" b="1" i="1" u="sng" dirty="0" smtClean="0"/>
+              <a:rPr lang="en-US" sz="2000" b="1" i="1" u="sng" dirty="0" smtClean="0">
+                <a:solidFill>
+                  <a:schemeClr val="bg1"/>
+                </a:solidFill>
+              </a:rPr>
               <a:t>Week 10: Nov.5-11</a:t>
             </a:r>
           </a:p>
@@ -4527,15 +5225,27 @@
               <a:buNone/>
             </a:pPr>
             <a:r>
-              <a:rPr lang="en-US" sz="2000" dirty="0" smtClean="0"/>
+              <a:rPr lang="en-US" sz="2000" dirty="0" smtClean="0">
+                <a:solidFill>
+                  <a:schemeClr val="bg1"/>
+                </a:solidFill>
+              </a:rPr>
               <a:t>Nov.5</a:t>
             </a:r>
             <a:r>
-              <a:rPr lang="en-US" sz="2000" baseline="30000" dirty="0" smtClean="0"/>
+              <a:rPr lang="en-US" sz="2000" baseline="30000" dirty="0" smtClean="0">
+                <a:solidFill>
+                  <a:schemeClr val="bg1"/>
+                </a:solidFill>
+              </a:rPr>
               <a:t>th</a:t>
             </a:r>
             <a:r>
-              <a:rPr lang="en-US" sz="2000" dirty="0" smtClean="0"/>
+              <a:rPr lang="en-US" sz="2000" dirty="0" smtClean="0">
+                <a:solidFill>
+                  <a:schemeClr val="bg1"/>
+                </a:solidFill>
+              </a:rPr>
               <a:t> for an hour</a:t>
             </a:r>
           </a:p>
@@ -4544,21 +5254,37 @@
               <a:buNone/>
             </a:pPr>
             <a:r>
-              <a:rPr lang="en-US" sz="2000" dirty="0" smtClean="0"/>
+              <a:rPr lang="en-US" sz="2000" dirty="0" smtClean="0">
+                <a:solidFill>
+                  <a:schemeClr val="bg1"/>
+                </a:solidFill>
+              </a:rPr>
               <a:t>Nov.8</a:t>
             </a:r>
             <a:r>
-              <a:rPr lang="en-US" sz="2000" baseline="30000" dirty="0" smtClean="0"/>
+              <a:rPr lang="en-US" sz="2000" baseline="30000" dirty="0" smtClean="0">
+                <a:solidFill>
+                  <a:schemeClr val="bg1"/>
+                </a:solidFill>
+              </a:rPr>
               <a:t>th</a:t>
             </a:r>
             <a:r>
-              <a:rPr lang="en-US" sz="2000" dirty="0" smtClean="0"/>
+              <a:rPr lang="en-US" sz="2000" dirty="0" smtClean="0">
+                <a:solidFill>
+                  <a:schemeClr val="bg1"/>
+                </a:solidFill>
+              </a:rPr>
               <a:t> for an hour</a:t>
             </a:r>
           </a:p>
           <a:p>
             <a:r>
-              <a:rPr lang="en-US" sz="2000" b="1" i="1" u="sng" dirty="0" smtClean="0"/>
+              <a:rPr lang="en-US" sz="2000" b="1" i="1" u="sng" dirty="0" smtClean="0">
+                <a:solidFill>
+                  <a:schemeClr val="bg1"/>
+                </a:solidFill>
+              </a:rPr>
               <a:t>Week 11: Nov.12-18</a:t>
             </a:r>
           </a:p>
@@ -4567,15 +5293,27 @@
               <a:buNone/>
             </a:pPr>
             <a:r>
-              <a:rPr lang="en-US" sz="2000" dirty="0" smtClean="0"/>
+              <a:rPr lang="en-US" sz="2000" dirty="0" smtClean="0">
+                <a:solidFill>
+                  <a:schemeClr val="bg1"/>
+                </a:solidFill>
+              </a:rPr>
               <a:t>Nov.12</a:t>
             </a:r>
             <a:r>
-              <a:rPr lang="en-US" sz="2000" baseline="30000" dirty="0" smtClean="0"/>
+              <a:rPr lang="en-US" sz="2000" baseline="30000" dirty="0" smtClean="0">
+                <a:solidFill>
+                  <a:schemeClr val="bg1"/>
+                </a:solidFill>
+              </a:rPr>
               <a:t>th</a:t>
             </a:r>
             <a:r>
-              <a:rPr lang="en-US" sz="2000" dirty="0" smtClean="0"/>
+              <a:rPr lang="en-US" sz="2000" dirty="0" smtClean="0">
+                <a:solidFill>
+                  <a:schemeClr val="bg1"/>
+                </a:solidFill>
+              </a:rPr>
               <a:t>(Sun) for two hours</a:t>
             </a:r>
           </a:p>
@@ -4584,15 +5322,27 @@
               <a:buNone/>
             </a:pPr>
             <a:r>
-              <a:rPr lang="en-US" sz="2000" dirty="0" smtClean="0"/>
+              <a:rPr lang="en-US" sz="2000" dirty="0" smtClean="0">
+                <a:solidFill>
+                  <a:schemeClr val="bg1"/>
+                </a:solidFill>
+              </a:rPr>
               <a:t>Nov.15</a:t>
             </a:r>
             <a:r>
-              <a:rPr lang="en-US" sz="2000" baseline="30000" dirty="0" smtClean="0"/>
+              <a:rPr lang="en-US" sz="2000" baseline="30000" dirty="0" smtClean="0">
+                <a:solidFill>
+                  <a:schemeClr val="bg1"/>
+                </a:solidFill>
+              </a:rPr>
               <a:t>th</a:t>
             </a:r>
             <a:r>
-              <a:rPr lang="en-US" sz="2000" dirty="0" smtClean="0"/>
+              <a:rPr lang="en-US" sz="2000" dirty="0" smtClean="0">
+                <a:solidFill>
+                  <a:schemeClr val="bg1"/>
+                </a:solidFill>
+              </a:rPr>
               <a:t>(Wed.) for 5 hours</a:t>
             </a:r>
           </a:p>
@@ -4600,65 +5350,198 @@
             <a:pPr marL="0" indent="0">
               <a:buNone/>
             </a:pPr>
-            <a:endParaRPr lang="en-US" sz="2000" dirty="0"/>
+            <a:endParaRPr lang="en-US" sz="2000" dirty="0">
+              <a:solidFill>
+                <a:schemeClr val="bg1"/>
+              </a:solidFill>
+            </a:endParaRPr>
           </a:p>
           <a:p>
             <a:pPr marL="0" indent="0">
               <a:buNone/>
             </a:pPr>
-            <a:endParaRPr lang="en-US" sz="2000" dirty="0" smtClean="0"/>
+            <a:endParaRPr lang="en-US" sz="2000" dirty="0" smtClean="0">
+              <a:solidFill>
+                <a:schemeClr val="bg1"/>
+              </a:solidFill>
+            </a:endParaRPr>
           </a:p>
           <a:p>
             <a:pPr marL="0" indent="0">
               <a:buNone/>
             </a:pPr>
-            <a:endParaRPr lang="en-US" sz="2000" dirty="0"/>
+            <a:endParaRPr lang="en-US" sz="2000" dirty="0">
+              <a:solidFill>
+                <a:schemeClr val="bg1"/>
+              </a:solidFill>
+            </a:endParaRPr>
           </a:p>
           <a:p>
             <a:pPr marL="0" indent="0">
               <a:buNone/>
             </a:pPr>
-            <a:endParaRPr lang="en-US" sz="2000" dirty="0" smtClean="0"/>
+            <a:endParaRPr lang="en-US" sz="2000" dirty="0" smtClean="0">
+              <a:solidFill>
+                <a:schemeClr val="bg1"/>
+              </a:solidFill>
+            </a:endParaRPr>
           </a:p>
           <a:p>
             <a:pPr marL="0" indent="0">
               <a:buNone/>
             </a:pPr>
-            <a:endParaRPr lang="en-US" sz="2000" dirty="0"/>
+            <a:endParaRPr lang="en-US" sz="2000" dirty="0">
+              <a:solidFill>
+                <a:schemeClr val="bg1"/>
+              </a:solidFill>
+            </a:endParaRPr>
           </a:p>
           <a:p>
             <a:pPr marL="0" indent="0">
               <a:buNone/>
             </a:pPr>
-            <a:endParaRPr lang="en-US" sz="2000" dirty="0" smtClean="0"/>
+            <a:endParaRPr lang="en-US" sz="2000" dirty="0" smtClean="0">
+              <a:solidFill>
+                <a:schemeClr val="bg1"/>
+              </a:solidFill>
+            </a:endParaRPr>
           </a:p>
           <a:p>
             <a:pPr marL="0" indent="0">
               <a:buNone/>
             </a:pPr>
-            <a:endParaRPr lang="en-US" sz="2000" dirty="0"/>
+            <a:endParaRPr lang="en-US" sz="2000" dirty="0">
+              <a:solidFill>
+                <a:schemeClr val="bg1"/>
+              </a:solidFill>
+            </a:endParaRPr>
           </a:p>
           <a:p>
             <a:pPr marL="0" indent="0">
               <a:buNone/>
             </a:pPr>
             <a:r>
-              <a:rPr lang="en-US" sz="2000" dirty="0" smtClean="0"/>
-              <a:t>	$100 per hour per person</a:t>
+              <a:rPr lang="en-US" sz="2000" dirty="0" smtClean="0">
+                <a:solidFill>
+                  <a:schemeClr val="bg1"/>
+                </a:solidFill>
+              </a:rPr>
+              <a:t>	</a:t>
             </a:r>
           </a:p>
           <a:p>
             <a:pPr marL="0" indent="0">
               <a:buNone/>
             </a:pPr>
-            <a:endParaRPr lang="en-US" sz="2000" dirty="0"/>
+            <a:endParaRPr lang="en-US" sz="2000" dirty="0">
+              <a:solidFill>
+                <a:schemeClr val="bg1"/>
+              </a:solidFill>
+            </a:endParaRPr>
           </a:p>
           <a:p>
             <a:pPr marL="0" indent="0">
               <a:buNone/>
             </a:pPr>
-            <a:r>
-              <a:rPr lang="en-US" sz="2000" dirty="0" smtClean="0"/>
+            <a:endParaRPr lang="en-US" sz="2000" dirty="0" smtClean="0">
+              <a:solidFill>
+                <a:schemeClr val="bg1"/>
+              </a:solidFill>
+            </a:endParaRPr>
+          </a:p>
+          <a:p>
+            <a:pPr marL="0" indent="0">
+              <a:buNone/>
+            </a:pPr>
+            <a:endParaRPr lang="en-US" sz="2000" dirty="0">
+              <a:solidFill>
+                <a:schemeClr val="bg1"/>
+              </a:solidFill>
+            </a:endParaRPr>
+          </a:p>
+          <a:p>
+            <a:pPr marL="0" indent="0">
+              <a:buNone/>
+            </a:pPr>
+            <a:endParaRPr lang="en-US" sz="2000" dirty="0" smtClean="0">
+              <a:solidFill>
+                <a:schemeClr val="bg1"/>
+              </a:solidFill>
+            </a:endParaRPr>
+          </a:p>
+          <a:p>
+            <a:pPr marL="0" indent="0">
+              <a:buNone/>
+            </a:pPr>
+            <a:endParaRPr lang="en-US" sz="2000" dirty="0">
+              <a:solidFill>
+                <a:schemeClr val="bg1"/>
+              </a:solidFill>
+            </a:endParaRPr>
+          </a:p>
+          <a:p>
+            <a:pPr marL="0" indent="0">
+              <a:buNone/>
+            </a:pPr>
+            <a:endParaRPr lang="en-US" sz="2000" dirty="0" smtClean="0">
+              <a:solidFill>
+                <a:schemeClr val="bg1"/>
+              </a:solidFill>
+            </a:endParaRPr>
+          </a:p>
+          <a:p>
+            <a:pPr marL="0" indent="0">
+              <a:buNone/>
+            </a:pPr>
+            <a:endParaRPr lang="en-US" sz="2000" dirty="0">
+              <a:solidFill>
+                <a:schemeClr val="bg1"/>
+              </a:solidFill>
+            </a:endParaRPr>
+          </a:p>
+          <a:p>
+            <a:pPr marL="0" indent="0">
+              <a:buNone/>
+            </a:pPr>
+            <a:endParaRPr lang="en-US" sz="2000" dirty="0" smtClean="0">
+              <a:solidFill>
+                <a:schemeClr val="bg1"/>
+              </a:solidFill>
+            </a:endParaRPr>
+          </a:p>
+          <a:p>
+            <a:pPr marL="0" indent="0">
+              <a:buNone/>
+            </a:pPr>
+            <a:r>
+              <a:rPr lang="en-US" sz="2000" dirty="0" smtClean="0">
+                <a:solidFill>
+                  <a:schemeClr val="bg1"/>
+                </a:solidFill>
+              </a:rPr>
+              <a:t>$100 per hour per person</a:t>
+            </a:r>
+          </a:p>
+          <a:p>
+            <a:pPr marL="0" indent="0">
+              <a:buNone/>
+            </a:pPr>
+            <a:endParaRPr lang="en-US" sz="2000" dirty="0">
+              <a:solidFill>
+                <a:schemeClr val="bg1"/>
+              </a:solidFill>
+            </a:endParaRPr>
+          </a:p>
+          <a:p>
+            <a:pPr marL="0" indent="0">
+              <a:buNone/>
+            </a:pPr>
+            <a:r>
+              <a:rPr lang="en-US" sz="2000" dirty="0" smtClean="0">
+                <a:solidFill>
+                  <a:schemeClr val="bg1"/>
+                </a:solidFill>
+              </a:rPr>
               <a:t>	33 total hours worked for a cost of $3300 * the number of people in the team(5), for a total of $16500.</a:t>
             </a:r>
           </a:p>

--- a/NuAudio presentation (2).pptx
+++ b/NuAudio presentation (2).pptx
@@ -9,12 +9,12 @@
   </p:notesMasterIdLst>
   <p:sldIdLst>
     <p:sldId id="256" r:id="rId2"/>
-    <p:sldId id="257" r:id="rId3"/>
-    <p:sldId id="258" r:id="rId4"/>
-    <p:sldId id="261" r:id="rId5"/>
-    <p:sldId id="259" r:id="rId6"/>
-    <p:sldId id="262" r:id="rId7"/>
-    <p:sldId id="263" r:id="rId8"/>
+    <p:sldId id="258" r:id="rId3"/>
+    <p:sldId id="261" r:id="rId4"/>
+    <p:sldId id="262" r:id="rId5"/>
+    <p:sldId id="263" r:id="rId6"/>
+    <p:sldId id="259" r:id="rId7"/>
+    <p:sldId id="257" r:id="rId8"/>
   </p:sldIdLst>
   <p:sldSz cx="12192000" cy="6858000"/>
   <p:notesSz cx="6858000" cy="9144000"/>
@@ -3450,7 +3450,7 @@
         <p:spPr>
           <a:xfrm>
             <a:off x="0" y="1"/>
-            <a:ext cx="12192000" cy="1825624"/>
+            <a:ext cx="12192000" cy="1690688"/>
           </a:xfrm>
           <a:solidFill>
             <a:schemeClr val="tx1"/>
@@ -3467,7 +3467,23 @@
                   <a:schemeClr val="bg1"/>
                 </a:solidFill>
               </a:rPr>
-              <a:t>Backlog</a:t>
+              <a:t>Completed</a:t>
+            </a:r>
+            <a:r>
+              <a:rPr lang="en-US" b="1" dirty="0" smtClean="0">
+                <a:solidFill>
+                  <a:srgbClr val="FFFF00"/>
+                </a:solidFill>
+              </a:rPr>
+              <a:t> </a:t>
+            </a:r>
+            <a:r>
+              <a:rPr lang="en-US" b="1" dirty="0" smtClean="0">
+                <a:solidFill>
+                  <a:schemeClr val="bg1"/>
+                </a:solidFill>
+              </a:rPr>
+              <a:t>Items</a:t>
             </a:r>
             <a:endParaRPr lang="en-US" b="1" dirty="0">
               <a:solidFill>
@@ -3489,8 +3505,8 @@
         </p:nvSpPr>
         <p:spPr>
           <a:xfrm>
-            <a:off x="0" y="1825624"/>
-            <a:ext cx="12192000" cy="5032375"/>
+            <a:off x="0" y="1690688"/>
+            <a:ext cx="12192000" cy="5167311"/>
           </a:xfrm>
           <a:solidFill>
             <a:schemeClr val="tx1"/>
@@ -3506,7 +3522,23 @@
                   <a:schemeClr val="bg1"/>
                 </a:solidFill>
               </a:rPr>
-              <a:t>Connecting </a:t>
+              <a:t>Setting up Lambda server for </a:t>
+            </a:r>
+            <a:r>
+              <a:rPr lang="en-US" b="1" dirty="0">
+                <a:solidFill>
+                  <a:schemeClr val="bg1"/>
+                </a:solidFill>
+              </a:rPr>
+              <a:t>A</a:t>
+            </a:r>
+            <a:r>
+              <a:rPr lang="en-US" b="1" dirty="0" smtClean="0">
+                <a:solidFill>
+                  <a:schemeClr val="bg1"/>
+                </a:solidFill>
+              </a:rPr>
+              <a:t>lexa skill, </a:t>
             </a:r>
             <a:r>
               <a:rPr lang="en-US" b="1" dirty="0" err="1" smtClean="0">
@@ -3514,7 +3546,7 @@
                   <a:schemeClr val="bg1"/>
                 </a:solidFill>
               </a:rPr>
-              <a:t>itunes</a:t>
+              <a:t>NuAudio</a:t>
             </a:r>
             <a:r>
               <a:rPr lang="en-US" b="1" dirty="0" smtClean="0">
@@ -3522,7 +3554,43 @@
                   <a:schemeClr val="bg1"/>
                 </a:solidFill>
               </a:rPr>
-              <a:t> database to </a:t>
+              <a:t> launch intent/welcome message</a:t>
+            </a:r>
+          </a:p>
+          <a:p>
+            <a:r>
+              <a:rPr lang="en-US" b="1" dirty="0" smtClean="0">
+                <a:solidFill>
+                  <a:schemeClr val="bg1"/>
+                </a:solidFill>
+              </a:rPr>
+              <a:t>Help Intent, allowing users to ask </a:t>
+            </a:r>
+            <a:r>
+              <a:rPr lang="en-US" b="1" dirty="0">
+                <a:solidFill>
+                  <a:schemeClr val="bg1"/>
+                </a:solidFill>
+              </a:rPr>
+              <a:t>A</a:t>
+            </a:r>
+            <a:r>
+              <a:rPr lang="en-US" b="1" dirty="0" smtClean="0">
+                <a:solidFill>
+                  <a:schemeClr val="bg1"/>
+                </a:solidFill>
+              </a:rPr>
+              <a:t>lexa for help if they are confused, or do not know how to use the skill</a:t>
+            </a:r>
+          </a:p>
+          <a:p>
+            <a:r>
+              <a:rPr lang="en-US" b="1" dirty="0" smtClean="0">
+                <a:solidFill>
+                  <a:schemeClr val="bg1"/>
+                </a:solidFill>
+              </a:rPr>
+              <a:t>Send cards to your </a:t>
             </a:r>
             <a:r>
               <a:rPr lang="en-US" b="1" dirty="0" err="1" smtClean="0">
@@ -3530,7 +3598,7 @@
                   <a:schemeClr val="bg1"/>
                 </a:solidFill>
               </a:rPr>
-              <a:t>alexa</a:t>
+              <a:t>iphone</a:t>
             </a:r>
             <a:r>
               <a:rPr lang="en-US" b="1" dirty="0" smtClean="0">
@@ -3538,25 +3606,31 @@
                   <a:schemeClr val="bg1"/>
                 </a:solidFill>
               </a:rPr>
-              <a:t> responses</a:t>
-            </a:r>
-          </a:p>
-          <a:p>
+              <a:t> </a:t>
+            </a:r>
+            <a:r>
+              <a:rPr lang="en-US" b="1" dirty="0">
+                <a:solidFill>
+                  <a:schemeClr val="bg1"/>
+                </a:solidFill>
+              </a:rPr>
+              <a:t>A</a:t>
+            </a:r>
             <a:r>
               <a:rPr lang="en-US" b="1" dirty="0" smtClean="0">
                 <a:solidFill>
                   <a:schemeClr val="bg1"/>
                 </a:solidFill>
               </a:rPr>
-              <a:t>Working on making </a:t>
-            </a:r>
-            <a:r>
-              <a:rPr lang="en-US" b="1" dirty="0" err="1" smtClean="0">
-                <a:solidFill>
-                  <a:schemeClr val="bg1"/>
-                </a:solidFill>
-              </a:rPr>
-              <a:t>alexa</a:t>
+              <a:t>lexa app that is connected to the </a:t>
+            </a:r>
+            <a:r>
+              <a:rPr lang="en-US" b="1" dirty="0">
+                <a:solidFill>
+                  <a:schemeClr val="bg1"/>
+                </a:solidFill>
+              </a:rPr>
+              <a:t>A</a:t>
             </a:r>
             <a:r>
               <a:rPr lang="en-US" b="1" dirty="0" smtClean="0">
@@ -3564,7 +3638,7 @@
                   <a:schemeClr val="bg1"/>
                 </a:solidFill>
               </a:rPr>
-              <a:t> have more fluid speech (more human like)</a:t>
+              <a:t>lexa </a:t>
             </a:r>
           </a:p>
           <a:p>
@@ -3574,15 +3648,7 @@
                   <a:schemeClr val="bg1"/>
                 </a:solidFill>
               </a:rPr>
-              <a:t>Being able to iterate over more than just one response from </a:t>
-            </a:r>
-            <a:r>
-              <a:rPr lang="en-US" b="1" dirty="0" err="1" smtClean="0">
-                <a:solidFill>
-                  <a:schemeClr val="bg1"/>
-                </a:solidFill>
-              </a:rPr>
-              <a:t>alexa</a:t>
+              <a:t>Artist Intent, that allows you to ask about a specific artist </a:t>
             </a:r>
             <a:r>
               <a:rPr lang="en-US" b="1" dirty="0" smtClean="0">
@@ -3590,82 +3656,55 @@
                   <a:schemeClr val="bg1"/>
                 </a:solidFill>
               </a:rPr>
-              <a:t> (</a:t>
-            </a:r>
-            <a:r>
-              <a:rPr lang="en-US" b="1" dirty="0" err="1" smtClean="0">
-                <a:solidFill>
-                  <a:schemeClr val="bg1"/>
-                </a:solidFill>
-              </a:rPr>
-              <a:t>MoreIntent</a:t>
-            </a:r>
+              <a:t>top tracks(static),</a:t>
+            </a:r>
+            <a:endParaRPr lang="en-US" b="1" dirty="0" smtClean="0">
+              <a:solidFill>
+                <a:schemeClr val="bg1"/>
+              </a:solidFill>
+            </a:endParaRPr>
+          </a:p>
+          <a:p>
             <a:r>
               <a:rPr lang="en-US" b="1" dirty="0" smtClean="0">
                 <a:solidFill>
                   <a:schemeClr val="bg1"/>
                 </a:solidFill>
               </a:rPr>
-              <a:t>)</a:t>
-            </a:r>
-          </a:p>
-          <a:p>
+              <a:t>Date Intent, that allows you to ask for releases by general dates, like today, next week, next month (static</a:t>
+            </a:r>
             <a:r>
               <a:rPr lang="en-US" b="1" dirty="0" smtClean="0">
                 <a:solidFill>
                   <a:schemeClr val="bg1"/>
                 </a:solidFill>
               </a:rPr>
-              <a:t>Add a user library, or repeated user request list, that allows </a:t>
-            </a:r>
-            <a:r>
-              <a:rPr lang="en-US" b="1" dirty="0" err="1" smtClean="0">
-                <a:solidFill>
-                  <a:schemeClr val="bg1"/>
-                </a:solidFill>
-              </a:rPr>
-              <a:t>alexa</a:t>
-            </a:r>
-            <a:r>
-              <a:rPr lang="en-US" b="1" dirty="0" smtClean="0">
-                <a:solidFill>
-                  <a:schemeClr val="bg1"/>
-                </a:solidFill>
-              </a:rPr>
-              <a:t> to search for song releases that the user might be interested in hearing (</a:t>
-            </a:r>
-            <a:r>
-              <a:rPr lang="en-US" b="1" dirty="0" err="1" smtClean="0">
-                <a:solidFill>
-                  <a:schemeClr val="bg1"/>
-                </a:solidFill>
-              </a:rPr>
-              <a:t>SuggestedIntent</a:t>
-            </a:r>
-            <a:r>
-              <a:rPr lang="en-US" b="1" dirty="0" smtClean="0">
-                <a:solidFill>
-                  <a:schemeClr val="bg1"/>
-                </a:solidFill>
-              </a:rPr>
-              <a:t>)</a:t>
-            </a:r>
-          </a:p>
-          <a:p>
-            <a:endParaRPr lang="en-US" b="1" dirty="0" smtClean="0"/>
-          </a:p>
-          <a:p>
-            <a:endParaRPr lang="en-US" dirty="0" smtClean="0"/>
-          </a:p>
-          <a:p>
-            <a:endParaRPr lang="en-US" dirty="0" smtClean="0"/>
+              <a:t>).</a:t>
+            </a:r>
+          </a:p>
+          <a:p>
+            <a:endParaRPr lang="en-US" b="1" dirty="0" smtClean="0">
+              <a:solidFill>
+                <a:schemeClr val="bg1"/>
+              </a:solidFill>
+            </a:endParaRPr>
+          </a:p>
+          <a:p>
+            <a:endParaRPr lang="en-US" b="1" dirty="0" smtClean="0">
+              <a:solidFill>
+                <a:schemeClr val="bg1"/>
+              </a:solidFill>
+            </a:endParaRPr>
+          </a:p>
+          <a:p>
+            <a:endParaRPr lang="en-US" dirty="0"/>
           </a:p>
         </p:txBody>
       </p:sp>
     </p:spTree>
     <p:extLst>
       <p:ext uri="{BB962C8B-B14F-4D97-AF65-F5344CB8AC3E}">
-        <p14:creationId xmlns:p14="http://schemas.microsoft.com/office/powerpoint/2010/main" val="439334465"/>
+        <p14:creationId xmlns:p14="http://schemas.microsoft.com/office/powerpoint/2010/main" val="960016114"/>
       </p:ext>
     </p:extLst>
   </p:cSld>
@@ -3729,23 +3768,7 @@
                   <a:schemeClr val="bg1"/>
                 </a:solidFill>
               </a:rPr>
-              <a:t>Completed</a:t>
-            </a:r>
-            <a:r>
-              <a:rPr lang="en-US" b="1" dirty="0" smtClean="0">
-                <a:solidFill>
-                  <a:srgbClr val="FFFF00"/>
-                </a:solidFill>
-              </a:rPr>
-              <a:t> </a:t>
-            </a:r>
-            <a:r>
-              <a:rPr lang="en-US" b="1" dirty="0" smtClean="0">
-                <a:solidFill>
-                  <a:schemeClr val="bg1"/>
-                </a:solidFill>
-              </a:rPr>
-              <a:t>Items</a:t>
+              <a:t>Fluid speech</a:t>
             </a:r>
             <a:endParaRPr lang="en-US" b="1" dirty="0">
               <a:solidFill>
@@ -3784,154 +3807,48 @@
                   <a:schemeClr val="bg1"/>
                 </a:solidFill>
               </a:rPr>
-              <a:t>Setting up Lambda server for </a:t>
-            </a:r>
-            <a:r>
-              <a:rPr lang="en-US" b="1" dirty="0">
-                <a:solidFill>
-                  <a:schemeClr val="bg1"/>
-                </a:solidFill>
-              </a:rPr>
-              <a:t>A</a:t>
-            </a:r>
+              <a:t>We are working on implementing SSML type (Speech Synthesis Markup Language) instead of Plaintext type into our Alexa Responses</a:t>
+            </a:r>
+          </a:p>
+          <a:p>
             <a:r>
               <a:rPr lang="en-US" b="1" dirty="0" smtClean="0">
                 <a:solidFill>
                   <a:schemeClr val="bg1"/>
                 </a:solidFill>
               </a:rPr>
-              <a:t>lexa skill, </a:t>
-            </a:r>
-            <a:r>
-              <a:rPr lang="en-US" b="1" dirty="0" err="1" smtClean="0">
-                <a:solidFill>
-                  <a:schemeClr val="bg1"/>
-                </a:solidFill>
-              </a:rPr>
-              <a:t>NuAudio</a:t>
-            </a:r>
+              <a:t>Using SSML, we plan to make Alexa Responses more fluid</a:t>
+            </a:r>
+          </a:p>
+          <a:p>
             <a:r>
               <a:rPr lang="en-US" b="1" dirty="0" smtClean="0">
                 <a:solidFill>
                   <a:schemeClr val="bg1"/>
                 </a:solidFill>
               </a:rPr>
-              <a:t> launch intent/welcome message</a:t>
-            </a:r>
-          </a:p>
-          <a:p>
+              <a:t>Re-Writing some of our scripts, to make it seem more human </a:t>
+            </a:r>
             <a:r>
               <a:rPr lang="en-US" b="1" dirty="0" smtClean="0">
                 <a:solidFill>
                   <a:schemeClr val="bg1"/>
                 </a:solidFill>
               </a:rPr>
-              <a:t>Help Intent, allowing users to ask </a:t>
-            </a:r>
-            <a:r>
-              <a:rPr lang="en-US" b="1" dirty="0">
-                <a:solidFill>
-                  <a:schemeClr val="bg1"/>
-                </a:solidFill>
-              </a:rPr>
-              <a:t>A</a:t>
-            </a:r>
-            <a:r>
-              <a:rPr lang="en-US" b="1" dirty="0" smtClean="0">
-                <a:solidFill>
-                  <a:schemeClr val="bg1"/>
-                </a:solidFill>
-              </a:rPr>
-              <a:t>lexa for help if they are confused, or do not know how to use the skill</a:t>
-            </a:r>
-          </a:p>
-          <a:p>
-            <a:r>
-              <a:rPr lang="en-US" b="1" dirty="0" smtClean="0">
-                <a:solidFill>
-                  <a:schemeClr val="bg1"/>
-                </a:solidFill>
-              </a:rPr>
-              <a:t>Send cards to your </a:t>
-            </a:r>
-            <a:r>
-              <a:rPr lang="en-US" b="1" dirty="0" err="1" smtClean="0">
-                <a:solidFill>
-                  <a:schemeClr val="bg1"/>
-                </a:solidFill>
-              </a:rPr>
-              <a:t>iphone</a:t>
-            </a:r>
-            <a:r>
-              <a:rPr lang="en-US" b="1" dirty="0" smtClean="0">
-                <a:solidFill>
-                  <a:schemeClr val="bg1"/>
-                </a:solidFill>
-              </a:rPr>
-              <a:t> </a:t>
-            </a:r>
-            <a:r>
-              <a:rPr lang="en-US" b="1" dirty="0">
-                <a:solidFill>
-                  <a:schemeClr val="bg1"/>
-                </a:solidFill>
-              </a:rPr>
-              <a:t>A</a:t>
-            </a:r>
-            <a:r>
-              <a:rPr lang="en-US" b="1" dirty="0" smtClean="0">
-                <a:solidFill>
-                  <a:schemeClr val="bg1"/>
-                </a:solidFill>
-              </a:rPr>
-              <a:t>lexa app that is connected to the </a:t>
-            </a:r>
-            <a:r>
-              <a:rPr lang="en-US" b="1" dirty="0">
-                <a:solidFill>
-                  <a:schemeClr val="bg1"/>
-                </a:solidFill>
-              </a:rPr>
-              <a:t>A</a:t>
-            </a:r>
-            <a:r>
-              <a:rPr lang="en-US" b="1" dirty="0" smtClean="0">
-                <a:solidFill>
-                  <a:schemeClr val="bg1"/>
-                </a:solidFill>
-              </a:rPr>
-              <a:t>lexa </a:t>
-            </a:r>
-          </a:p>
-          <a:p>
-            <a:r>
-              <a:rPr lang="en-US" b="1" dirty="0" smtClean="0">
-                <a:solidFill>
-                  <a:schemeClr val="bg1"/>
-                </a:solidFill>
-              </a:rPr>
-              <a:t>Artist Intent, that allows you to ask about a specific artist (static)</a:t>
-            </a:r>
-          </a:p>
-          <a:p>
-            <a:r>
-              <a:rPr lang="en-US" b="1" dirty="0" smtClean="0">
-                <a:solidFill>
-                  <a:schemeClr val="bg1"/>
-                </a:solidFill>
-              </a:rPr>
-              <a:t>Date Intent, that allows you to ask for releases by general dates, like today, next week, next month (static)</a:t>
-            </a:r>
-          </a:p>
-          <a:p>
-            <a:endParaRPr lang="en-US" dirty="0"/>
+              <a:t>like</a:t>
+            </a:r>
+            <a:endParaRPr lang="en-US" b="1" dirty="0" smtClean="0">
+              <a:solidFill>
+                <a:schemeClr val="bg1"/>
+              </a:solidFill>
+            </a:endParaRPr>
           </a:p>
         </p:txBody>
       </p:sp>
     </p:spTree>
     <p:extLst>
       <p:ext uri="{BB962C8B-B14F-4D97-AF65-F5344CB8AC3E}">
-        <p14:creationId xmlns:p14="http://schemas.microsoft.com/office/powerpoint/2010/main" val="960016114"/>
+        <p14:creationId xmlns:p14="http://schemas.microsoft.com/office/powerpoint/2010/main" val="465301633"/>
       </p:ext>
     </p:extLst>
   </p:cSld>
@@ -3978,7 +3895,7 @@
         <p:spPr>
           <a:xfrm>
             <a:off x="0" y="1"/>
-            <a:ext cx="12192000" cy="1690688"/>
+            <a:ext cx="12192000" cy="1825624"/>
           </a:xfrm>
           <a:solidFill>
             <a:schemeClr val="tx1"/>
@@ -3990,12 +3907,28 @@
           <a:p>
             <a:pPr algn="ctr"/>
             <a:r>
+              <a:rPr lang="en-US" b="1" dirty="0" err="1" smtClean="0">
+                <a:solidFill>
+                  <a:schemeClr val="bg1"/>
+                </a:solidFill>
+              </a:rPr>
+              <a:t>Last.Fm</a:t>
+            </a:r>
+            <a:r>
               <a:rPr lang="en-US" b="1" dirty="0" smtClean="0">
                 <a:solidFill>
                   <a:schemeClr val="bg1"/>
                 </a:solidFill>
               </a:rPr>
-              <a:t>Fluid speech</a:t>
+              <a:t> </a:t>
+            </a:r>
+            <a:r>
+              <a:rPr lang="en-US" b="1" dirty="0" smtClean="0">
+                <a:solidFill>
+                  <a:schemeClr val="bg1"/>
+                </a:solidFill>
+              </a:rPr>
+              <a:t>Search API</a:t>
             </a:r>
             <a:endParaRPr lang="en-US" b="1" dirty="0">
               <a:solidFill>
@@ -4017,8 +3950,8 @@
         </p:nvSpPr>
         <p:spPr>
           <a:xfrm>
-            <a:off x="0" y="1690688"/>
-            <a:ext cx="12192000" cy="5167311"/>
+            <a:off x="0" y="1825624"/>
+            <a:ext cx="12192000" cy="5032375"/>
           </a:xfrm>
           <a:solidFill>
             <a:schemeClr val="tx1"/>
@@ -4034,27 +3967,39 @@
                   <a:schemeClr val="bg1"/>
                 </a:solidFill>
               </a:rPr>
-              <a:t>We are working on implementing SSML type (Speech Synthesis Markup Language) instead of Plaintext type into our Alexa Responses</a:t>
-            </a:r>
-          </a:p>
-          <a:p>
+              <a:t>Successfully able to send an http get request to </a:t>
+            </a:r>
+            <a:r>
+              <a:rPr lang="en-US" b="1" dirty="0" err="1" smtClean="0">
+                <a:solidFill>
+                  <a:schemeClr val="bg1"/>
+                </a:solidFill>
+              </a:rPr>
+              <a:t>Last.FM</a:t>
+            </a:r>
             <a:r>
               <a:rPr lang="en-US" b="1" dirty="0" smtClean="0">
                 <a:solidFill>
                   <a:schemeClr val="bg1"/>
                 </a:solidFill>
               </a:rPr>
-              <a:t>Using SSML, we plan to make Alexa Responses more fluid</a:t>
-            </a:r>
-          </a:p>
-          <a:p>
+              <a:t> </a:t>
+            </a:r>
+            <a:r>
+              <a:rPr lang="en-US" b="1" dirty="0" err="1" smtClean="0">
+                <a:solidFill>
+                  <a:schemeClr val="bg1"/>
+                </a:solidFill>
+              </a:rPr>
+              <a:t>api</a:t>
+            </a:r>
             <a:r>
               <a:rPr lang="en-US" b="1" dirty="0" smtClean="0">
                 <a:solidFill>
                   <a:schemeClr val="bg1"/>
                 </a:solidFill>
               </a:rPr>
-              <a:t>Re-Writing some of our scripts, to make it seem more human like</a:t>
+              <a:t>.</a:t>
             </a:r>
           </a:p>
           <a:p>
@@ -4064,7 +4009,7 @@
                   <a:schemeClr val="bg1"/>
                 </a:solidFill>
               </a:rPr>
-              <a:t>Adding a random response generator for </a:t>
+              <a:t>Able to get a response from </a:t>
             </a:r>
             <a:r>
               <a:rPr lang="en-US" b="1" dirty="0" err="1" smtClean="0">
@@ -4072,7 +4017,7 @@
                   <a:schemeClr val="bg1"/>
                 </a:solidFill>
               </a:rPr>
-              <a:t>alexa</a:t>
+              <a:t>api</a:t>
             </a:r>
             <a:r>
               <a:rPr lang="en-US" b="1" dirty="0" smtClean="0">
@@ -4080,9 +4025,33 @@
                   <a:schemeClr val="bg1"/>
                 </a:solidFill>
               </a:rPr>
-              <a:t>, so its not so automated, and is more natural responses </a:t>
-            </a:r>
-            <a:endParaRPr lang="en-US" b="1" dirty="0">
+              <a:t> in the form of a </a:t>
+            </a:r>
+            <a:r>
+              <a:rPr lang="en-US" b="1" dirty="0" err="1" smtClean="0">
+                <a:solidFill>
+                  <a:schemeClr val="bg1"/>
+                </a:solidFill>
+              </a:rPr>
+              <a:t>Json</a:t>
+            </a:r>
+            <a:r>
+              <a:rPr lang="en-US" b="1" dirty="0" smtClean="0">
+                <a:solidFill>
+                  <a:schemeClr val="bg1"/>
+                </a:solidFill>
+              </a:rPr>
+              <a:t> object</a:t>
+            </a:r>
+            <a:r>
+              <a:rPr lang="en-US" b="1" dirty="0" smtClean="0">
+                <a:solidFill>
+                  <a:schemeClr val="bg1"/>
+                </a:solidFill>
+              </a:rPr>
+              <a:t>.</a:t>
+            </a:r>
+            <a:endParaRPr lang="en-US" b="1" dirty="0" smtClean="0">
               <a:solidFill>
                 <a:schemeClr val="bg1"/>
               </a:solidFill>
@@ -4093,7 +4062,7 @@
     </p:spTree>
     <p:extLst>
       <p:ext uri="{BB962C8B-B14F-4D97-AF65-F5344CB8AC3E}">
-        <p14:creationId xmlns:p14="http://schemas.microsoft.com/office/powerpoint/2010/main" val="465301633"/>
+        <p14:creationId xmlns:p14="http://schemas.microsoft.com/office/powerpoint/2010/main" val="326495939"/>
       </p:ext>
     </p:extLst>
   </p:cSld>
@@ -4139,8 +4108,8 @@
         </p:nvSpPr>
         <p:spPr>
           <a:xfrm>
-            <a:off x="0" y="1"/>
-            <a:ext cx="12192000" cy="1825624"/>
+            <a:off x="0" y="0"/>
+            <a:ext cx="12192000" cy="1219200"/>
           </a:xfrm>
           <a:solidFill>
             <a:schemeClr val="tx1"/>
@@ -4152,14 +4121,14 @@
           <a:p>
             <a:pPr algn="ctr"/>
             <a:r>
-              <a:rPr lang="en-US" b="1" dirty="0" smtClean="0">
-                <a:solidFill>
-                  <a:schemeClr val="bg1"/>
-                </a:solidFill>
-              </a:rPr>
-              <a:t>Dialogue example</a:t>
-            </a:r>
-            <a:endParaRPr lang="en-US" b="1" dirty="0">
+              <a:rPr lang="en-US" b="1" i="1" u="sng" dirty="0" smtClean="0">
+                <a:solidFill>
+                  <a:schemeClr val="bg1"/>
+                </a:solidFill>
+              </a:rPr>
+              <a:t>Project expense</a:t>
+            </a:r>
+            <a:endParaRPr lang="en-US" b="1" i="1" u="sng" dirty="0">
               <a:solidFill>
                 <a:schemeClr val="bg1"/>
               </a:solidFill>
@@ -4179,65 +4148,75 @@
         </p:nvSpPr>
         <p:spPr>
           <a:xfrm>
-            <a:off x="0" y="1825624"/>
-            <a:ext cx="12192000" cy="5032375"/>
+            <a:off x="0" y="1219200"/>
+            <a:ext cx="12192000" cy="5638800"/>
           </a:xfrm>
           <a:solidFill>
             <a:schemeClr val="tx1"/>
           </a:solidFill>
         </p:spPr>
         <p:txBody>
-          <a:bodyPr>
-            <a:normAutofit fontScale="77500" lnSpcReduction="20000"/>
+          <a:bodyPr numCol="4">
+            <a:normAutofit/>
           </a:bodyPr>
           <a:lstStyle/>
           <a:p>
-            <a:r>
-              <a:rPr lang="en-US" b="1" dirty="0" smtClean="0">
-                <a:solidFill>
-                  <a:schemeClr val="bg1"/>
-                </a:solidFill>
-              </a:rPr>
-              <a:t>E-	“Welcome to </a:t>
-            </a:r>
-            <a:r>
-              <a:rPr lang="en-US" b="1" dirty="0" err="1" smtClean="0">
-                <a:solidFill>
-                  <a:schemeClr val="bg1"/>
-                </a:solidFill>
-              </a:rPr>
-              <a:t>NuAudio</a:t>
-            </a:r>
-            <a:r>
-              <a:rPr lang="en-US" b="1" dirty="0" smtClean="0">
-                <a:solidFill>
-                  <a:schemeClr val="bg1"/>
-                </a:solidFill>
-              </a:rPr>
-              <a:t>! I can tell you about some new album releases:”	“Which artist would you like to know about?”</a:t>
-            </a:r>
-          </a:p>
-          <a:p>
-            <a:r>
-              <a:rPr lang="en-US" b="1" dirty="0" smtClean="0">
-                <a:solidFill>
-                  <a:schemeClr val="bg1"/>
-                </a:solidFill>
-              </a:rPr>
-              <a:t>U-	“who has albums coming out next week?”</a:t>
-            </a:r>
-          </a:p>
-          <a:p>
-            <a:r>
-              <a:rPr lang="en-US" b="1" dirty="0" smtClean="0">
-                <a:solidFill>
-                  <a:schemeClr val="bg1"/>
-                </a:solidFill>
-              </a:rPr>
-              <a:t>E-	“Rihanna has an album coming out November 7</a:t>
-            </a:r>
-            <a:r>
-              <a:rPr lang="en-US" b="1" baseline="30000" dirty="0" smtClean="0">
+            <a:pPr>
+              <a:buFont typeface="Arial" charset="0"/>
+              <a:buChar char="•"/>
+            </a:pPr>
+            <a:r>
+              <a:rPr lang="en-US" sz="2000" b="1" i="1" u="sng" dirty="0" smtClean="0">
+                <a:solidFill>
+                  <a:schemeClr val="bg1"/>
+                </a:solidFill>
+              </a:rPr>
+              <a:t>Week 1: Sept. 3-9</a:t>
+            </a:r>
+          </a:p>
+          <a:p>
+            <a:pPr marL="0" indent="0">
+              <a:buNone/>
+            </a:pPr>
+            <a:r>
+              <a:rPr lang="en-US" sz="2000" dirty="0" smtClean="0">
+                <a:solidFill>
+                  <a:schemeClr val="bg1"/>
+                </a:solidFill>
+              </a:rPr>
+              <a:t>Sept.3</a:t>
+            </a:r>
+            <a:r>
+              <a:rPr lang="en-US" sz="2000" baseline="30000" dirty="0" smtClean="0">
+                <a:solidFill>
+                  <a:schemeClr val="bg1"/>
+                </a:solidFill>
+              </a:rPr>
+              <a:t>rd</a:t>
+            </a:r>
+            <a:r>
+              <a:rPr lang="en-US" sz="2000" dirty="0" smtClean="0">
+                <a:solidFill>
+                  <a:schemeClr val="bg1"/>
+                </a:solidFill>
+              </a:rPr>
+              <a:t> (Sun.) for an hour. </a:t>
+            </a:r>
+          </a:p>
+          <a:p>
+            <a:pPr marL="0" indent="0">
+              <a:buNone/>
+            </a:pPr>
+            <a:r>
+              <a:rPr lang="en-US" sz="2000" dirty="0" smtClean="0">
+                <a:solidFill>
+                  <a:schemeClr val="bg1"/>
+                </a:solidFill>
+              </a:rPr>
+              <a:t>Sept. 6</a:t>
+            </a:r>
+            <a:r>
+              <a:rPr lang="en-US" sz="2000" baseline="30000" dirty="0" smtClean="0">
                 <a:solidFill>
                   <a:schemeClr val="bg1"/>
                 </a:solidFill>
@@ -4245,134 +4224,785 @@
               <a:t>th</a:t>
             </a:r>
             <a:r>
-              <a:rPr lang="en-US" b="1" dirty="0" smtClean="0">
-                <a:solidFill>
-                  <a:schemeClr val="bg1"/>
-                </a:solidFill>
-              </a:rPr>
-              <a:t>.”</a:t>
-            </a:r>
-          </a:p>
-          <a:p>
-            <a:r>
-              <a:rPr lang="en-US" b="1" dirty="0" smtClean="0">
-                <a:solidFill>
-                  <a:schemeClr val="bg1"/>
-                </a:solidFill>
-              </a:rPr>
-              <a:t>E-	“Would you like to know about another artist?”</a:t>
-            </a:r>
-          </a:p>
-          <a:p>
-            <a:r>
-              <a:rPr lang="en-US" b="1" dirty="0" smtClean="0">
-                <a:solidFill>
-                  <a:schemeClr val="bg1"/>
-                </a:solidFill>
-              </a:rPr>
-              <a:t>U-	“Yes”</a:t>
-            </a:r>
-          </a:p>
-          <a:p>
-            <a:r>
-              <a:rPr lang="en-US" b="1" dirty="0" smtClean="0">
-                <a:solidFill>
-                  <a:schemeClr val="bg1"/>
-                </a:solidFill>
-              </a:rPr>
-              <a:t>E-	“Dope! What would you like to hear about now?”</a:t>
-            </a:r>
-          </a:p>
-          <a:p>
-            <a:r>
-              <a:rPr lang="en-US" b="1" dirty="0" smtClean="0">
-                <a:solidFill>
-                  <a:schemeClr val="bg1"/>
-                </a:solidFill>
-              </a:rPr>
-              <a:t>U-	“Help”</a:t>
-            </a:r>
-          </a:p>
-          <a:p>
-            <a:r>
-              <a:rPr lang="en-US" b="1" dirty="0" smtClean="0">
-                <a:solidFill>
-                  <a:schemeClr val="bg1"/>
-                </a:solidFill>
-              </a:rPr>
-              <a:t>E-	“I can tell you about artists or I can tell you about new music releases by date. What would you like to hear?”</a:t>
-            </a:r>
-          </a:p>
-          <a:p>
-            <a:r>
-              <a:rPr lang="en-US" b="1" dirty="0" smtClean="0">
-                <a:solidFill>
-                  <a:schemeClr val="bg1"/>
-                </a:solidFill>
-              </a:rPr>
-              <a:t>U-	“Tell me about Slip knot”</a:t>
-            </a:r>
-          </a:p>
-          <a:p>
-            <a:r>
-              <a:rPr lang="en-US" b="1" dirty="0" smtClean="0">
-                <a:solidFill>
-                  <a:schemeClr val="bg1"/>
-                </a:solidFill>
-              </a:rPr>
-              <a:t>E-	“Slip knot released This Old Dog on May 5, 2017”</a:t>
-            </a:r>
-            <a:r>
-              <a:rPr lang="en-US" b="1" dirty="0">
+              <a:rPr lang="en-US" sz="2000" dirty="0" smtClean="0">
+                <a:solidFill>
+                  <a:schemeClr val="bg1"/>
+                </a:solidFill>
+              </a:rPr>
+              <a:t>(Wed.) for an hour.</a:t>
+            </a:r>
+          </a:p>
+          <a:p>
+            <a:r>
+              <a:rPr lang="en-US" sz="2000" b="1" i="1" u="sng" dirty="0" smtClean="0">
+                <a:solidFill>
+                  <a:schemeClr val="bg1"/>
+                </a:solidFill>
+              </a:rPr>
+              <a:t>Week 2: Sept. 10-16</a:t>
+            </a:r>
+          </a:p>
+          <a:p>
+            <a:pPr marL="0" indent="0">
+              <a:buNone/>
+            </a:pPr>
+            <a:r>
+              <a:rPr lang="en-US" sz="2000" dirty="0" smtClean="0">
+                <a:solidFill>
+                  <a:schemeClr val="bg1"/>
+                </a:solidFill>
+              </a:rPr>
+              <a:t>Sept.10th (Sun.) for an hour.</a:t>
+            </a:r>
+          </a:p>
+          <a:p>
+            <a:pPr marL="0" indent="0">
+              <a:buNone/>
+            </a:pPr>
+            <a:r>
+              <a:rPr lang="en-US" sz="2000" dirty="0" smtClean="0">
+                <a:solidFill>
+                  <a:schemeClr val="bg1"/>
+                </a:solidFill>
+              </a:rPr>
+              <a:t>Sept. 13</a:t>
+            </a:r>
+            <a:r>
+              <a:rPr lang="en-US" sz="2000" baseline="30000" dirty="0" smtClean="0">
+                <a:solidFill>
+                  <a:schemeClr val="bg1"/>
+                </a:solidFill>
+              </a:rPr>
+              <a:t>th</a:t>
+            </a:r>
+            <a:r>
+              <a:rPr lang="en-US" sz="2000" dirty="0" smtClean="0">
+                <a:solidFill>
+                  <a:schemeClr val="bg1"/>
+                </a:solidFill>
+              </a:rPr>
+              <a:t>(Wed.) for two hours.		</a:t>
+            </a:r>
+          </a:p>
+          <a:p>
+            <a:r>
+              <a:rPr lang="en-US" sz="2000" b="1" i="1" u="sng" dirty="0" smtClean="0">
+                <a:solidFill>
+                  <a:schemeClr val="bg1"/>
+                </a:solidFill>
+              </a:rPr>
+              <a:t>Week 3: Sept. 17-23</a:t>
+            </a:r>
+          </a:p>
+          <a:p>
+            <a:pPr marL="0" indent="0">
+              <a:buNone/>
+            </a:pPr>
+            <a:r>
+              <a:rPr lang="en-US" sz="2000" dirty="0" smtClean="0">
+                <a:solidFill>
+                  <a:schemeClr val="bg1"/>
+                </a:solidFill>
+              </a:rPr>
+              <a:t>Sept.17</a:t>
+            </a:r>
+            <a:r>
+              <a:rPr lang="en-US" sz="2000" baseline="30000" dirty="0" smtClean="0">
+                <a:solidFill>
+                  <a:schemeClr val="bg1"/>
+                </a:solidFill>
+              </a:rPr>
+              <a:t>th</a:t>
+            </a:r>
+            <a:r>
+              <a:rPr lang="en-US" sz="2000" dirty="0" smtClean="0">
+                <a:solidFill>
+                  <a:schemeClr val="bg1"/>
+                </a:solidFill>
+              </a:rPr>
+              <a:t>(Sun.) for two hours.</a:t>
+            </a:r>
+          </a:p>
+          <a:p>
+            <a:pPr marL="0" indent="0">
+              <a:buNone/>
+            </a:pPr>
+            <a:r>
+              <a:rPr lang="en-US" sz="2000" dirty="0" smtClean="0">
+                <a:solidFill>
+                  <a:schemeClr val="bg1"/>
+                </a:solidFill>
+              </a:rPr>
+              <a:t>Sept. 20</a:t>
+            </a:r>
+            <a:r>
+              <a:rPr lang="en-US" sz="2000" baseline="30000" dirty="0" smtClean="0">
+                <a:solidFill>
+                  <a:schemeClr val="bg1"/>
+                </a:solidFill>
+              </a:rPr>
+              <a:t>th</a:t>
+            </a:r>
+            <a:r>
+              <a:rPr lang="en-US" sz="2000" dirty="0" smtClean="0">
+                <a:solidFill>
+                  <a:schemeClr val="bg1"/>
+                </a:solidFill>
+              </a:rPr>
+              <a:t>(Wed.) for two hours.</a:t>
+            </a:r>
+          </a:p>
+          <a:p>
+            <a:r>
+              <a:rPr lang="en-US" sz="2000" b="1" i="1" u="sng" dirty="0" smtClean="0">
+                <a:solidFill>
+                  <a:schemeClr val="bg1"/>
+                </a:solidFill>
+              </a:rPr>
+              <a:t>Week 4: Sept. 24-30</a:t>
+            </a:r>
+          </a:p>
+          <a:p>
+            <a:pPr marL="0" indent="0">
+              <a:buNone/>
+            </a:pPr>
+            <a:r>
+              <a:rPr lang="en-US" sz="2000" dirty="0" smtClean="0">
+                <a:solidFill>
+                  <a:schemeClr val="bg1"/>
+                </a:solidFill>
+              </a:rPr>
+              <a:t>Sept.24</a:t>
+            </a:r>
+            <a:r>
+              <a:rPr lang="en-US" sz="2000" baseline="30000" dirty="0" smtClean="0">
+                <a:solidFill>
+                  <a:schemeClr val="bg1"/>
+                </a:solidFill>
+              </a:rPr>
+              <a:t>th</a:t>
+            </a:r>
+            <a:r>
+              <a:rPr lang="en-US" sz="2000" dirty="0" smtClean="0">
+                <a:solidFill>
+                  <a:schemeClr val="bg1"/>
+                </a:solidFill>
+              </a:rPr>
+              <a:t>(Sun.) for an hour. </a:t>
+            </a:r>
+          </a:p>
+          <a:p>
+            <a:pPr marL="0" indent="0">
+              <a:buNone/>
+            </a:pPr>
+            <a:r>
+              <a:rPr lang="en-US" sz="2000" dirty="0" smtClean="0">
+                <a:solidFill>
+                  <a:schemeClr val="bg1"/>
+                </a:solidFill>
+              </a:rPr>
+              <a:t>Sept 27</a:t>
+            </a:r>
+            <a:r>
+              <a:rPr lang="en-US" sz="2000" baseline="30000" dirty="0" smtClean="0">
+                <a:solidFill>
+                  <a:schemeClr val="bg1"/>
+                </a:solidFill>
+              </a:rPr>
+              <a:t>th</a:t>
+            </a:r>
+            <a:r>
+              <a:rPr lang="en-US" sz="2000" dirty="0" smtClean="0">
+                <a:solidFill>
+                  <a:schemeClr val="bg1"/>
+                </a:solidFill>
+              </a:rPr>
+              <a:t>(Wed.) for two hours.		</a:t>
+            </a:r>
+          </a:p>
+          <a:p>
+            <a:r>
+              <a:rPr lang="en-US" sz="2000" b="1" i="1" u="sng" dirty="0" smtClean="0">
+                <a:solidFill>
+                  <a:schemeClr val="bg1"/>
+                </a:solidFill>
+              </a:rPr>
+              <a:t>Week 5: Oct. 1-7</a:t>
+            </a:r>
+          </a:p>
+          <a:p>
+            <a:pPr marL="0" indent="0">
+              <a:buNone/>
+            </a:pPr>
+            <a:r>
+              <a:rPr lang="en-US" sz="2000" dirty="0" smtClean="0">
+                <a:solidFill>
+                  <a:schemeClr val="bg1"/>
+                </a:solidFill>
+              </a:rPr>
+              <a:t>Oct.1st(Sun.) for two hours.</a:t>
+            </a:r>
+          </a:p>
+          <a:p>
+            <a:pPr marL="0" indent="0">
+              <a:buNone/>
+            </a:pPr>
+            <a:r>
+              <a:rPr lang="en-US" sz="2000" dirty="0" smtClean="0">
+                <a:solidFill>
+                  <a:schemeClr val="bg1"/>
+                </a:solidFill>
+              </a:rPr>
+              <a:t>Oct.4</a:t>
+            </a:r>
+            <a:r>
+              <a:rPr lang="en-US" sz="2000" baseline="30000" dirty="0" smtClean="0">
+                <a:solidFill>
+                  <a:schemeClr val="bg1"/>
+                </a:solidFill>
+              </a:rPr>
+              <a:t>th</a:t>
+            </a:r>
+            <a:r>
+              <a:rPr lang="en-US" sz="2000" dirty="0" smtClean="0">
+                <a:solidFill>
+                  <a:schemeClr val="bg1"/>
+                </a:solidFill>
+              </a:rPr>
+              <a:t>(Wed.) for two hours.</a:t>
+            </a:r>
+          </a:p>
+          <a:p>
+            <a:r>
+              <a:rPr lang="en-US" sz="2000" b="1" i="1" u="sng" dirty="0" smtClean="0">
+                <a:solidFill>
+                  <a:schemeClr val="bg1"/>
+                </a:solidFill>
+              </a:rPr>
+              <a:t>Week 6: Oct. 8-14</a:t>
+            </a:r>
+          </a:p>
+          <a:p>
+            <a:pPr marL="0" indent="0">
+              <a:buNone/>
+            </a:pPr>
+            <a:r>
+              <a:rPr lang="en-US" sz="2000" dirty="0" smtClean="0">
+                <a:solidFill>
+                  <a:schemeClr val="bg1"/>
+                </a:solidFill>
+              </a:rPr>
+              <a:t>No meetings due to fires</a:t>
+            </a:r>
+          </a:p>
+          <a:p>
+            <a:r>
+              <a:rPr lang="en-US" sz="2000" b="1" i="1" u="sng" dirty="0" smtClean="0">
+                <a:solidFill>
+                  <a:schemeClr val="bg1"/>
+                </a:solidFill>
+              </a:rPr>
+              <a:t>Week 7: Oct. 15-21</a:t>
+            </a:r>
+          </a:p>
+          <a:p>
+            <a:pPr marL="0" indent="0">
+              <a:buNone/>
+            </a:pPr>
+            <a:r>
+              <a:rPr lang="en-US" sz="2000" dirty="0" smtClean="0">
+                <a:solidFill>
+                  <a:schemeClr val="bg1"/>
+                </a:solidFill>
+              </a:rPr>
+              <a:t>Oct.18</a:t>
+            </a:r>
+            <a:r>
+              <a:rPr lang="en-US" sz="2000" baseline="30000" dirty="0" smtClean="0">
+                <a:solidFill>
+                  <a:schemeClr val="bg1"/>
+                </a:solidFill>
+              </a:rPr>
+              <a:t>th</a:t>
+            </a:r>
+            <a:r>
+              <a:rPr lang="en-US" sz="2000" dirty="0" smtClean="0">
+                <a:solidFill>
+                  <a:schemeClr val="bg1"/>
+                </a:solidFill>
+              </a:rPr>
+              <a:t>(Wed.) for two hours</a:t>
+            </a:r>
+          </a:p>
+          <a:p>
+            <a:r>
+              <a:rPr lang="en-US" sz="2000" b="1" i="1" u="sng" dirty="0" smtClean="0">
+                <a:solidFill>
+                  <a:schemeClr val="bg1"/>
+                </a:solidFill>
+              </a:rPr>
+              <a:t>Week 8: Oct. 22-28</a:t>
+            </a:r>
+          </a:p>
+          <a:p>
+            <a:pPr marL="0" indent="0">
+              <a:buNone/>
+            </a:pPr>
+            <a:r>
+              <a:rPr lang="en-US" sz="2000" dirty="0" smtClean="0">
+                <a:solidFill>
+                  <a:schemeClr val="bg1"/>
+                </a:solidFill>
+              </a:rPr>
+              <a:t>Oct.22</a:t>
+            </a:r>
+            <a:r>
+              <a:rPr lang="en-US" sz="2000" baseline="30000" dirty="0" smtClean="0">
+                <a:solidFill>
+                  <a:schemeClr val="bg1"/>
+                </a:solidFill>
+              </a:rPr>
+              <a:t>nd</a:t>
+            </a:r>
+            <a:r>
+              <a:rPr lang="en-US" sz="2000" dirty="0" smtClean="0">
+                <a:solidFill>
+                  <a:schemeClr val="bg1"/>
+                </a:solidFill>
+              </a:rPr>
+              <a:t>(Sun.) for an hour</a:t>
+            </a:r>
+          </a:p>
+          <a:p>
+            <a:pPr marL="0" indent="0">
+              <a:buNone/>
+            </a:pPr>
+            <a:r>
+              <a:rPr lang="en-US" sz="2000" dirty="0" smtClean="0">
+                <a:solidFill>
+                  <a:schemeClr val="bg1"/>
+                </a:solidFill>
+              </a:rPr>
+              <a:t>Oct.25</a:t>
+            </a:r>
+            <a:r>
+              <a:rPr lang="en-US" sz="2000" baseline="30000" dirty="0" smtClean="0">
+                <a:solidFill>
+                  <a:schemeClr val="bg1"/>
+                </a:solidFill>
+              </a:rPr>
+              <a:t>th</a:t>
+            </a:r>
+            <a:r>
+              <a:rPr lang="en-US" sz="2000" dirty="0" smtClean="0">
+                <a:solidFill>
+                  <a:schemeClr val="bg1"/>
+                </a:solidFill>
+              </a:rPr>
+              <a:t>(Wed.) for an hour</a:t>
+            </a:r>
+          </a:p>
+          <a:p>
+            <a:r>
+              <a:rPr lang="en-US" sz="2000" b="1" i="1" u="sng" dirty="0" smtClean="0">
+                <a:solidFill>
+                  <a:schemeClr val="bg1"/>
+                </a:solidFill>
+              </a:rPr>
+              <a:t>Week 9: Oct. 29- Nov. 4</a:t>
+            </a:r>
+          </a:p>
+          <a:p>
+            <a:pPr marL="0" indent="0">
+              <a:buNone/>
+            </a:pPr>
+            <a:r>
+              <a:rPr lang="en-US" sz="2000" dirty="0" smtClean="0">
+                <a:solidFill>
+                  <a:schemeClr val="bg1"/>
+                </a:solidFill>
+              </a:rPr>
+              <a:t>Oct.29</a:t>
+            </a:r>
+            <a:r>
+              <a:rPr lang="en-US" sz="2000" baseline="30000" dirty="0" smtClean="0">
+                <a:solidFill>
+                  <a:schemeClr val="bg1"/>
+                </a:solidFill>
+              </a:rPr>
+              <a:t>th</a:t>
+            </a:r>
+            <a:r>
+              <a:rPr lang="en-US" sz="2000" dirty="0" smtClean="0">
+                <a:solidFill>
+                  <a:schemeClr val="bg1"/>
+                </a:solidFill>
+              </a:rPr>
+              <a:t>(Sun.) for two hours.</a:t>
+            </a:r>
+          </a:p>
+          <a:p>
+            <a:pPr marL="0" indent="0">
+              <a:buNone/>
+            </a:pPr>
+            <a:r>
+              <a:rPr lang="en-US" sz="2000" dirty="0" smtClean="0">
+                <a:solidFill>
+                  <a:schemeClr val="bg1"/>
+                </a:solidFill>
+              </a:rPr>
+              <a:t>Nov.1</a:t>
+            </a:r>
+            <a:r>
+              <a:rPr lang="en-US" sz="2000" baseline="30000" dirty="0" smtClean="0">
+                <a:solidFill>
+                  <a:schemeClr val="bg1"/>
+                </a:solidFill>
+              </a:rPr>
+              <a:t>st</a:t>
+            </a:r>
+            <a:r>
+              <a:rPr lang="en-US" sz="2000" dirty="0" smtClean="0">
+                <a:solidFill>
+                  <a:schemeClr val="bg1"/>
+                </a:solidFill>
+              </a:rPr>
+              <a:t>(Wed.) for two hours.</a:t>
+            </a:r>
+          </a:p>
+          <a:p>
+            <a:r>
+              <a:rPr lang="en-US" sz="2000" b="1" i="1" u="sng" dirty="0" smtClean="0">
+                <a:solidFill>
+                  <a:schemeClr val="bg1"/>
+                </a:solidFill>
+              </a:rPr>
+              <a:t>Week 10: Nov.5-11</a:t>
+            </a:r>
+          </a:p>
+          <a:p>
+            <a:pPr marL="0" indent="0">
+              <a:buNone/>
+            </a:pPr>
+            <a:r>
+              <a:rPr lang="en-US" sz="2000" dirty="0" smtClean="0">
+                <a:solidFill>
+                  <a:schemeClr val="bg1"/>
+                </a:solidFill>
+              </a:rPr>
+              <a:t>Nov.5</a:t>
+            </a:r>
+            <a:r>
+              <a:rPr lang="en-US" sz="2000" baseline="30000" dirty="0" smtClean="0">
+                <a:solidFill>
+                  <a:schemeClr val="bg1"/>
+                </a:solidFill>
+              </a:rPr>
+              <a:t>th</a:t>
+            </a:r>
+            <a:r>
+              <a:rPr lang="en-US" sz="2000" dirty="0" smtClean="0">
+                <a:solidFill>
+                  <a:schemeClr val="bg1"/>
+                </a:solidFill>
+              </a:rPr>
+              <a:t> for an hour</a:t>
+            </a:r>
+          </a:p>
+          <a:p>
+            <a:pPr marL="0" indent="0">
+              <a:buNone/>
+            </a:pPr>
+            <a:r>
+              <a:rPr lang="en-US" sz="2000" dirty="0" smtClean="0">
+                <a:solidFill>
+                  <a:schemeClr val="bg1"/>
+                </a:solidFill>
+              </a:rPr>
+              <a:t>Nov.8</a:t>
+            </a:r>
+            <a:r>
+              <a:rPr lang="en-US" sz="2000" baseline="30000" dirty="0" smtClean="0">
+                <a:solidFill>
+                  <a:schemeClr val="bg1"/>
+                </a:solidFill>
+              </a:rPr>
+              <a:t>th</a:t>
+            </a:r>
+            <a:r>
+              <a:rPr lang="en-US" sz="2000" dirty="0" smtClean="0">
+                <a:solidFill>
+                  <a:schemeClr val="bg1"/>
+                </a:solidFill>
+              </a:rPr>
+              <a:t> for an hour</a:t>
+            </a:r>
+          </a:p>
+          <a:p>
+            <a:r>
+              <a:rPr lang="en-US" sz="2000" b="1" i="1" u="sng" dirty="0" smtClean="0">
+                <a:solidFill>
+                  <a:schemeClr val="bg1"/>
+                </a:solidFill>
+              </a:rPr>
+              <a:t>Week 11: Nov.12-18</a:t>
+            </a:r>
+          </a:p>
+          <a:p>
+            <a:pPr marL="0" indent="0">
+              <a:buNone/>
+            </a:pPr>
+            <a:r>
+              <a:rPr lang="en-US" sz="2000" dirty="0" smtClean="0">
+                <a:solidFill>
+                  <a:schemeClr val="bg1"/>
+                </a:solidFill>
+              </a:rPr>
+              <a:t>Nov.12</a:t>
+            </a:r>
+            <a:r>
+              <a:rPr lang="en-US" sz="2000" baseline="30000" dirty="0" smtClean="0">
+                <a:solidFill>
+                  <a:schemeClr val="bg1"/>
+                </a:solidFill>
+              </a:rPr>
+              <a:t>th</a:t>
+            </a:r>
+            <a:r>
+              <a:rPr lang="en-US" sz="2000" dirty="0" smtClean="0">
+                <a:solidFill>
+                  <a:schemeClr val="bg1"/>
+                </a:solidFill>
+              </a:rPr>
+              <a:t>(Sun) for two hours</a:t>
+            </a:r>
+          </a:p>
+          <a:p>
+            <a:pPr marL="0" indent="0">
+              <a:buNone/>
+            </a:pPr>
+            <a:r>
+              <a:rPr lang="en-US" sz="2000" dirty="0" smtClean="0">
+                <a:solidFill>
+                  <a:schemeClr val="bg1"/>
+                </a:solidFill>
+              </a:rPr>
+              <a:t>Nov.15</a:t>
+            </a:r>
+            <a:r>
+              <a:rPr lang="en-US" sz="2000" baseline="30000" dirty="0" smtClean="0">
+                <a:solidFill>
+                  <a:schemeClr val="bg1"/>
+                </a:solidFill>
+              </a:rPr>
+              <a:t>th</a:t>
+            </a:r>
+            <a:r>
+              <a:rPr lang="en-US" sz="2000" dirty="0" smtClean="0">
+                <a:solidFill>
+                  <a:schemeClr val="bg1"/>
+                </a:solidFill>
+              </a:rPr>
+              <a:t>(Wed.) for 5 hours</a:t>
+            </a:r>
+          </a:p>
+          <a:p>
+            <a:pPr marL="0" indent="0">
+              <a:buNone/>
+            </a:pPr>
+            <a:endParaRPr lang="en-US" sz="2000" dirty="0">
+              <a:solidFill>
+                <a:schemeClr val="bg1"/>
+              </a:solidFill>
+            </a:endParaRPr>
+          </a:p>
+          <a:p>
+            <a:pPr marL="0" indent="0">
+              <a:buNone/>
+            </a:pPr>
+            <a:endParaRPr lang="en-US" sz="2000" dirty="0" smtClean="0">
+              <a:solidFill>
+                <a:schemeClr val="bg1"/>
+              </a:solidFill>
+            </a:endParaRPr>
+          </a:p>
+          <a:p>
+            <a:pPr marL="0" indent="0">
+              <a:buNone/>
+            </a:pPr>
+            <a:endParaRPr lang="en-US" sz="2000" dirty="0">
+              <a:solidFill>
+                <a:schemeClr val="bg1"/>
+              </a:solidFill>
+            </a:endParaRPr>
+          </a:p>
+          <a:p>
+            <a:pPr marL="0" indent="0">
+              <a:buNone/>
+            </a:pPr>
+            <a:endParaRPr lang="en-US" sz="2000" dirty="0" smtClean="0">
+              <a:solidFill>
+                <a:schemeClr val="bg1"/>
+              </a:solidFill>
+            </a:endParaRPr>
+          </a:p>
+          <a:p>
+            <a:pPr marL="0" indent="0">
+              <a:buNone/>
+            </a:pPr>
+            <a:endParaRPr lang="en-US" sz="2000" dirty="0">
+              <a:solidFill>
+                <a:schemeClr val="bg1"/>
+              </a:solidFill>
+            </a:endParaRPr>
+          </a:p>
+          <a:p>
+            <a:pPr marL="0" indent="0">
+              <a:buNone/>
+            </a:pPr>
+            <a:endParaRPr lang="en-US" sz="2000" dirty="0" smtClean="0">
+              <a:solidFill>
+                <a:schemeClr val="bg1"/>
+              </a:solidFill>
+            </a:endParaRPr>
+          </a:p>
+          <a:p>
+            <a:pPr marL="0" indent="0">
+              <a:buNone/>
+            </a:pPr>
+            <a:endParaRPr lang="en-US" sz="2000" dirty="0">
+              <a:solidFill>
+                <a:schemeClr val="bg1"/>
+              </a:solidFill>
+            </a:endParaRPr>
+          </a:p>
+          <a:p>
+            <a:pPr marL="0" indent="0">
+              <a:buNone/>
+            </a:pPr>
+            <a:r>
+              <a:rPr lang="en-US" sz="2000" dirty="0" smtClean="0">
                 <a:solidFill>
                   <a:schemeClr val="bg1"/>
                 </a:solidFill>
               </a:rPr>
               <a:t>	</a:t>
             </a:r>
-            <a:r>
-              <a:rPr lang="en-US" b="1" dirty="0" smtClean="0">
-                <a:solidFill>
-                  <a:schemeClr val="bg1"/>
-                </a:solidFill>
-              </a:rPr>
-              <a:t>“Would you like to know about another?”</a:t>
-            </a:r>
-          </a:p>
-          <a:p>
-            <a:r>
-              <a:rPr lang="en-US" b="1" dirty="0" smtClean="0">
-                <a:solidFill>
-                  <a:schemeClr val="bg1"/>
-                </a:solidFill>
-              </a:rPr>
-              <a:t>U-	“No.”</a:t>
-            </a:r>
-          </a:p>
-          <a:p>
-            <a:r>
-              <a:rPr lang="en-US" b="1" dirty="0" smtClean="0">
-                <a:solidFill>
-                  <a:schemeClr val="bg1"/>
-                </a:solidFill>
-              </a:rPr>
-              <a:t>E-	“Thanks for using </a:t>
-            </a:r>
-            <a:r>
-              <a:rPr lang="en-US" b="1" dirty="0" err="1" smtClean="0">
-                <a:solidFill>
-                  <a:schemeClr val="bg1"/>
-                </a:solidFill>
-              </a:rPr>
-              <a:t>NuAudio</a:t>
-            </a:r>
-            <a:r>
-              <a:rPr lang="en-US" b="1" dirty="0" smtClean="0">
-                <a:solidFill>
-                  <a:schemeClr val="bg1"/>
-                </a:solidFill>
-              </a:rPr>
-              <a:t>. Goodbye!”</a:t>
+          </a:p>
+          <a:p>
+            <a:pPr marL="0" indent="0">
+              <a:buNone/>
+            </a:pPr>
+            <a:endParaRPr lang="en-US" sz="2000" dirty="0">
+              <a:solidFill>
+                <a:schemeClr val="bg1"/>
+              </a:solidFill>
+            </a:endParaRPr>
+          </a:p>
+          <a:p>
+            <a:pPr marL="0" indent="0">
+              <a:buNone/>
+            </a:pPr>
+            <a:endParaRPr lang="en-US" sz="2000" dirty="0" smtClean="0">
+              <a:solidFill>
+                <a:schemeClr val="bg1"/>
+              </a:solidFill>
+            </a:endParaRPr>
+          </a:p>
+          <a:p>
+            <a:pPr marL="0" indent="0">
+              <a:buNone/>
+            </a:pPr>
+            <a:endParaRPr lang="en-US" sz="2000" dirty="0">
+              <a:solidFill>
+                <a:schemeClr val="bg1"/>
+              </a:solidFill>
+            </a:endParaRPr>
+          </a:p>
+          <a:p>
+            <a:pPr marL="0" indent="0">
+              <a:buNone/>
+            </a:pPr>
+            <a:endParaRPr lang="en-US" sz="2000" dirty="0" smtClean="0">
+              <a:solidFill>
+                <a:schemeClr val="bg1"/>
+              </a:solidFill>
+            </a:endParaRPr>
+          </a:p>
+          <a:p>
+            <a:pPr marL="0" indent="0">
+              <a:buNone/>
+            </a:pPr>
+            <a:endParaRPr lang="en-US" sz="2000" dirty="0">
+              <a:solidFill>
+                <a:schemeClr val="bg1"/>
+              </a:solidFill>
+            </a:endParaRPr>
+          </a:p>
+          <a:p>
+            <a:pPr marL="0" indent="0">
+              <a:buNone/>
+            </a:pPr>
+            <a:endParaRPr lang="en-US" sz="2000" dirty="0" smtClean="0">
+              <a:solidFill>
+                <a:schemeClr val="bg1"/>
+              </a:solidFill>
+            </a:endParaRPr>
+          </a:p>
+          <a:p>
+            <a:pPr marL="0" indent="0">
+              <a:buNone/>
+            </a:pPr>
+            <a:endParaRPr lang="en-US" sz="2000" dirty="0">
+              <a:solidFill>
+                <a:schemeClr val="bg1"/>
+              </a:solidFill>
+            </a:endParaRPr>
+          </a:p>
+          <a:p>
+            <a:pPr marL="0" indent="0">
+              <a:buNone/>
+            </a:pPr>
+            <a:endParaRPr lang="en-US" sz="2000" dirty="0" smtClean="0">
+              <a:solidFill>
+                <a:schemeClr val="bg1"/>
+              </a:solidFill>
+            </a:endParaRPr>
+          </a:p>
+          <a:p>
+            <a:pPr marL="0" indent="0">
+              <a:buNone/>
+            </a:pPr>
+            <a:r>
+              <a:rPr lang="en-US" sz="2000" dirty="0" smtClean="0">
+                <a:solidFill>
+                  <a:schemeClr val="bg1"/>
+                </a:solidFill>
+              </a:rPr>
+              <a:t>$100 per hour per person</a:t>
+            </a:r>
+          </a:p>
+          <a:p>
+            <a:pPr marL="0" indent="0">
+              <a:buNone/>
+            </a:pPr>
+            <a:endParaRPr lang="en-US" sz="2000" dirty="0">
+              <a:solidFill>
+                <a:schemeClr val="bg1"/>
+              </a:solidFill>
+            </a:endParaRPr>
+          </a:p>
+          <a:p>
+            <a:pPr marL="0" indent="0">
+              <a:buNone/>
+            </a:pPr>
+            <a:r>
+              <a:rPr lang="en-US" sz="2000" dirty="0" smtClean="0">
+                <a:solidFill>
+                  <a:schemeClr val="bg1"/>
+                </a:solidFill>
+              </a:rPr>
+              <a:t>	33 total hours worked for a cost of $3300 * the number of people in the team(5), for a total of $16500.</a:t>
             </a:r>
           </a:p>
         </p:txBody>
@@ -4380,7 +5010,7 @@
     </p:spTree>
     <p:extLst>
       <p:ext uri="{BB962C8B-B14F-4D97-AF65-F5344CB8AC3E}">
-        <p14:creationId xmlns:p14="http://schemas.microsoft.com/office/powerpoint/2010/main" val="576809588"/>
+        <p14:creationId xmlns:p14="http://schemas.microsoft.com/office/powerpoint/2010/main" val="903246197"/>
       </p:ext>
     </p:extLst>
   </p:cSld>
@@ -4439,20 +5069,12 @@
           <a:p>
             <a:pPr algn="ctr"/>
             <a:r>
-              <a:rPr lang="en-US" b="1" dirty="0" err="1" smtClean="0">
-                <a:solidFill>
-                  <a:schemeClr val="bg1"/>
-                </a:solidFill>
-              </a:rPr>
-              <a:t>Itunes</a:t>
-            </a:r>
-            <a:r>
               <a:rPr lang="en-US" b="1" dirty="0" smtClean="0">
                 <a:solidFill>
                   <a:schemeClr val="bg1"/>
                 </a:solidFill>
               </a:rPr>
-              <a:t> Search API</a:t>
+              <a:t>Dialogue example</a:t>
             </a:r>
             <a:endParaRPr lang="en-US" b="1" dirty="0">
               <a:solidFill>
@@ -4482,7 +5104,9 @@
           </a:solidFill>
         </p:spPr>
         <p:txBody>
-          <a:bodyPr/>
+          <a:bodyPr>
+            <a:normAutofit fontScale="77500" lnSpcReduction="20000"/>
+          </a:bodyPr>
           <a:lstStyle/>
           <a:p>
             <a:r>
@@ -4491,7 +5115,7 @@
                   <a:schemeClr val="bg1"/>
                 </a:solidFill>
               </a:rPr>
-              <a:t>Successfully able to send an http get request to </a:t>
+              <a:t>E-	“Welcome to </a:t>
             </a:r>
             <a:r>
               <a:rPr lang="en-US" b="1" dirty="0" err="1" smtClean="0">
@@ -4499,7 +5123,7 @@
                   <a:schemeClr val="bg1"/>
                 </a:solidFill>
               </a:rPr>
-              <a:t>itunes</a:t>
+              <a:t>NuAudio</a:t>
             </a:r>
             <a:r>
               <a:rPr lang="en-US" b="1" dirty="0" smtClean="0">
@@ -4507,7 +5131,149 @@
                   <a:schemeClr val="bg1"/>
                 </a:solidFill>
               </a:rPr>
-              <a:t> </a:t>
+              <a:t>! I can tell you about some new album releases:”	“Which artist would you like to know about?”</a:t>
+            </a:r>
+          </a:p>
+          <a:p>
+            <a:r>
+              <a:rPr lang="en-US" b="1" dirty="0" smtClean="0">
+                <a:solidFill>
+                  <a:schemeClr val="bg1"/>
+                </a:solidFill>
+              </a:rPr>
+              <a:t>U-	“who has albums coming out next week?”</a:t>
+            </a:r>
+          </a:p>
+          <a:p>
+            <a:r>
+              <a:rPr lang="en-US" b="1" dirty="0" smtClean="0">
+                <a:solidFill>
+                  <a:schemeClr val="bg1"/>
+                </a:solidFill>
+              </a:rPr>
+              <a:t>E-	“Rihanna has an album coming out November 7</a:t>
+            </a:r>
+            <a:r>
+              <a:rPr lang="en-US" b="1" baseline="30000" dirty="0" smtClean="0">
+                <a:solidFill>
+                  <a:schemeClr val="bg1"/>
+                </a:solidFill>
+              </a:rPr>
+              <a:t>th</a:t>
+            </a:r>
+            <a:r>
+              <a:rPr lang="en-US" b="1" dirty="0" smtClean="0">
+                <a:solidFill>
+                  <a:schemeClr val="bg1"/>
+                </a:solidFill>
+              </a:rPr>
+              <a:t>.”</a:t>
+            </a:r>
+          </a:p>
+          <a:p>
+            <a:r>
+              <a:rPr lang="en-US" b="1" dirty="0" smtClean="0">
+                <a:solidFill>
+                  <a:schemeClr val="bg1"/>
+                </a:solidFill>
+              </a:rPr>
+              <a:t>E-	“Would you like to know about another artist?”</a:t>
+            </a:r>
+          </a:p>
+          <a:p>
+            <a:r>
+              <a:rPr lang="en-US" b="1" dirty="0" smtClean="0">
+                <a:solidFill>
+                  <a:schemeClr val="bg1"/>
+                </a:solidFill>
+              </a:rPr>
+              <a:t>U-	“Yes”</a:t>
+            </a:r>
+          </a:p>
+          <a:p>
+            <a:r>
+              <a:rPr lang="en-US" b="1" dirty="0" smtClean="0">
+                <a:solidFill>
+                  <a:schemeClr val="bg1"/>
+                </a:solidFill>
+              </a:rPr>
+              <a:t>E-	“Dope! What would you like to hear about now?”</a:t>
+            </a:r>
+          </a:p>
+          <a:p>
+            <a:r>
+              <a:rPr lang="en-US" b="1" dirty="0" smtClean="0">
+                <a:solidFill>
+                  <a:schemeClr val="bg1"/>
+                </a:solidFill>
+              </a:rPr>
+              <a:t>U-	“Help”</a:t>
+            </a:r>
+          </a:p>
+          <a:p>
+            <a:r>
+              <a:rPr lang="en-US" b="1" dirty="0" smtClean="0">
+                <a:solidFill>
+                  <a:schemeClr val="bg1"/>
+                </a:solidFill>
+              </a:rPr>
+              <a:t>E-	“I can tell you about artists or I can tell you about new music releases by date. What would you like to hear?”</a:t>
+            </a:r>
+          </a:p>
+          <a:p>
+            <a:r>
+              <a:rPr lang="en-US" b="1" dirty="0" smtClean="0">
+                <a:solidFill>
+                  <a:schemeClr val="bg1"/>
+                </a:solidFill>
+              </a:rPr>
+              <a:t>U-	“Tell me about Slip knot”</a:t>
+            </a:r>
+          </a:p>
+          <a:p>
+            <a:r>
+              <a:rPr lang="en-US" b="1" dirty="0" smtClean="0">
+                <a:solidFill>
+                  <a:schemeClr val="bg1"/>
+                </a:solidFill>
+              </a:rPr>
+              <a:t>E-	“Slip knot released This Old Dog on May 5, 2017”</a:t>
+            </a:r>
+            <a:r>
+              <a:rPr lang="en-US" b="1" dirty="0">
+                <a:solidFill>
+                  <a:schemeClr val="bg1"/>
+                </a:solidFill>
+              </a:rPr>
+              <a:t>	</a:t>
+            </a:r>
+            <a:r>
+              <a:rPr lang="en-US" b="1" dirty="0" smtClean="0">
+                <a:solidFill>
+                  <a:schemeClr val="bg1"/>
+                </a:solidFill>
+              </a:rPr>
+              <a:t>“Would you like to know about another?”</a:t>
+            </a:r>
+          </a:p>
+          <a:p>
+            <a:r>
+              <a:rPr lang="en-US" b="1" dirty="0" smtClean="0">
+                <a:solidFill>
+                  <a:schemeClr val="bg1"/>
+                </a:solidFill>
+              </a:rPr>
+              <a:t>U-	“No.”</a:t>
+            </a:r>
+          </a:p>
+          <a:p>
+            <a:r>
+              <a:rPr lang="en-US" b="1" dirty="0" smtClean="0">
+                <a:solidFill>
+                  <a:schemeClr val="bg1"/>
+                </a:solidFill>
+              </a:rPr>
+              <a:t>E-	“Thanks for using </a:t>
             </a:r>
             <a:r>
               <a:rPr lang="en-US" b="1" dirty="0" err="1" smtClean="0">
@@ -4515,7 +5281,7 @@
                   <a:schemeClr val="bg1"/>
                 </a:solidFill>
               </a:rPr>
-              <a:t>api</a:t>
+              <a:t>NuAudio</a:t>
             </a:r>
             <a:r>
               <a:rPr lang="en-US" b="1" dirty="0" smtClean="0">
@@ -4523,86 +5289,15 @@
                   <a:schemeClr val="bg1"/>
                 </a:solidFill>
               </a:rPr>
-              <a:t>.</a:t>
-            </a:r>
-          </a:p>
-          <a:p>
-            <a:r>
-              <a:rPr lang="en-US" b="1" dirty="0" smtClean="0">
-                <a:solidFill>
-                  <a:schemeClr val="bg1"/>
-                </a:solidFill>
-              </a:rPr>
-              <a:t>Able to get a response from </a:t>
-            </a:r>
-            <a:r>
-              <a:rPr lang="en-US" b="1" dirty="0" err="1" smtClean="0">
-                <a:solidFill>
-                  <a:schemeClr val="bg1"/>
-                </a:solidFill>
-              </a:rPr>
-              <a:t>api</a:t>
-            </a:r>
-            <a:r>
-              <a:rPr lang="en-US" b="1" dirty="0" smtClean="0">
-                <a:solidFill>
-                  <a:schemeClr val="bg1"/>
-                </a:solidFill>
-              </a:rPr>
-              <a:t> in the form of a </a:t>
-            </a:r>
-            <a:r>
-              <a:rPr lang="en-US" b="1" dirty="0" err="1" smtClean="0">
-                <a:solidFill>
-                  <a:schemeClr val="bg1"/>
-                </a:solidFill>
-              </a:rPr>
-              <a:t>Json</a:t>
-            </a:r>
-            <a:r>
-              <a:rPr lang="en-US" b="1" dirty="0" smtClean="0">
-                <a:solidFill>
-                  <a:schemeClr val="bg1"/>
-                </a:solidFill>
-              </a:rPr>
-              <a:t> object.</a:t>
-            </a:r>
-          </a:p>
-          <a:p>
-            <a:r>
-              <a:rPr lang="en-US" b="1" dirty="0" smtClean="0">
-                <a:solidFill>
-                  <a:schemeClr val="bg1"/>
-                </a:solidFill>
-              </a:rPr>
-              <a:t>Able to parse </a:t>
-            </a:r>
-            <a:r>
-              <a:rPr lang="en-US" b="1" dirty="0" err="1" smtClean="0">
-                <a:solidFill>
-                  <a:schemeClr val="bg1"/>
-                </a:solidFill>
-              </a:rPr>
-              <a:t>Json</a:t>
-            </a:r>
-            <a:r>
-              <a:rPr lang="en-US" b="1" dirty="0" smtClean="0">
-                <a:solidFill>
-                  <a:schemeClr val="bg1"/>
-                </a:solidFill>
-              </a:rPr>
-              <a:t> object for an artists 5 most recent songs and latest album</a:t>
-            </a:r>
-          </a:p>
-          <a:p>
-            <a:endParaRPr lang="en-US" b="1" dirty="0" smtClean="0"/>
+              <a:t>. Goodbye!”</a:t>
+            </a:r>
           </a:p>
         </p:txBody>
       </p:sp>
     </p:spTree>
     <p:extLst>
       <p:ext uri="{BB962C8B-B14F-4D97-AF65-F5344CB8AC3E}">
-        <p14:creationId xmlns:p14="http://schemas.microsoft.com/office/powerpoint/2010/main" val="326495939"/>
+        <p14:creationId xmlns:p14="http://schemas.microsoft.com/office/powerpoint/2010/main" val="576809588"/>
       </p:ext>
     </p:extLst>
   </p:cSld>
@@ -4648,8 +5343,8 @@
         </p:nvSpPr>
         <p:spPr>
           <a:xfrm>
-            <a:off x="0" y="0"/>
-            <a:ext cx="12192000" cy="1219200"/>
+            <a:off x="0" y="1"/>
+            <a:ext cx="12192000" cy="1825624"/>
           </a:xfrm>
           <a:solidFill>
             <a:schemeClr val="tx1"/>
@@ -4661,14 +5356,14 @@
           <a:p>
             <a:pPr algn="ctr"/>
             <a:r>
-              <a:rPr lang="en-US" b="1" i="1" u="sng" dirty="0" smtClean="0">
-                <a:solidFill>
-                  <a:schemeClr val="bg1"/>
-                </a:solidFill>
-              </a:rPr>
-              <a:t>Product budget</a:t>
-            </a:r>
-            <a:endParaRPr lang="en-US" b="1" i="1" u="sng" dirty="0">
+              <a:rPr lang="en-US" b="1" dirty="0" smtClean="0">
+                <a:solidFill>
+                  <a:schemeClr val="bg1"/>
+                </a:solidFill>
+              </a:rPr>
+              <a:t>Backlog</a:t>
+            </a:r>
+            <a:endParaRPr lang="en-US" b="1" dirty="0">
               <a:solidFill>
                 <a:schemeClr val="bg1"/>
               </a:solidFill>
@@ -4688,869 +5383,205 @@
         </p:nvSpPr>
         <p:spPr>
           <a:xfrm>
-            <a:off x="0" y="1219200"/>
-            <a:ext cx="12192000" cy="5638800"/>
+            <a:off x="0" y="1825624"/>
+            <a:ext cx="12192000" cy="5032375"/>
           </a:xfrm>
           <a:solidFill>
             <a:schemeClr val="tx1"/>
           </a:solidFill>
         </p:spPr>
         <p:txBody>
-          <a:bodyPr numCol="4">
-            <a:normAutofit/>
-          </a:bodyPr>
-          <a:lstStyle/>
-          <a:p>
-            <a:pPr>
-              <a:buFont typeface="Arial" charset="0"/>
-              <a:buChar char="•"/>
-            </a:pPr>
-            <a:r>
-              <a:rPr lang="en-US" sz="2000" b="1" i="1" u="sng" dirty="0" smtClean="0">
-                <a:solidFill>
-                  <a:schemeClr val="bg1"/>
-                </a:solidFill>
-              </a:rPr>
-              <a:t>Week 1: Sept. 3-9</a:t>
-            </a:r>
-          </a:p>
-          <a:p>
-            <a:pPr marL="0" indent="0">
-              <a:buNone/>
-            </a:pPr>
-            <a:r>
-              <a:rPr lang="en-US" sz="2000" dirty="0" smtClean="0">
-                <a:solidFill>
-                  <a:schemeClr val="bg1"/>
-                </a:solidFill>
-              </a:rPr>
-              <a:t>Sept.3</a:t>
-            </a:r>
-            <a:r>
-              <a:rPr lang="en-US" sz="2000" baseline="30000" dirty="0" smtClean="0">
-                <a:solidFill>
-                  <a:schemeClr val="bg1"/>
-                </a:solidFill>
-              </a:rPr>
-              <a:t>rd</a:t>
-            </a:r>
-            <a:r>
-              <a:rPr lang="en-US" sz="2000" dirty="0" smtClean="0">
-                <a:solidFill>
-                  <a:schemeClr val="bg1"/>
-                </a:solidFill>
-              </a:rPr>
-              <a:t> (Sun.) for an hour. </a:t>
-            </a:r>
-          </a:p>
-          <a:p>
-            <a:pPr marL="0" indent="0">
-              <a:buNone/>
-            </a:pPr>
-            <a:r>
-              <a:rPr lang="en-US" sz="2000" dirty="0" smtClean="0">
-                <a:solidFill>
-                  <a:schemeClr val="bg1"/>
-                </a:solidFill>
-              </a:rPr>
-              <a:t>Sept. 6</a:t>
-            </a:r>
-            <a:r>
-              <a:rPr lang="en-US" sz="2000" baseline="30000" dirty="0" smtClean="0">
-                <a:solidFill>
-                  <a:schemeClr val="bg1"/>
-                </a:solidFill>
-              </a:rPr>
-              <a:t>th</a:t>
-            </a:r>
-            <a:r>
-              <a:rPr lang="en-US" sz="2000" dirty="0" smtClean="0">
-                <a:solidFill>
-                  <a:schemeClr val="bg1"/>
-                </a:solidFill>
-              </a:rPr>
-              <a:t>(Wed.) for an hour.</a:t>
-            </a:r>
-          </a:p>
-          <a:p>
-            <a:r>
-              <a:rPr lang="en-US" sz="2000" b="1" i="1" u="sng" dirty="0" smtClean="0">
-                <a:solidFill>
-                  <a:schemeClr val="bg1"/>
-                </a:solidFill>
-              </a:rPr>
-              <a:t>Week 2: Sept. 10-16</a:t>
-            </a:r>
-          </a:p>
-          <a:p>
-            <a:pPr marL="0" indent="0">
-              <a:buNone/>
-            </a:pPr>
-            <a:r>
-              <a:rPr lang="en-US" sz="2000" dirty="0" smtClean="0">
-                <a:solidFill>
-                  <a:schemeClr val="bg1"/>
-                </a:solidFill>
-              </a:rPr>
-              <a:t>Sept.10th (Sun.) for an hour.</a:t>
-            </a:r>
-          </a:p>
-          <a:p>
-            <a:pPr marL="0" indent="0">
-              <a:buNone/>
-            </a:pPr>
-            <a:r>
-              <a:rPr lang="en-US" sz="2000" dirty="0" smtClean="0">
-                <a:solidFill>
-                  <a:schemeClr val="bg1"/>
-                </a:solidFill>
-              </a:rPr>
-              <a:t>Sept. 13</a:t>
-            </a:r>
-            <a:r>
-              <a:rPr lang="en-US" sz="2000" baseline="30000" dirty="0" smtClean="0">
-                <a:solidFill>
-                  <a:schemeClr val="bg1"/>
-                </a:solidFill>
-              </a:rPr>
-              <a:t>th</a:t>
-            </a:r>
-            <a:r>
-              <a:rPr lang="en-US" sz="2000" dirty="0" smtClean="0">
-                <a:solidFill>
-                  <a:schemeClr val="bg1"/>
-                </a:solidFill>
-              </a:rPr>
-              <a:t>(Wed.) for two hours.		</a:t>
-            </a:r>
-          </a:p>
-          <a:p>
-            <a:r>
-              <a:rPr lang="en-US" sz="2000" b="1" i="1" u="sng" dirty="0" smtClean="0">
-                <a:solidFill>
-                  <a:schemeClr val="bg1"/>
-                </a:solidFill>
-              </a:rPr>
-              <a:t>Week 3: Sept. 17-23</a:t>
-            </a:r>
-          </a:p>
-          <a:p>
-            <a:pPr marL="0" indent="0">
-              <a:buNone/>
-            </a:pPr>
-            <a:r>
-              <a:rPr lang="en-US" sz="2000" dirty="0" smtClean="0">
-                <a:solidFill>
-                  <a:schemeClr val="bg1"/>
-                </a:solidFill>
-              </a:rPr>
-              <a:t>Sept.17</a:t>
-            </a:r>
-            <a:r>
-              <a:rPr lang="en-US" sz="2000" baseline="30000" dirty="0" smtClean="0">
-                <a:solidFill>
-                  <a:schemeClr val="bg1"/>
-                </a:solidFill>
-              </a:rPr>
-              <a:t>th</a:t>
-            </a:r>
-            <a:r>
-              <a:rPr lang="en-US" sz="2000" dirty="0" smtClean="0">
-                <a:solidFill>
-                  <a:schemeClr val="bg1"/>
-                </a:solidFill>
-              </a:rPr>
-              <a:t>(Sun.) for two hours.</a:t>
-            </a:r>
-          </a:p>
-          <a:p>
-            <a:pPr marL="0" indent="0">
-              <a:buNone/>
-            </a:pPr>
-            <a:r>
-              <a:rPr lang="en-US" sz="2000" dirty="0" smtClean="0">
-                <a:solidFill>
-                  <a:schemeClr val="bg1"/>
-                </a:solidFill>
-              </a:rPr>
-              <a:t>Sept. 20</a:t>
-            </a:r>
-            <a:r>
-              <a:rPr lang="en-US" sz="2000" baseline="30000" dirty="0" smtClean="0">
-                <a:solidFill>
-                  <a:schemeClr val="bg1"/>
-                </a:solidFill>
-              </a:rPr>
-              <a:t>th</a:t>
-            </a:r>
-            <a:r>
-              <a:rPr lang="en-US" sz="2000" dirty="0" smtClean="0">
-                <a:solidFill>
-                  <a:schemeClr val="bg1"/>
-                </a:solidFill>
-              </a:rPr>
-              <a:t>(Wed.) for two hours.</a:t>
-            </a:r>
-          </a:p>
-          <a:p>
-            <a:r>
-              <a:rPr lang="en-US" sz="2000" b="1" i="1" u="sng" dirty="0" smtClean="0">
-                <a:solidFill>
-                  <a:schemeClr val="bg1"/>
-                </a:solidFill>
-              </a:rPr>
-              <a:t>Week 4: Sept. 24-30</a:t>
-            </a:r>
-          </a:p>
-          <a:p>
-            <a:pPr marL="0" indent="0">
-              <a:buNone/>
-            </a:pPr>
-            <a:r>
-              <a:rPr lang="en-US" sz="2000" dirty="0" smtClean="0">
-                <a:solidFill>
-                  <a:schemeClr val="bg1"/>
-                </a:solidFill>
-              </a:rPr>
-              <a:t>Sept.24</a:t>
-            </a:r>
-            <a:r>
-              <a:rPr lang="en-US" sz="2000" baseline="30000" dirty="0" smtClean="0">
-                <a:solidFill>
-                  <a:schemeClr val="bg1"/>
-                </a:solidFill>
-              </a:rPr>
-              <a:t>th</a:t>
-            </a:r>
-            <a:r>
-              <a:rPr lang="en-US" sz="2000" dirty="0" smtClean="0">
-                <a:solidFill>
-                  <a:schemeClr val="bg1"/>
-                </a:solidFill>
-              </a:rPr>
-              <a:t>(Sun.) for an hour. </a:t>
-            </a:r>
-          </a:p>
-          <a:p>
-            <a:pPr marL="0" indent="0">
-              <a:buNone/>
-            </a:pPr>
-            <a:r>
-              <a:rPr lang="en-US" sz="2000" dirty="0" smtClean="0">
-                <a:solidFill>
-                  <a:schemeClr val="bg1"/>
-                </a:solidFill>
-              </a:rPr>
-              <a:t>Sept 27</a:t>
-            </a:r>
-            <a:r>
-              <a:rPr lang="en-US" sz="2000" baseline="30000" dirty="0" smtClean="0">
-                <a:solidFill>
-                  <a:schemeClr val="bg1"/>
-                </a:solidFill>
-              </a:rPr>
-              <a:t>th</a:t>
-            </a:r>
-            <a:r>
-              <a:rPr lang="en-US" sz="2000" dirty="0" smtClean="0">
-                <a:solidFill>
-                  <a:schemeClr val="bg1"/>
-                </a:solidFill>
-              </a:rPr>
-              <a:t>(Wed.) for two hours.		</a:t>
-            </a:r>
-          </a:p>
-          <a:p>
-            <a:r>
-              <a:rPr lang="en-US" sz="2000" b="1" i="1" u="sng" dirty="0" smtClean="0">
-                <a:solidFill>
-                  <a:schemeClr val="bg1"/>
-                </a:solidFill>
-              </a:rPr>
-              <a:t>Week 5: Oct. 1-7</a:t>
-            </a:r>
-          </a:p>
-          <a:p>
-            <a:pPr marL="0" indent="0">
-              <a:buNone/>
-            </a:pPr>
-            <a:r>
-              <a:rPr lang="en-US" sz="2000" dirty="0" smtClean="0">
-                <a:solidFill>
-                  <a:schemeClr val="bg1"/>
-                </a:solidFill>
-              </a:rPr>
-              <a:t>Oct.1st(Sun.) for two hours.</a:t>
-            </a:r>
-          </a:p>
-          <a:p>
-            <a:pPr marL="0" indent="0">
-              <a:buNone/>
-            </a:pPr>
-            <a:r>
-              <a:rPr lang="en-US" sz="2000" dirty="0" smtClean="0">
-                <a:solidFill>
-                  <a:schemeClr val="bg1"/>
-                </a:solidFill>
-              </a:rPr>
-              <a:t>Oct.4</a:t>
-            </a:r>
-            <a:r>
-              <a:rPr lang="en-US" sz="2000" baseline="30000" dirty="0" smtClean="0">
-                <a:solidFill>
-                  <a:schemeClr val="bg1"/>
-                </a:solidFill>
-              </a:rPr>
-              <a:t>th</a:t>
-            </a:r>
-            <a:r>
-              <a:rPr lang="en-US" sz="2000" dirty="0" smtClean="0">
-                <a:solidFill>
-                  <a:schemeClr val="bg1"/>
-                </a:solidFill>
-              </a:rPr>
-              <a:t>(Wed.) for two hours.</a:t>
-            </a:r>
-          </a:p>
-          <a:p>
-            <a:r>
-              <a:rPr lang="en-US" sz="2000" b="1" i="1" u="sng" dirty="0" smtClean="0">
-                <a:solidFill>
-                  <a:schemeClr val="bg1"/>
-                </a:solidFill>
-              </a:rPr>
-              <a:t>Week 6: Oct. 8-14</a:t>
-            </a:r>
-          </a:p>
-          <a:p>
-            <a:pPr marL="0" indent="0">
-              <a:buNone/>
-            </a:pPr>
-            <a:r>
-              <a:rPr lang="en-US" sz="2000" dirty="0" smtClean="0">
-                <a:solidFill>
-                  <a:schemeClr val="bg1"/>
-                </a:solidFill>
-              </a:rPr>
-              <a:t>No meetings due to fires</a:t>
-            </a:r>
-          </a:p>
-          <a:p>
-            <a:r>
-              <a:rPr lang="en-US" sz="2000" b="1" i="1" u="sng" dirty="0" smtClean="0">
-                <a:solidFill>
-                  <a:schemeClr val="bg1"/>
-                </a:solidFill>
-              </a:rPr>
-              <a:t>Week 7: Oct. 15-21</a:t>
-            </a:r>
-          </a:p>
-          <a:p>
-            <a:pPr marL="0" indent="0">
-              <a:buNone/>
-            </a:pPr>
-            <a:r>
-              <a:rPr lang="en-US" sz="2000" dirty="0" smtClean="0">
-                <a:solidFill>
-                  <a:schemeClr val="bg1"/>
-                </a:solidFill>
-              </a:rPr>
-              <a:t>Oct.18</a:t>
-            </a:r>
-            <a:r>
-              <a:rPr lang="en-US" sz="2000" baseline="30000" dirty="0" smtClean="0">
-                <a:solidFill>
-                  <a:schemeClr val="bg1"/>
-                </a:solidFill>
-              </a:rPr>
-              <a:t>th</a:t>
-            </a:r>
-            <a:r>
-              <a:rPr lang="en-US" sz="2000" dirty="0" smtClean="0">
-                <a:solidFill>
-                  <a:schemeClr val="bg1"/>
-                </a:solidFill>
-              </a:rPr>
-              <a:t>(Wed.) for two hours</a:t>
-            </a:r>
-          </a:p>
-          <a:p>
-            <a:r>
-              <a:rPr lang="en-US" sz="2000" b="1" i="1" u="sng" dirty="0" smtClean="0">
-                <a:solidFill>
-                  <a:schemeClr val="bg1"/>
-                </a:solidFill>
-              </a:rPr>
-              <a:t>Week 8: Oct. 22-28</a:t>
-            </a:r>
-          </a:p>
-          <a:p>
-            <a:pPr marL="0" indent="0">
-              <a:buNone/>
-            </a:pPr>
-            <a:r>
-              <a:rPr lang="en-US" sz="2000" dirty="0" smtClean="0">
-                <a:solidFill>
-                  <a:schemeClr val="bg1"/>
-                </a:solidFill>
-              </a:rPr>
-              <a:t>Oct.22</a:t>
-            </a:r>
-            <a:r>
-              <a:rPr lang="en-US" sz="2000" baseline="30000" dirty="0" smtClean="0">
-                <a:solidFill>
-                  <a:schemeClr val="bg1"/>
-                </a:solidFill>
-              </a:rPr>
-              <a:t>nd</a:t>
-            </a:r>
-            <a:r>
-              <a:rPr lang="en-US" sz="2000" dirty="0" smtClean="0">
-                <a:solidFill>
-                  <a:schemeClr val="bg1"/>
-                </a:solidFill>
-              </a:rPr>
-              <a:t>(Sun.) for an hour</a:t>
-            </a:r>
-          </a:p>
-          <a:p>
-            <a:pPr marL="0" indent="0">
-              <a:buNone/>
-            </a:pPr>
-            <a:r>
-              <a:rPr lang="en-US" sz="2000" dirty="0" smtClean="0">
-                <a:solidFill>
-                  <a:schemeClr val="bg1"/>
-                </a:solidFill>
-              </a:rPr>
-              <a:t>Oct.25</a:t>
-            </a:r>
-            <a:r>
-              <a:rPr lang="en-US" sz="2000" baseline="30000" dirty="0" smtClean="0">
-                <a:solidFill>
-                  <a:schemeClr val="bg1"/>
-                </a:solidFill>
-              </a:rPr>
-              <a:t>th</a:t>
-            </a:r>
-            <a:r>
-              <a:rPr lang="en-US" sz="2000" dirty="0" smtClean="0">
-                <a:solidFill>
-                  <a:schemeClr val="bg1"/>
-                </a:solidFill>
-              </a:rPr>
-              <a:t>(Wed.) for an hour</a:t>
-            </a:r>
-          </a:p>
-          <a:p>
-            <a:r>
-              <a:rPr lang="en-US" sz="2000" b="1" i="1" u="sng" dirty="0" smtClean="0">
-                <a:solidFill>
-                  <a:schemeClr val="bg1"/>
-                </a:solidFill>
-              </a:rPr>
-              <a:t>Week 9: Oct. 29- Nov. 4</a:t>
-            </a:r>
-          </a:p>
-          <a:p>
-            <a:pPr marL="0" indent="0">
-              <a:buNone/>
-            </a:pPr>
-            <a:r>
-              <a:rPr lang="en-US" sz="2000" dirty="0" smtClean="0">
-                <a:solidFill>
-                  <a:schemeClr val="bg1"/>
-                </a:solidFill>
-              </a:rPr>
-              <a:t>Oct.29</a:t>
-            </a:r>
-            <a:r>
-              <a:rPr lang="en-US" sz="2000" baseline="30000" dirty="0" smtClean="0">
-                <a:solidFill>
-                  <a:schemeClr val="bg1"/>
-                </a:solidFill>
-              </a:rPr>
-              <a:t>th</a:t>
-            </a:r>
-            <a:r>
-              <a:rPr lang="en-US" sz="2000" dirty="0" smtClean="0">
-                <a:solidFill>
-                  <a:schemeClr val="bg1"/>
-                </a:solidFill>
-              </a:rPr>
-              <a:t>(Sun.) for two hours.</a:t>
-            </a:r>
-          </a:p>
-          <a:p>
-            <a:pPr marL="0" indent="0">
-              <a:buNone/>
-            </a:pPr>
-            <a:r>
-              <a:rPr lang="en-US" sz="2000" dirty="0" smtClean="0">
-                <a:solidFill>
-                  <a:schemeClr val="bg1"/>
-                </a:solidFill>
-              </a:rPr>
-              <a:t>Nov.1</a:t>
-            </a:r>
-            <a:r>
-              <a:rPr lang="en-US" sz="2000" baseline="30000" dirty="0" smtClean="0">
-                <a:solidFill>
-                  <a:schemeClr val="bg1"/>
-                </a:solidFill>
-              </a:rPr>
-              <a:t>st</a:t>
-            </a:r>
-            <a:r>
-              <a:rPr lang="en-US" sz="2000" dirty="0" smtClean="0">
-                <a:solidFill>
-                  <a:schemeClr val="bg1"/>
-                </a:solidFill>
-              </a:rPr>
-              <a:t>(Wed.) for two hours.</a:t>
-            </a:r>
-          </a:p>
-          <a:p>
-            <a:r>
-              <a:rPr lang="en-US" sz="2000" b="1" i="1" u="sng" dirty="0" smtClean="0">
-                <a:solidFill>
-                  <a:schemeClr val="bg1"/>
-                </a:solidFill>
-              </a:rPr>
-              <a:t>Week 10: Nov.5-11</a:t>
-            </a:r>
-          </a:p>
-          <a:p>
-            <a:pPr marL="0" indent="0">
-              <a:buNone/>
-            </a:pPr>
-            <a:r>
-              <a:rPr lang="en-US" sz="2000" dirty="0" smtClean="0">
-                <a:solidFill>
-                  <a:schemeClr val="bg1"/>
-                </a:solidFill>
-              </a:rPr>
-              <a:t>Nov.5</a:t>
-            </a:r>
-            <a:r>
-              <a:rPr lang="en-US" sz="2000" baseline="30000" dirty="0" smtClean="0">
-                <a:solidFill>
-                  <a:schemeClr val="bg1"/>
-                </a:solidFill>
-              </a:rPr>
-              <a:t>th</a:t>
-            </a:r>
-            <a:r>
-              <a:rPr lang="en-US" sz="2000" dirty="0" smtClean="0">
-                <a:solidFill>
-                  <a:schemeClr val="bg1"/>
-                </a:solidFill>
-              </a:rPr>
-              <a:t> for an hour</a:t>
-            </a:r>
-          </a:p>
-          <a:p>
-            <a:pPr marL="0" indent="0">
-              <a:buNone/>
-            </a:pPr>
-            <a:r>
-              <a:rPr lang="en-US" sz="2000" dirty="0" smtClean="0">
-                <a:solidFill>
-                  <a:schemeClr val="bg1"/>
-                </a:solidFill>
-              </a:rPr>
-              <a:t>Nov.8</a:t>
-            </a:r>
-            <a:r>
-              <a:rPr lang="en-US" sz="2000" baseline="30000" dirty="0" smtClean="0">
-                <a:solidFill>
-                  <a:schemeClr val="bg1"/>
-                </a:solidFill>
-              </a:rPr>
-              <a:t>th</a:t>
-            </a:r>
-            <a:r>
-              <a:rPr lang="en-US" sz="2000" dirty="0" smtClean="0">
-                <a:solidFill>
-                  <a:schemeClr val="bg1"/>
-                </a:solidFill>
-              </a:rPr>
-              <a:t> for an hour</a:t>
-            </a:r>
-          </a:p>
-          <a:p>
-            <a:r>
-              <a:rPr lang="en-US" sz="2000" b="1" i="1" u="sng" dirty="0" smtClean="0">
-                <a:solidFill>
-                  <a:schemeClr val="bg1"/>
-                </a:solidFill>
-              </a:rPr>
-              <a:t>Week 11: Nov.12-18</a:t>
-            </a:r>
-          </a:p>
-          <a:p>
-            <a:pPr marL="0" indent="0">
-              <a:buNone/>
-            </a:pPr>
-            <a:r>
-              <a:rPr lang="en-US" sz="2000" dirty="0" smtClean="0">
-                <a:solidFill>
-                  <a:schemeClr val="bg1"/>
-                </a:solidFill>
-              </a:rPr>
-              <a:t>Nov.12</a:t>
-            </a:r>
-            <a:r>
-              <a:rPr lang="en-US" sz="2000" baseline="30000" dirty="0" smtClean="0">
-                <a:solidFill>
-                  <a:schemeClr val="bg1"/>
-                </a:solidFill>
-              </a:rPr>
-              <a:t>th</a:t>
-            </a:r>
-            <a:r>
-              <a:rPr lang="en-US" sz="2000" dirty="0" smtClean="0">
-                <a:solidFill>
-                  <a:schemeClr val="bg1"/>
-                </a:solidFill>
-              </a:rPr>
-              <a:t>(Sun) for two hours</a:t>
-            </a:r>
-          </a:p>
-          <a:p>
-            <a:pPr marL="0" indent="0">
-              <a:buNone/>
-            </a:pPr>
-            <a:r>
-              <a:rPr lang="en-US" sz="2000" dirty="0" smtClean="0">
-                <a:solidFill>
-                  <a:schemeClr val="bg1"/>
-                </a:solidFill>
-              </a:rPr>
-              <a:t>Nov.15</a:t>
-            </a:r>
-            <a:r>
-              <a:rPr lang="en-US" sz="2000" baseline="30000" dirty="0" smtClean="0">
-                <a:solidFill>
-                  <a:schemeClr val="bg1"/>
-                </a:solidFill>
-              </a:rPr>
-              <a:t>th</a:t>
-            </a:r>
-            <a:r>
-              <a:rPr lang="en-US" sz="2000" dirty="0" smtClean="0">
-                <a:solidFill>
-                  <a:schemeClr val="bg1"/>
-                </a:solidFill>
-              </a:rPr>
-              <a:t>(Wed.) for 5 hours</a:t>
-            </a:r>
-          </a:p>
-          <a:p>
-            <a:pPr marL="0" indent="0">
-              <a:buNone/>
-            </a:pPr>
-            <a:endParaRPr lang="en-US" sz="2000" dirty="0">
+          <a:bodyPr/>
+          <a:lstStyle/>
+          <a:p>
+            <a:r>
+              <a:rPr lang="en-US" b="1" dirty="0" smtClean="0">
+                <a:solidFill>
+                  <a:schemeClr val="bg1"/>
+                </a:solidFill>
+              </a:rPr>
+              <a:t>Connecting </a:t>
+            </a:r>
+            <a:r>
+              <a:rPr lang="en-US" b="1" dirty="0" err="1" smtClean="0">
+                <a:solidFill>
+                  <a:schemeClr val="bg1"/>
+                </a:solidFill>
+              </a:rPr>
+              <a:t>Last.FM</a:t>
+            </a:r>
+            <a:r>
+              <a:rPr lang="en-US" b="1" dirty="0" smtClean="0">
+                <a:solidFill>
+                  <a:schemeClr val="bg1"/>
+                </a:solidFill>
+              </a:rPr>
+              <a:t> </a:t>
+            </a:r>
+            <a:r>
+              <a:rPr lang="en-US" b="1" dirty="0" smtClean="0">
+                <a:solidFill>
+                  <a:schemeClr val="bg1"/>
+                </a:solidFill>
+              </a:rPr>
+              <a:t>database to </a:t>
+            </a:r>
+            <a:r>
+              <a:rPr lang="en-US" b="1" dirty="0" err="1" smtClean="0">
+                <a:solidFill>
+                  <a:schemeClr val="bg1"/>
+                </a:solidFill>
+              </a:rPr>
+              <a:t>alexa</a:t>
+            </a:r>
+            <a:r>
+              <a:rPr lang="en-US" b="1" dirty="0" smtClean="0">
+                <a:solidFill>
+                  <a:schemeClr val="bg1"/>
+                </a:solidFill>
+              </a:rPr>
+              <a:t> responses</a:t>
+            </a:r>
+          </a:p>
+          <a:p>
+            <a:r>
+              <a:rPr lang="en-US" b="1" dirty="0" smtClean="0">
+                <a:solidFill>
+                  <a:schemeClr val="bg1"/>
+                </a:solidFill>
+              </a:rPr>
+              <a:t>Working on making </a:t>
+            </a:r>
+            <a:r>
+              <a:rPr lang="en-US" b="1" dirty="0" err="1" smtClean="0">
+                <a:solidFill>
+                  <a:schemeClr val="bg1"/>
+                </a:solidFill>
+              </a:rPr>
+              <a:t>alexa</a:t>
+            </a:r>
+            <a:r>
+              <a:rPr lang="en-US" b="1" dirty="0" smtClean="0">
+                <a:solidFill>
+                  <a:schemeClr val="bg1"/>
+                </a:solidFill>
+              </a:rPr>
+              <a:t> have more fluid speech (more human like)</a:t>
+            </a:r>
+          </a:p>
+          <a:p>
+            <a:r>
+              <a:rPr lang="en-US" b="1" dirty="0" smtClean="0">
+                <a:solidFill>
+                  <a:schemeClr val="bg1"/>
+                </a:solidFill>
+              </a:rPr>
+              <a:t>Being able to iterate over more than just one response from </a:t>
+            </a:r>
+            <a:r>
+              <a:rPr lang="en-US" b="1" dirty="0" err="1" smtClean="0">
+                <a:solidFill>
+                  <a:schemeClr val="bg1"/>
+                </a:solidFill>
+              </a:rPr>
+              <a:t>alexa</a:t>
+            </a:r>
+            <a:r>
+              <a:rPr lang="en-US" b="1" dirty="0" smtClean="0">
+                <a:solidFill>
+                  <a:schemeClr val="bg1"/>
+                </a:solidFill>
+              </a:rPr>
+              <a:t> (</a:t>
+            </a:r>
+            <a:r>
+              <a:rPr lang="en-US" b="1" dirty="0" err="1" smtClean="0">
+                <a:solidFill>
+                  <a:schemeClr val="bg1"/>
+                </a:solidFill>
+              </a:rPr>
+              <a:t>MoreIntent</a:t>
+            </a:r>
+            <a:r>
+              <a:rPr lang="en-US" b="1" dirty="0" smtClean="0">
+                <a:solidFill>
+                  <a:schemeClr val="bg1"/>
+                </a:solidFill>
+              </a:rPr>
+              <a:t>)</a:t>
+            </a:r>
+          </a:p>
+          <a:p>
+            <a:r>
+              <a:rPr lang="en-US" b="1" dirty="0" smtClean="0">
+                <a:solidFill>
+                  <a:schemeClr val="bg1"/>
+                </a:solidFill>
+              </a:rPr>
+              <a:t>Add a user library, or repeated user request list, that allows </a:t>
+            </a:r>
+            <a:r>
+              <a:rPr lang="en-US" b="1" dirty="0" err="1" smtClean="0">
+                <a:solidFill>
+                  <a:schemeClr val="bg1"/>
+                </a:solidFill>
+              </a:rPr>
+              <a:t>alexa</a:t>
+            </a:r>
+            <a:r>
+              <a:rPr lang="en-US" b="1" dirty="0" smtClean="0">
+                <a:solidFill>
+                  <a:schemeClr val="bg1"/>
+                </a:solidFill>
+              </a:rPr>
+              <a:t> to search for song releases that the user might be interested in hearing (</a:t>
+            </a:r>
+            <a:r>
+              <a:rPr lang="en-US" b="1" dirty="0" err="1" smtClean="0">
+                <a:solidFill>
+                  <a:schemeClr val="bg1"/>
+                </a:solidFill>
+              </a:rPr>
+              <a:t>SuggestedIntent</a:t>
+            </a:r>
+            <a:r>
+              <a:rPr lang="en-US" b="1" dirty="0" smtClean="0">
+                <a:solidFill>
+                  <a:schemeClr val="bg1"/>
+                </a:solidFill>
+              </a:rPr>
+              <a:t>)</a:t>
+            </a:r>
+          </a:p>
+          <a:p>
+            <a:endParaRPr lang="en-US" b="1" dirty="0" smtClean="0">
               <a:solidFill>
                 <a:schemeClr val="bg1"/>
               </a:solidFill>
             </a:endParaRPr>
           </a:p>
           <a:p>
-            <a:pPr marL="0" indent="0">
-              <a:buNone/>
-            </a:pPr>
-            <a:endParaRPr lang="en-US" sz="2000" dirty="0" smtClean="0">
+            <a:endParaRPr lang="en-US" b="1" dirty="0" smtClean="0">
               <a:solidFill>
                 <a:schemeClr val="bg1"/>
               </a:solidFill>
             </a:endParaRPr>
           </a:p>
           <a:p>
-            <a:pPr marL="0" indent="0">
-              <a:buNone/>
-            </a:pPr>
-            <a:endParaRPr lang="en-US" sz="2000" dirty="0">
-              <a:solidFill>
-                <a:schemeClr val="bg1"/>
-              </a:solidFill>
-            </a:endParaRPr>
-          </a:p>
-          <a:p>
-            <a:pPr marL="0" indent="0">
-              <a:buNone/>
-            </a:pPr>
-            <a:endParaRPr lang="en-US" sz="2000" dirty="0" smtClean="0">
-              <a:solidFill>
-                <a:schemeClr val="bg1"/>
-              </a:solidFill>
-            </a:endParaRPr>
-          </a:p>
-          <a:p>
-            <a:pPr marL="0" indent="0">
-              <a:buNone/>
-            </a:pPr>
-            <a:endParaRPr lang="en-US" sz="2000" dirty="0">
-              <a:solidFill>
-                <a:schemeClr val="bg1"/>
-              </a:solidFill>
-            </a:endParaRPr>
-          </a:p>
-          <a:p>
-            <a:pPr marL="0" indent="0">
-              <a:buNone/>
-            </a:pPr>
-            <a:endParaRPr lang="en-US" sz="2000" dirty="0" smtClean="0">
-              <a:solidFill>
-                <a:schemeClr val="bg1"/>
-              </a:solidFill>
-            </a:endParaRPr>
-          </a:p>
-          <a:p>
-            <a:pPr marL="0" indent="0">
-              <a:buNone/>
-            </a:pPr>
-            <a:endParaRPr lang="en-US" sz="2000" dirty="0">
-              <a:solidFill>
-                <a:schemeClr val="bg1"/>
-              </a:solidFill>
-            </a:endParaRPr>
-          </a:p>
-          <a:p>
-            <a:pPr marL="0" indent="0">
-              <a:buNone/>
-            </a:pPr>
-            <a:r>
-              <a:rPr lang="en-US" sz="2000" dirty="0" smtClean="0">
-                <a:solidFill>
-                  <a:schemeClr val="bg1"/>
-                </a:solidFill>
-              </a:rPr>
-              <a:t>	</a:t>
-            </a:r>
-          </a:p>
-          <a:p>
-            <a:pPr marL="0" indent="0">
-              <a:buNone/>
-            </a:pPr>
-            <a:endParaRPr lang="en-US" sz="2000" dirty="0">
-              <a:solidFill>
-                <a:schemeClr val="bg1"/>
-              </a:solidFill>
-            </a:endParaRPr>
-          </a:p>
-          <a:p>
-            <a:pPr marL="0" indent="0">
-              <a:buNone/>
-            </a:pPr>
-            <a:endParaRPr lang="en-US" sz="2000" dirty="0" smtClean="0">
-              <a:solidFill>
-                <a:schemeClr val="bg1"/>
-              </a:solidFill>
-            </a:endParaRPr>
-          </a:p>
-          <a:p>
-            <a:pPr marL="0" indent="0">
-              <a:buNone/>
-            </a:pPr>
-            <a:endParaRPr lang="en-US" sz="2000" dirty="0">
-              <a:solidFill>
-                <a:schemeClr val="bg1"/>
-              </a:solidFill>
-            </a:endParaRPr>
-          </a:p>
-          <a:p>
-            <a:pPr marL="0" indent="0">
-              <a:buNone/>
-            </a:pPr>
-            <a:endParaRPr lang="en-US" sz="2000" dirty="0" smtClean="0">
-              <a:solidFill>
-                <a:schemeClr val="bg1"/>
-              </a:solidFill>
-            </a:endParaRPr>
-          </a:p>
-          <a:p>
-            <a:pPr marL="0" indent="0">
-              <a:buNone/>
-            </a:pPr>
-            <a:endParaRPr lang="en-US" sz="2000" dirty="0">
-              <a:solidFill>
-                <a:schemeClr val="bg1"/>
-              </a:solidFill>
-            </a:endParaRPr>
-          </a:p>
-          <a:p>
-            <a:pPr marL="0" indent="0">
-              <a:buNone/>
-            </a:pPr>
-            <a:endParaRPr lang="en-US" sz="2000" dirty="0" smtClean="0">
-              <a:solidFill>
-                <a:schemeClr val="bg1"/>
-              </a:solidFill>
-            </a:endParaRPr>
-          </a:p>
-          <a:p>
-            <a:pPr marL="0" indent="0">
-              <a:buNone/>
-            </a:pPr>
-            <a:endParaRPr lang="en-US" sz="2000" dirty="0">
-              <a:solidFill>
-                <a:schemeClr val="bg1"/>
-              </a:solidFill>
-            </a:endParaRPr>
-          </a:p>
-          <a:p>
-            <a:pPr marL="0" indent="0">
-              <a:buNone/>
-            </a:pPr>
-            <a:endParaRPr lang="en-US" sz="2000" dirty="0" smtClean="0">
-              <a:solidFill>
-                <a:schemeClr val="bg1"/>
-              </a:solidFill>
-            </a:endParaRPr>
-          </a:p>
-          <a:p>
-            <a:pPr marL="0" indent="0">
-              <a:buNone/>
-            </a:pPr>
-            <a:r>
-              <a:rPr lang="en-US" sz="2000" dirty="0" smtClean="0">
-                <a:solidFill>
-                  <a:schemeClr val="bg1"/>
-                </a:solidFill>
-              </a:rPr>
-              <a:t>$100 per hour per person</a:t>
-            </a:r>
-          </a:p>
-          <a:p>
-            <a:pPr marL="0" indent="0">
-              <a:buNone/>
-            </a:pPr>
-            <a:endParaRPr lang="en-US" sz="2000" dirty="0">
-              <a:solidFill>
-                <a:schemeClr val="bg1"/>
-              </a:solidFill>
-            </a:endParaRPr>
-          </a:p>
-          <a:p>
-            <a:pPr marL="0" indent="0">
-              <a:buNone/>
-            </a:pPr>
-            <a:r>
-              <a:rPr lang="en-US" sz="2000" dirty="0" smtClean="0">
-                <a:solidFill>
-                  <a:schemeClr val="bg1"/>
-                </a:solidFill>
-              </a:rPr>
-              <a:t>	33 total hours worked for a cost of $3300 * the number of people in the team(5), for a total of $16500.</a:t>
-            </a:r>
+            <a:endParaRPr lang="en-US" b="1" dirty="0" smtClean="0"/>
+          </a:p>
+          <a:p>
+            <a:endParaRPr lang="en-US" dirty="0" smtClean="0"/>
+          </a:p>
+          <a:p>
+            <a:endParaRPr lang="en-US" dirty="0" smtClean="0"/>
           </a:p>
         </p:txBody>
       </p:sp>
     </p:spTree>
     <p:extLst>
       <p:ext uri="{BB962C8B-B14F-4D97-AF65-F5344CB8AC3E}">
-        <p14:creationId xmlns:p14="http://schemas.microsoft.com/office/powerpoint/2010/main" val="903246197"/>
+        <p14:creationId xmlns:p14="http://schemas.microsoft.com/office/powerpoint/2010/main" val="439334465"/>
       </p:ext>
     </p:extLst>
   </p:cSld>
